--- a/javabase1Jvm/src/main/java/com/javabase/jvm1runtime/runtimeDetail/9.锁.pptx
+++ b/javabase1Jvm/src/main/java/com/javabase/jvm1runtime/runtimeDetail/9.锁.pptx
@@ -1,19 +1,17 @@
 
 <file path=ppt/presentation.xml><?xml version="1.0" encoding="utf-8"?>
-<p:presentation xmlns:a="http://schemas.openxmlformats.org/drawingml/2006/main" xmlns:r="http://schemas.openxmlformats.org/officeDocument/2006/relationships" xmlns:p="http://schemas.openxmlformats.org/presentationml/2006/main" showSpecialPlsOnTitleSld="0" saveSubsetFonts="1">
+<p:presentation xmlns:a="http://schemas.openxmlformats.org/drawingml/2006/main" xmlns:r="http://schemas.openxmlformats.org/officeDocument/2006/relationships" xmlns:p="http://schemas.openxmlformats.org/presentationml/2006/main" showSpecialPlsOnTitleSld="0">
   <p:sldMasterIdLst>
     <p:sldMasterId id="2147483648" r:id="rId1"/>
   </p:sldMasterIdLst>
   <p:notesMasterIdLst>
-    <p:notesMasterId r:id="rId30"/>
+    <p:notesMasterId r:id="rId4"/>
   </p:notesMasterIdLst>
   <p:handoutMasterIdLst>
-    <p:handoutMasterId r:id="rId31"/>
+    <p:handoutMasterId r:id="rId30"/>
   </p:handoutMasterIdLst>
   <p:sldIdLst>
-    <p:sldId id="256" r:id="rId2"/>
-    <p:sldId id="298" r:id="rId3"/>
-    <p:sldId id="315" r:id="rId4"/>
+    <p:sldId id="315" r:id="rId3"/>
     <p:sldId id="336" r:id="rId5"/>
     <p:sldId id="337" r:id="rId6"/>
     <p:sldId id="326" r:id="rId7"/>
@@ -40,7 +38,7 @@
     <p:sldId id="319" r:id="rId28"/>
     <p:sldId id="265" r:id="rId29"/>
   </p:sldIdLst>
-  <p:sldSz cx="12204700" cy="6859588"/>
+  <p:sldSz cx="12204700" cy="6859270"/>
   <p:notesSz cx="9144000" cy="6858000"/>
   <p:defaultTextStyle>
     <a:defPPr>
@@ -57,12 +55,12 @@
         <a:solidFill>
           <a:schemeClr val="tx1"/>
         </a:solidFill>
-        <a:latin typeface="Arial" charset="0"/>
-        <a:ea typeface="宋体" pitchFamily="2" charset="-122"/>
+        <a:latin typeface="Arial" panose="020B0604020202020204" pitchFamily="34" charset="0"/>
+        <a:ea typeface="宋体" panose="02010600030101010101" pitchFamily="2" charset="-122"/>
         <a:cs typeface="+mn-cs"/>
       </a:defRPr>
     </a:lvl1pPr>
-    <a:lvl2pPr marL="544662" algn="l" rtl="0" fontAlgn="base">
+    <a:lvl2pPr marL="544830" algn="l" rtl="0" fontAlgn="base">
       <a:spcBef>
         <a:spcPct val="0"/>
       </a:spcBef>
@@ -73,12 +71,12 @@
         <a:solidFill>
           <a:schemeClr val="tx1"/>
         </a:solidFill>
-        <a:latin typeface="Arial" charset="0"/>
-        <a:ea typeface="宋体" pitchFamily="2" charset="-122"/>
+        <a:latin typeface="Arial" panose="020B0604020202020204" pitchFamily="34" charset="0"/>
+        <a:ea typeface="宋体" panose="02010600030101010101" pitchFamily="2" charset="-122"/>
         <a:cs typeface="+mn-cs"/>
       </a:defRPr>
     </a:lvl2pPr>
-    <a:lvl3pPr marL="1089325" algn="l" rtl="0" fontAlgn="base">
+    <a:lvl3pPr marL="1089025" algn="l" rtl="0" fontAlgn="base">
       <a:spcBef>
         <a:spcPct val="0"/>
       </a:spcBef>
@@ -89,12 +87,12 @@
         <a:solidFill>
           <a:schemeClr val="tx1"/>
         </a:solidFill>
-        <a:latin typeface="Arial" charset="0"/>
-        <a:ea typeface="宋体" pitchFamily="2" charset="-122"/>
+        <a:latin typeface="Arial" panose="020B0604020202020204" pitchFamily="34" charset="0"/>
+        <a:ea typeface="宋体" panose="02010600030101010101" pitchFamily="2" charset="-122"/>
         <a:cs typeface="+mn-cs"/>
       </a:defRPr>
     </a:lvl3pPr>
-    <a:lvl4pPr marL="1633987" algn="l" rtl="0" fontAlgn="base">
+    <a:lvl4pPr marL="1633855" algn="l" rtl="0" fontAlgn="base">
       <a:spcBef>
         <a:spcPct val="0"/>
       </a:spcBef>
@@ -105,12 +103,12 @@
         <a:solidFill>
           <a:schemeClr val="tx1"/>
         </a:solidFill>
-        <a:latin typeface="Arial" charset="0"/>
-        <a:ea typeface="宋体" pitchFamily="2" charset="-122"/>
+        <a:latin typeface="Arial" panose="020B0604020202020204" pitchFamily="34" charset="0"/>
+        <a:ea typeface="宋体" panose="02010600030101010101" pitchFamily="2" charset="-122"/>
         <a:cs typeface="+mn-cs"/>
       </a:defRPr>
     </a:lvl4pPr>
-    <a:lvl5pPr marL="2178649" algn="l" rtl="0" fontAlgn="base">
+    <a:lvl5pPr marL="2178685" algn="l" rtl="0" fontAlgn="base">
       <a:spcBef>
         <a:spcPct val="0"/>
       </a:spcBef>
@@ -121,48 +119,48 @@
         <a:solidFill>
           <a:schemeClr val="tx1"/>
         </a:solidFill>
-        <a:latin typeface="Arial" charset="0"/>
-        <a:ea typeface="宋体" pitchFamily="2" charset="-122"/>
+        <a:latin typeface="Arial" panose="020B0604020202020204" pitchFamily="34" charset="0"/>
+        <a:ea typeface="宋体" panose="02010600030101010101" pitchFamily="2" charset="-122"/>
         <a:cs typeface="+mn-cs"/>
       </a:defRPr>
     </a:lvl5pPr>
-    <a:lvl6pPr marL="2723312" algn="l" defTabSz="1089325" rtl="0" eaLnBrk="1" latinLnBrk="0" hangingPunct="1">
+    <a:lvl6pPr marL="2723515" algn="l" defTabSz="1089025" rtl="0" eaLnBrk="1" latinLnBrk="0" hangingPunct="1">
       <a:defRPr kern="1200">
         <a:solidFill>
           <a:schemeClr val="tx1"/>
         </a:solidFill>
-        <a:latin typeface="Arial" charset="0"/>
-        <a:ea typeface="宋体" pitchFamily="2" charset="-122"/>
+        <a:latin typeface="Arial" panose="020B0604020202020204" pitchFamily="34" charset="0"/>
+        <a:ea typeface="宋体" panose="02010600030101010101" pitchFamily="2" charset="-122"/>
         <a:cs typeface="+mn-cs"/>
       </a:defRPr>
     </a:lvl6pPr>
-    <a:lvl7pPr marL="3267974" algn="l" defTabSz="1089325" rtl="0" eaLnBrk="1" latinLnBrk="0" hangingPunct="1">
+    <a:lvl7pPr marL="3267710" algn="l" defTabSz="1089025" rtl="0" eaLnBrk="1" latinLnBrk="0" hangingPunct="1">
       <a:defRPr kern="1200">
         <a:solidFill>
           <a:schemeClr val="tx1"/>
         </a:solidFill>
-        <a:latin typeface="Arial" charset="0"/>
-        <a:ea typeface="宋体" pitchFamily="2" charset="-122"/>
+        <a:latin typeface="Arial" panose="020B0604020202020204" pitchFamily="34" charset="0"/>
+        <a:ea typeface="宋体" panose="02010600030101010101" pitchFamily="2" charset="-122"/>
         <a:cs typeface="+mn-cs"/>
       </a:defRPr>
     </a:lvl7pPr>
-    <a:lvl8pPr marL="3812637" algn="l" defTabSz="1089325" rtl="0" eaLnBrk="1" latinLnBrk="0" hangingPunct="1">
+    <a:lvl8pPr marL="3812540" algn="l" defTabSz="1089025" rtl="0" eaLnBrk="1" latinLnBrk="0" hangingPunct="1">
       <a:defRPr kern="1200">
         <a:solidFill>
           <a:schemeClr val="tx1"/>
         </a:solidFill>
-        <a:latin typeface="Arial" charset="0"/>
-        <a:ea typeface="宋体" pitchFamily="2" charset="-122"/>
+        <a:latin typeface="Arial" panose="020B0604020202020204" pitchFamily="34" charset="0"/>
+        <a:ea typeface="宋体" panose="02010600030101010101" pitchFamily="2" charset="-122"/>
         <a:cs typeface="+mn-cs"/>
       </a:defRPr>
     </a:lvl8pPr>
-    <a:lvl9pPr marL="4357299" algn="l" defTabSz="1089325" rtl="0" eaLnBrk="1" latinLnBrk="0" hangingPunct="1">
+    <a:lvl9pPr marL="4357370" algn="l" defTabSz="1089025" rtl="0" eaLnBrk="1" latinLnBrk="0" hangingPunct="1">
       <a:defRPr kern="1200">
         <a:solidFill>
           <a:schemeClr val="tx1"/>
         </a:solidFill>
-        <a:latin typeface="Arial" charset="0"/>
-        <a:ea typeface="宋体" pitchFamily="2" charset="-122"/>
+        <a:latin typeface="Arial" panose="020B0604020202020204" pitchFamily="34" charset="0"/>
+        <a:ea typeface="宋体" panose="02010600030101010101" pitchFamily="2" charset="-122"/>
         <a:cs typeface="+mn-cs"/>
       </a:defRPr>
     </a:lvl9pPr>
@@ -276,10 +274,6 @@
             </a:pPr>
             <a:fld id="{E60E44AF-0D8D-4B66-BECC-4D5B9292E151}" type="datetimeFigureOut">
               <a:rPr lang="zh-CN" altLang="en-US"/>
-              <a:pPr>
-                <a:defRPr/>
-              </a:pPr>
-              <a:t>2014/7/23</a:t>
             </a:fld>
             <a:endParaRPr lang="zh-CN" altLang="en-US"/>
           </a:p>
@@ -369,21 +363,12 @@
             </a:pPr>
             <a:fld id="{C3C35A87-E971-49BF-8F02-A5CE2B85C743}" type="slidenum">
               <a:rPr lang="zh-CN" altLang="en-US"/>
-              <a:pPr>
-                <a:defRPr/>
-              </a:pPr>
-              <a:t>‹#›</a:t>
             </a:fld>
             <a:endParaRPr lang="zh-CN" altLang="en-US"/>
           </a:p>
         </p:txBody>
       </p:sp>
     </p:spTree>
-    <p:extLst>
-      <p:ext uri="{BB962C8B-B14F-4D97-AF65-F5344CB8AC3E}">
-        <p14:creationId xmlns:p14="http://schemas.microsoft.com/office/powerpoint/2010/main" val="179028799"/>
-      </p:ext>
-    </p:extLst>
   </p:cSld>
   <p:clrMap bg1="lt1" tx1="dk1" bg2="lt2" tx2="dk2" accent1="accent1" accent2="accent2" accent3="accent3" accent4="accent4" accent5="accent5" accent6="accent6" hlink="hlink" folHlink="folHlink"/>
 </p:handoutMaster>
@@ -495,10 +480,6 @@
             </a:pPr>
             <a:fld id="{57119A08-1D2F-470C-8FD3-E69459F4B57D}" type="datetimeFigureOut">
               <a:rPr lang="zh-CN" altLang="en-US"/>
-              <a:pPr>
-                <a:defRPr/>
-              </a:pPr>
-              <a:t>2014/7/23</a:t>
             </a:fld>
             <a:endParaRPr lang="zh-CN" altLang="en-US"/>
           </a:p>
@@ -568,6 +549,7 @@
               <a:rPr lang="zh-CN" altLang="en-US" noProof="0" smtClean="0"/>
               <a:t>单击此处编辑母版文本样式</a:t>
             </a:r>
+            <a:endParaRPr lang="zh-CN" altLang="en-US" noProof="0" smtClean="0"/>
           </a:p>
           <a:p>
             <a:pPr lvl="1"/>
@@ -575,6 +557,7 @@
               <a:rPr lang="zh-CN" altLang="en-US" noProof="0" smtClean="0"/>
               <a:t>第二级</a:t>
             </a:r>
+            <a:endParaRPr lang="zh-CN" altLang="en-US" noProof="0" smtClean="0"/>
           </a:p>
           <a:p>
             <a:pPr lvl="2"/>
@@ -582,6 +565,7 @@
               <a:rPr lang="zh-CN" altLang="en-US" noProof="0" smtClean="0"/>
               <a:t>第三级</a:t>
             </a:r>
+            <a:endParaRPr lang="zh-CN" altLang="en-US" noProof="0" smtClean="0"/>
           </a:p>
           <a:p>
             <a:pPr lvl="3"/>
@@ -589,6 +573,7 @@
               <a:rPr lang="zh-CN" altLang="en-US" noProof="0" smtClean="0"/>
               <a:t>第四级</a:t>
             </a:r>
+            <a:endParaRPr lang="zh-CN" altLang="en-US" noProof="0" smtClean="0"/>
           </a:p>
           <a:p>
             <a:pPr lvl="4"/>
@@ -684,21 +669,12 @@
             </a:pPr>
             <a:fld id="{A06004EB-C740-4F3D-A864-243FCB14D11E}" type="slidenum">
               <a:rPr lang="zh-CN" altLang="en-US"/>
-              <a:pPr>
-                <a:defRPr/>
-              </a:pPr>
-              <a:t>‹#›</a:t>
             </a:fld>
             <a:endParaRPr lang="zh-CN" altLang="en-US"/>
           </a:p>
         </p:txBody>
       </p:sp>
     </p:spTree>
-    <p:extLst>
-      <p:ext uri="{BB962C8B-B14F-4D97-AF65-F5344CB8AC3E}">
-        <p14:creationId xmlns:p14="http://schemas.microsoft.com/office/powerpoint/2010/main" val="1757593058"/>
-      </p:ext>
-    </p:extLst>
   </p:cSld>
   <p:clrMap bg1="lt1" tx1="dk1" bg2="lt2" tx2="dk2" accent1="accent1" accent2="accent2" accent3="accent3" accent4="accent4" accent5="accent5" accent6="accent6" hlink="hlink" folHlink="folHlink"/>
   <p:notesStyle>
@@ -718,7 +694,7 @@
         <a:cs typeface="+mn-cs"/>
       </a:defRPr>
     </a:lvl1pPr>
-    <a:lvl2pPr marL="544662" algn="l" rtl="0" eaLnBrk="0" fontAlgn="base" hangingPunct="0">
+    <a:lvl2pPr marL="544830" algn="l" rtl="0" eaLnBrk="0" fontAlgn="base" hangingPunct="0">
       <a:spcBef>
         <a:spcPct val="30000"/>
       </a:spcBef>
@@ -734,7 +710,7 @@
         <a:cs typeface="+mn-cs"/>
       </a:defRPr>
     </a:lvl2pPr>
-    <a:lvl3pPr marL="1089325" algn="l" rtl="0" eaLnBrk="0" fontAlgn="base" hangingPunct="0">
+    <a:lvl3pPr marL="1089025" algn="l" rtl="0" eaLnBrk="0" fontAlgn="base" hangingPunct="0">
       <a:spcBef>
         <a:spcPct val="30000"/>
       </a:spcBef>
@@ -750,7 +726,7 @@
         <a:cs typeface="+mn-cs"/>
       </a:defRPr>
     </a:lvl3pPr>
-    <a:lvl4pPr marL="1633987" algn="l" rtl="0" eaLnBrk="0" fontAlgn="base" hangingPunct="0">
+    <a:lvl4pPr marL="1633855" algn="l" rtl="0" eaLnBrk="0" fontAlgn="base" hangingPunct="0">
       <a:spcBef>
         <a:spcPct val="30000"/>
       </a:spcBef>
@@ -766,7 +742,7 @@
         <a:cs typeface="+mn-cs"/>
       </a:defRPr>
     </a:lvl4pPr>
-    <a:lvl5pPr marL="2178649" algn="l" rtl="0" eaLnBrk="0" fontAlgn="base" hangingPunct="0">
+    <a:lvl5pPr marL="2178685" algn="l" rtl="0" eaLnBrk="0" fontAlgn="base" hangingPunct="0">
       <a:spcBef>
         <a:spcPct val="30000"/>
       </a:spcBef>
@@ -782,7 +758,7 @@
         <a:cs typeface="+mn-cs"/>
       </a:defRPr>
     </a:lvl5pPr>
-    <a:lvl6pPr marL="2723312" algn="l" defTabSz="1089325" rtl="0" eaLnBrk="1" latinLnBrk="0" hangingPunct="1">
+    <a:lvl6pPr marL="2723515" algn="l" defTabSz="1089025" rtl="0" eaLnBrk="1" latinLnBrk="0" hangingPunct="1">
       <a:defRPr sz="1400" kern="1200">
         <a:solidFill>
           <a:schemeClr val="tx1"/>
@@ -792,7 +768,7 @@
         <a:cs typeface="+mn-cs"/>
       </a:defRPr>
     </a:lvl6pPr>
-    <a:lvl7pPr marL="3267974" algn="l" defTabSz="1089325" rtl="0" eaLnBrk="1" latinLnBrk="0" hangingPunct="1">
+    <a:lvl7pPr marL="3267710" algn="l" defTabSz="1089025" rtl="0" eaLnBrk="1" latinLnBrk="0" hangingPunct="1">
       <a:defRPr sz="1400" kern="1200">
         <a:solidFill>
           <a:schemeClr val="tx1"/>
@@ -802,7 +778,7 @@
         <a:cs typeface="+mn-cs"/>
       </a:defRPr>
     </a:lvl7pPr>
-    <a:lvl8pPr marL="3812637" algn="l" defTabSz="1089325" rtl="0" eaLnBrk="1" latinLnBrk="0" hangingPunct="1">
+    <a:lvl8pPr marL="3812540" algn="l" defTabSz="1089025" rtl="0" eaLnBrk="1" latinLnBrk="0" hangingPunct="1">
       <a:defRPr sz="1400" kern="1200">
         <a:solidFill>
           <a:schemeClr val="tx1"/>
@@ -812,7 +788,7 @@
         <a:cs typeface="+mn-cs"/>
       </a:defRPr>
     </a:lvl8pPr>
-    <a:lvl9pPr marL="4357299" algn="l" defTabSz="1089325" rtl="0" eaLnBrk="1" latinLnBrk="0" hangingPunct="1">
+    <a:lvl9pPr marL="4357370" algn="l" defTabSz="1089025" rtl="0" eaLnBrk="1" latinLnBrk="0" hangingPunct="1">
       <a:defRPr sz="1400" kern="1200">
         <a:solidFill>
           <a:schemeClr val="tx1"/>
@@ -870,6 +846,26 @@
           <a:bodyPr/>
           <a:lstStyle/>
           <a:p>
+            <a:r>
+              <a:rPr lang="zh-CN" altLang="en-US" dirty="0" smtClean="0"/>
+              <a:t>介绍一下传统的锁是重量级的，</a:t>
+            </a:r>
+            <a:r>
+              <a:rPr lang="en-US" altLang="zh-CN" dirty="0" err="1" smtClean="0"/>
+              <a:t>monitorenter</a:t>
+            </a:r>
+            <a:r>
+              <a:rPr lang="zh-CN" altLang="en-US" dirty="0" smtClean="0"/>
+              <a:t>有可能让线程在</a:t>
+            </a:r>
+            <a:r>
+              <a:rPr lang="en-US" altLang="zh-CN" dirty="0" smtClean="0"/>
+              <a:t>OS</a:t>
+            </a:r>
+            <a:r>
+              <a:rPr lang="zh-CN" altLang="en-US" dirty="0" smtClean="0"/>
+              <a:t>层面挂起</a:t>
+            </a:r>
             <a:endParaRPr lang="zh-CN" altLang="en-US" dirty="0"/>
           </a:p>
         </p:txBody>
@@ -894,21 +890,12 @@
             </a:pPr>
             <a:fld id="{A06004EB-C740-4F3D-A864-243FCB14D11E}" type="slidenum">
               <a:rPr lang="zh-CN" altLang="en-US" smtClean="0"/>
-              <a:pPr>
-                <a:defRPr/>
-              </a:pPr>
-              <a:t>1</a:t>
             </a:fld>
             <a:endParaRPr lang="zh-CN" altLang="en-US"/>
           </a:p>
         </p:txBody>
       </p:sp>
     </p:spTree>
-    <p:extLst>
-      <p:ext uri="{BB962C8B-B14F-4D97-AF65-F5344CB8AC3E}">
-        <p14:creationId xmlns:p14="http://schemas.microsoft.com/office/powerpoint/2010/main" val="726649002"/>
-      </p:ext>
-    </p:extLst>
   </p:cSld>
   <p:clrMapOvr>
     <a:masterClrMapping/>
@@ -961,10 +948,94 @@
           <a:lstStyle/>
           <a:p>
             <a:r>
-              <a:rPr lang="zh-CN" altLang="en-US" dirty="0" smtClean="0"/>
-              <a:t>天下没有免费的午餐</a:t>
-            </a:r>
-            <a:endParaRPr lang="zh-CN" altLang="en-US" dirty="0"/>
+              <a:rPr lang="en-US" altLang="zh-CN" dirty="0" smtClean="0"/>
+              <a:t>take</a:t>
+            </a:r>
+            <a:r>
+              <a:rPr lang="zh-CN" altLang="en-US" dirty="0" smtClean="0"/>
+              <a:t>只作用于前端，</a:t>
+            </a:r>
+            <a:r>
+              <a:rPr lang="en-US" altLang="zh-CN" dirty="0" smtClean="0"/>
+              <a:t>put</a:t>
+            </a:r>
+            <a:r>
+              <a:rPr lang="zh-CN" altLang="en-US" dirty="0" smtClean="0"/>
+              <a:t>只作用于尾端</a:t>
+            </a:r>
+            <a:endParaRPr lang="en-US" altLang="zh-CN" dirty="0" smtClean="0"/>
+          </a:p>
+          <a:p>
+            <a:r>
+              <a:rPr lang="en-US" altLang="zh-CN" dirty="0" smtClean="0"/>
+              <a:t>E</a:t>
+            </a:r>
+            <a:r>
+              <a:rPr lang="zh-CN" altLang="en-US" dirty="0" smtClean="0"/>
+              <a:t>入队时，只要将</a:t>
+            </a:r>
+            <a:r>
+              <a:rPr lang="en-US" altLang="zh-CN" dirty="0" err="1" smtClean="0"/>
+              <a:t>D.last</a:t>
+            </a:r>
+            <a:r>
+              <a:rPr lang="en-US" altLang="zh-CN" dirty="0" smtClean="0"/>
+              <a:t>=E</a:t>
+            </a:r>
+            <a:endParaRPr lang="en-US" altLang="zh-CN" dirty="0" smtClean="0"/>
+          </a:p>
+          <a:p>
+            <a:r>
+              <a:rPr lang="en-US" altLang="zh-CN" dirty="0" smtClean="0"/>
+              <a:t>A</a:t>
+            </a:r>
+            <a:r>
+              <a:rPr lang="zh-CN" altLang="en-US" dirty="0" smtClean="0"/>
+              <a:t>出队时，只要</a:t>
+            </a:r>
+            <a:r>
+              <a:rPr lang="en-US" altLang="zh-CN" dirty="0" smtClean="0"/>
+              <a:t>head=</a:t>
+            </a:r>
+            <a:r>
+              <a:rPr lang="en-US" altLang="zh-CN" dirty="0" err="1" smtClean="0"/>
+              <a:t>head.next</a:t>
+            </a:r>
+            <a:endParaRPr lang="en-US" altLang="zh-CN" dirty="0" smtClean="0"/>
+          </a:p>
+          <a:p>
+            <a:r>
+              <a:rPr lang="zh-CN" altLang="en-US" dirty="0" smtClean="0"/>
+              <a:t>从功能的角度做分离，功能不同，互补影响，就可以分离</a:t>
+            </a:r>
+            <a:endParaRPr lang="en-US" altLang="zh-CN" dirty="0" smtClean="0"/>
+          </a:p>
+          <a:p>
+            <a:r>
+              <a:rPr lang="en-US" altLang="zh-CN" dirty="0" err="1" smtClean="0"/>
+              <a:t>LinkedBlockingQueue</a:t>
+            </a:r>
+            <a:r>
+              <a:rPr lang="zh-CN" altLang="en-US" dirty="0" smtClean="0"/>
+              <a:t>实现中，可以使用</a:t>
+            </a:r>
+            <a:r>
+              <a:rPr lang="en-US" altLang="zh-CN" dirty="0" err="1" smtClean="0"/>
+              <a:t>takeLock</a:t>
+            </a:r>
+            <a:r>
+              <a:rPr lang="zh-CN" altLang="en-US" dirty="0" smtClean="0"/>
+              <a:t>和</a:t>
+            </a:r>
+            <a:r>
+              <a:rPr lang="en-US" altLang="zh-CN" dirty="0" err="1" smtClean="0"/>
+              <a:t>putLock</a:t>
+            </a:r>
+            <a:r>
+              <a:rPr lang="zh-CN" altLang="en-US" dirty="0" smtClean="0"/>
+              <a:t>两个锁</a:t>
+            </a:r>
+            <a:endParaRPr lang="en-US" altLang="zh-CN" dirty="0" smtClean="0"/>
           </a:p>
         </p:txBody>
       </p:sp>
@@ -988,21 +1059,12 @@
             </a:pPr>
             <a:fld id="{A06004EB-C740-4F3D-A864-243FCB14D11E}" type="slidenum">
               <a:rPr lang="zh-CN" altLang="en-US" smtClean="0"/>
-              <a:pPr>
-                <a:defRPr/>
-              </a:pPr>
-              <a:t>17</a:t>
             </a:fld>
             <a:endParaRPr lang="zh-CN" altLang="en-US"/>
           </a:p>
         </p:txBody>
       </p:sp>
     </p:spTree>
-    <p:extLst>
-      <p:ext uri="{BB962C8B-B14F-4D97-AF65-F5344CB8AC3E}">
-        <p14:creationId xmlns:p14="http://schemas.microsoft.com/office/powerpoint/2010/main" val="3937083478"/>
-      </p:ext>
-    </p:extLst>
   </p:cSld>
   <p:clrMapOvr>
     <a:masterClrMapping/>
@@ -1056,7 +1118,7 @@
           <a:p>
             <a:r>
               <a:rPr lang="zh-CN" altLang="en-US" dirty="0" smtClean="0"/>
-              <a:t>对文件读取时，允许多个线程同时进入</a:t>
+              <a:t>和减少锁粒度，减少锁持有时间背道而驰</a:t>
             </a:r>
             <a:endParaRPr lang="zh-CN" altLang="en-US" dirty="0"/>
           </a:p>
@@ -1082,21 +1144,12 @@
             </a:pPr>
             <a:fld id="{A06004EB-C740-4F3D-A864-243FCB14D11E}" type="slidenum">
               <a:rPr lang="zh-CN" altLang="en-US" smtClean="0"/>
-              <a:pPr>
-                <a:defRPr/>
-              </a:pPr>
-              <a:t>18</a:t>
             </a:fld>
             <a:endParaRPr lang="zh-CN" altLang="en-US"/>
           </a:p>
         </p:txBody>
       </p:sp>
     </p:spTree>
-    <p:extLst>
-      <p:ext uri="{BB962C8B-B14F-4D97-AF65-F5344CB8AC3E}">
-        <p14:creationId xmlns:p14="http://schemas.microsoft.com/office/powerpoint/2010/main" val="283612206"/>
-      </p:ext>
-    </p:extLst>
   </p:cSld>
   <p:clrMapOvr>
     <a:masterClrMapping/>
@@ -1148,94 +1201,7 @@
           <a:bodyPr/>
           <a:lstStyle/>
           <a:p>
-            <a:r>
-              <a:rPr lang="en-US" altLang="zh-CN" dirty="0" smtClean="0"/>
-              <a:t>take</a:t>
-            </a:r>
-            <a:r>
-              <a:rPr lang="zh-CN" altLang="en-US" dirty="0" smtClean="0"/>
-              <a:t>只作用于前端，</a:t>
-            </a:r>
-            <a:r>
-              <a:rPr lang="en-US" altLang="zh-CN" dirty="0" smtClean="0"/>
-              <a:t>put</a:t>
-            </a:r>
-            <a:r>
-              <a:rPr lang="zh-CN" altLang="en-US" dirty="0" smtClean="0"/>
-              <a:t>只作用于尾端</a:t>
-            </a:r>
-            <a:endParaRPr lang="en-US" altLang="zh-CN" dirty="0" smtClean="0"/>
-          </a:p>
-          <a:p>
-            <a:r>
-              <a:rPr lang="en-US" altLang="zh-CN" dirty="0" smtClean="0"/>
-              <a:t>E</a:t>
-            </a:r>
-            <a:r>
-              <a:rPr lang="zh-CN" altLang="en-US" dirty="0" smtClean="0"/>
-              <a:t>入队时，只要将</a:t>
-            </a:r>
-            <a:r>
-              <a:rPr lang="en-US" altLang="zh-CN" dirty="0" err="1" smtClean="0"/>
-              <a:t>D.last</a:t>
-            </a:r>
-            <a:r>
-              <a:rPr lang="en-US" altLang="zh-CN" dirty="0" smtClean="0"/>
-              <a:t>=E</a:t>
-            </a:r>
-          </a:p>
-          <a:p>
-            <a:r>
-              <a:rPr lang="en-US" altLang="zh-CN" dirty="0" smtClean="0"/>
-              <a:t>A</a:t>
-            </a:r>
-            <a:r>
-              <a:rPr lang="zh-CN" altLang="en-US" dirty="0" smtClean="0"/>
-              <a:t>出队时，只要</a:t>
-            </a:r>
-            <a:r>
-              <a:rPr lang="en-US" altLang="zh-CN" dirty="0" smtClean="0"/>
-              <a:t>head=</a:t>
-            </a:r>
-            <a:r>
-              <a:rPr lang="en-US" altLang="zh-CN" dirty="0" err="1" smtClean="0"/>
-              <a:t>head.next</a:t>
-            </a:r>
-            <a:endParaRPr lang="en-US" altLang="zh-CN" dirty="0" smtClean="0"/>
-          </a:p>
-          <a:p>
-            <a:r>
-              <a:rPr lang="zh-CN" altLang="en-US" dirty="0" smtClean="0"/>
-              <a:t>从功能的角度做分离，功能不同，互补影响，就可以分离</a:t>
-            </a:r>
-            <a:endParaRPr lang="en-US" altLang="zh-CN" dirty="0" smtClean="0"/>
-          </a:p>
-          <a:p>
-            <a:r>
-              <a:rPr lang="en-US" altLang="zh-CN" dirty="0" err="1" smtClean="0"/>
-              <a:t>LinkedBlockingQueue</a:t>
-            </a:r>
-            <a:r>
-              <a:rPr lang="zh-CN" altLang="en-US" dirty="0" smtClean="0"/>
-              <a:t>实现中，可以使用</a:t>
-            </a:r>
-            <a:r>
-              <a:rPr lang="en-US" altLang="zh-CN" dirty="0" err="1" smtClean="0"/>
-              <a:t>takeLock</a:t>
-            </a:r>
-            <a:r>
-              <a:rPr lang="zh-CN" altLang="en-US" dirty="0" smtClean="0"/>
-              <a:t>和</a:t>
-            </a:r>
-            <a:r>
-              <a:rPr lang="en-US" altLang="zh-CN" dirty="0" err="1" smtClean="0"/>
-              <a:t>putLock</a:t>
-            </a:r>
-            <a:r>
-              <a:rPr lang="zh-CN" altLang="en-US" dirty="0" smtClean="0"/>
-              <a:t>两个锁</a:t>
-            </a:r>
-            <a:endParaRPr lang="en-US" altLang="zh-CN" dirty="0" smtClean="0"/>
+            <a:endParaRPr lang="zh-CN" altLang="en-US"/>
           </a:p>
         </p:txBody>
       </p:sp>
@@ -1259,21 +1225,12 @@
             </a:pPr>
             <a:fld id="{A06004EB-C740-4F3D-A864-243FCB14D11E}" type="slidenum">
               <a:rPr lang="zh-CN" altLang="en-US" smtClean="0"/>
-              <a:pPr>
-                <a:defRPr/>
-              </a:pPr>
-              <a:t>19</a:t>
             </a:fld>
             <a:endParaRPr lang="zh-CN" altLang="en-US"/>
           </a:p>
         </p:txBody>
       </p:sp>
     </p:spTree>
-    <p:extLst>
-      <p:ext uri="{BB962C8B-B14F-4D97-AF65-F5344CB8AC3E}">
-        <p14:creationId xmlns:p14="http://schemas.microsoft.com/office/powerpoint/2010/main" val="1447965635"/>
-      </p:ext>
-    </p:extLst>
   </p:cSld>
   <p:clrMapOvr>
     <a:masterClrMapping/>
@@ -1325,11 +1282,7 @@
           <a:bodyPr/>
           <a:lstStyle/>
           <a:p>
-            <a:r>
-              <a:rPr lang="zh-CN" altLang="en-US" dirty="0" smtClean="0"/>
-              <a:t>和减少锁粒度，减少锁持有时间背道而驰</a:t>
-            </a:r>
-            <a:endParaRPr lang="zh-CN" altLang="en-US" dirty="0"/>
+            <a:endParaRPr lang="zh-CN" altLang="en-US"/>
           </a:p>
         </p:txBody>
       </p:sp>
@@ -1353,21 +1306,12 @@
             </a:pPr>
             <a:fld id="{A06004EB-C740-4F3D-A864-243FCB14D11E}" type="slidenum">
               <a:rPr lang="zh-CN" altLang="en-US" smtClean="0"/>
-              <a:pPr>
-                <a:defRPr/>
-              </a:pPr>
-              <a:t>20</a:t>
             </a:fld>
             <a:endParaRPr lang="zh-CN" altLang="en-US"/>
           </a:p>
         </p:txBody>
       </p:sp>
     </p:spTree>
-    <p:extLst>
-      <p:ext uri="{BB962C8B-B14F-4D97-AF65-F5344CB8AC3E}">
-        <p14:creationId xmlns:p14="http://schemas.microsoft.com/office/powerpoint/2010/main" val="869848109"/>
-      </p:ext>
-    </p:extLst>
   </p:cSld>
   <p:clrMapOvr>
     <a:masterClrMapping/>
@@ -1419,7 +1363,26 @@
           <a:bodyPr/>
           <a:lstStyle/>
           <a:p>
-            <a:endParaRPr lang="zh-CN" altLang="en-US"/>
+            <a:r>
+              <a:rPr lang="zh-CN" altLang="en-US" dirty="0" smtClean="0"/>
+              <a:t>锁不是由程序员引入的，</a:t>
+            </a:r>
+            <a:r>
+              <a:rPr lang="en-US" altLang="zh-CN" dirty="0" smtClean="0"/>
+              <a:t>JDK</a:t>
+            </a:r>
+            <a:r>
+              <a:rPr lang="zh-CN" altLang="en-US" dirty="0" smtClean="0"/>
+              <a:t>自带的一些库，可能内置锁</a:t>
+            </a:r>
+            <a:endParaRPr lang="en-US" altLang="zh-CN" dirty="0" smtClean="0"/>
+          </a:p>
+          <a:p>
+            <a:r>
+              <a:rPr lang="zh-CN" altLang="en-US" dirty="0" smtClean="0"/>
+              <a:t>栈上对象，不会被全局访问的，没有必要加锁</a:t>
+            </a:r>
+            <a:endParaRPr lang="zh-CN" altLang="en-US" dirty="0"/>
           </a:p>
         </p:txBody>
       </p:sp>
@@ -1443,21 +1406,12 @@
             </a:pPr>
             <a:fld id="{A06004EB-C740-4F3D-A864-243FCB14D11E}" type="slidenum">
               <a:rPr lang="zh-CN" altLang="en-US" smtClean="0"/>
-              <a:pPr>
-                <a:defRPr/>
-              </a:pPr>
-              <a:t>21</a:t>
             </a:fld>
             <a:endParaRPr lang="zh-CN" altLang="en-US"/>
           </a:p>
         </p:txBody>
       </p:sp>
     </p:spTree>
-    <p:extLst>
-      <p:ext uri="{BB962C8B-B14F-4D97-AF65-F5344CB8AC3E}">
-        <p14:creationId xmlns:p14="http://schemas.microsoft.com/office/powerpoint/2010/main" val="782459432"/>
-      </p:ext>
-    </p:extLst>
   </p:cSld>
   <p:clrMapOvr>
     <a:masterClrMapping/>
@@ -1533,21 +1487,12 @@
             </a:pPr>
             <a:fld id="{A06004EB-C740-4F3D-A864-243FCB14D11E}" type="slidenum">
               <a:rPr lang="zh-CN" altLang="en-US" smtClean="0"/>
-              <a:pPr>
-                <a:defRPr/>
-              </a:pPr>
-              <a:t>22</a:t>
             </a:fld>
             <a:endParaRPr lang="zh-CN" altLang="en-US"/>
           </a:p>
         </p:txBody>
       </p:sp>
     </p:spTree>
-    <p:extLst>
-      <p:ext uri="{BB962C8B-B14F-4D97-AF65-F5344CB8AC3E}">
-        <p14:creationId xmlns:p14="http://schemas.microsoft.com/office/powerpoint/2010/main" val="3658852561"/>
-      </p:ext>
-    </p:extLst>
   </p:cSld>
   <p:clrMapOvr>
     <a:masterClrMapping/>
@@ -1600,23 +1545,412 @@
           <a:lstStyle/>
           <a:p>
             <a:r>
-              <a:rPr lang="zh-CN" altLang="en-US" dirty="0" smtClean="0"/>
-              <a:t>锁不是由程序员引入的，</a:t>
-            </a:r>
-            <a:r>
-              <a:rPr lang="en-US" altLang="zh-CN" dirty="0" smtClean="0"/>
-              <a:t>JDK</a:t>
-            </a:r>
-            <a:r>
-              <a:rPr lang="zh-CN" altLang="en-US" dirty="0" smtClean="0"/>
-              <a:t>自带的一些库，可能内置锁</a:t>
-            </a:r>
-            <a:endParaRPr lang="en-US" altLang="zh-CN" dirty="0" smtClean="0"/>
-          </a:p>
-          <a:p>
-            <a:r>
-              <a:rPr lang="zh-CN" altLang="en-US" dirty="0" smtClean="0"/>
-              <a:t>栈上对象，不会被全局访问的，没有必要加锁</a:t>
+              <a:rPr lang="en-US" altLang="zh-CN" sz="1400" kern="1200" dirty="0" smtClean="0">
+                <a:solidFill>
+                  <a:schemeClr val="tx1"/>
+                </a:solidFill>
+                <a:effectLst/>
+                <a:latin typeface="+mn-lt"/>
+                <a:ea typeface="+mn-ea"/>
+                <a:cs typeface="+mn-cs"/>
+              </a:rPr>
+              <a:t>CAS</a:t>
+            </a:r>
+            <a:r>
+              <a:rPr lang="zh-CN" altLang="zh-CN" sz="1400" kern="1200" dirty="0" smtClean="0">
+                <a:solidFill>
+                  <a:schemeClr val="tx1"/>
+                </a:solidFill>
+                <a:effectLst/>
+                <a:latin typeface="+mn-lt"/>
+                <a:ea typeface="+mn-ea"/>
+                <a:cs typeface="+mn-cs"/>
+              </a:rPr>
+              <a:t>算法的过程是这样：它包含</a:t>
+            </a:r>
+            <a:r>
+              <a:rPr lang="en-US" altLang="zh-CN" sz="1400" kern="1200" dirty="0" smtClean="0">
+                <a:solidFill>
+                  <a:schemeClr val="tx1"/>
+                </a:solidFill>
+                <a:effectLst/>
+                <a:latin typeface="+mn-lt"/>
+                <a:ea typeface="+mn-ea"/>
+                <a:cs typeface="+mn-cs"/>
+              </a:rPr>
+              <a:t>3</a:t>
+            </a:r>
+            <a:r>
+              <a:rPr lang="zh-CN" altLang="zh-CN" sz="1400" kern="1200" dirty="0" smtClean="0">
+                <a:solidFill>
+                  <a:schemeClr val="tx1"/>
+                </a:solidFill>
+                <a:effectLst/>
+                <a:latin typeface="+mn-lt"/>
+                <a:ea typeface="+mn-ea"/>
+                <a:cs typeface="+mn-cs"/>
+              </a:rPr>
+              <a:t>个参数</a:t>
+            </a:r>
+            <a:r>
+              <a:rPr lang="en-US" altLang="zh-CN" sz="1400" kern="1200" dirty="0" smtClean="0">
+                <a:solidFill>
+                  <a:schemeClr val="tx1"/>
+                </a:solidFill>
+                <a:effectLst/>
+                <a:latin typeface="+mn-lt"/>
+                <a:ea typeface="+mn-ea"/>
+                <a:cs typeface="+mn-cs"/>
+              </a:rPr>
+              <a:t>CAS(V,E,N)</a:t>
+            </a:r>
+            <a:r>
+              <a:rPr lang="zh-CN" altLang="zh-CN" sz="1400" kern="1200" dirty="0" smtClean="0">
+                <a:solidFill>
+                  <a:schemeClr val="tx1"/>
+                </a:solidFill>
+                <a:effectLst/>
+                <a:latin typeface="+mn-lt"/>
+                <a:ea typeface="+mn-ea"/>
+                <a:cs typeface="+mn-cs"/>
+              </a:rPr>
+              <a:t>。</a:t>
+            </a:r>
+            <a:r>
+              <a:rPr lang="en-US" altLang="zh-CN" sz="1400" kern="1200" dirty="0" smtClean="0">
+                <a:solidFill>
+                  <a:schemeClr val="tx1"/>
+                </a:solidFill>
+                <a:effectLst/>
+                <a:latin typeface="+mn-lt"/>
+                <a:ea typeface="+mn-ea"/>
+                <a:cs typeface="+mn-cs"/>
+              </a:rPr>
+              <a:t>V</a:t>
+            </a:r>
+            <a:r>
+              <a:rPr lang="zh-CN" altLang="zh-CN" sz="1400" kern="1200" dirty="0" smtClean="0">
+                <a:solidFill>
+                  <a:schemeClr val="tx1"/>
+                </a:solidFill>
+                <a:effectLst/>
+                <a:latin typeface="+mn-lt"/>
+                <a:ea typeface="+mn-ea"/>
+                <a:cs typeface="+mn-cs"/>
+              </a:rPr>
+              <a:t>表示要更新的变量，</a:t>
+            </a:r>
+            <a:r>
+              <a:rPr lang="en-US" altLang="zh-CN" sz="1400" kern="1200" dirty="0" smtClean="0">
+                <a:solidFill>
+                  <a:schemeClr val="tx1"/>
+                </a:solidFill>
+                <a:effectLst/>
+                <a:latin typeface="+mn-lt"/>
+                <a:ea typeface="+mn-ea"/>
+                <a:cs typeface="+mn-cs"/>
+              </a:rPr>
+              <a:t>E</a:t>
+            </a:r>
+            <a:r>
+              <a:rPr lang="zh-CN" altLang="zh-CN" sz="1400" kern="1200" dirty="0" smtClean="0">
+                <a:solidFill>
+                  <a:schemeClr val="tx1"/>
+                </a:solidFill>
+                <a:effectLst/>
+                <a:latin typeface="+mn-lt"/>
+                <a:ea typeface="+mn-ea"/>
+                <a:cs typeface="+mn-cs"/>
+              </a:rPr>
+              <a:t>表示预期值，</a:t>
+            </a:r>
+            <a:r>
+              <a:rPr lang="en-US" altLang="zh-CN" sz="1400" kern="1200" dirty="0" smtClean="0">
+                <a:solidFill>
+                  <a:schemeClr val="tx1"/>
+                </a:solidFill>
+                <a:effectLst/>
+                <a:latin typeface="+mn-lt"/>
+                <a:ea typeface="+mn-ea"/>
+                <a:cs typeface="+mn-cs"/>
+              </a:rPr>
+              <a:t>N</a:t>
+            </a:r>
+            <a:r>
+              <a:rPr lang="zh-CN" altLang="zh-CN" sz="1400" kern="1200" dirty="0" smtClean="0">
+                <a:solidFill>
+                  <a:schemeClr val="tx1"/>
+                </a:solidFill>
+                <a:effectLst/>
+                <a:latin typeface="+mn-lt"/>
+                <a:ea typeface="+mn-ea"/>
+                <a:cs typeface="+mn-cs"/>
+              </a:rPr>
+              <a:t>表示新值。仅当</a:t>
+            </a:r>
+            <a:r>
+              <a:rPr lang="en-US" altLang="zh-CN" sz="1400" kern="1200" dirty="0" smtClean="0">
+                <a:solidFill>
+                  <a:schemeClr val="tx1"/>
+                </a:solidFill>
+                <a:effectLst/>
+                <a:latin typeface="+mn-lt"/>
+                <a:ea typeface="+mn-ea"/>
+                <a:cs typeface="+mn-cs"/>
+              </a:rPr>
+              <a:t>V</a:t>
+            </a:r>
+            <a:r>
+              <a:rPr lang="zh-CN" altLang="zh-CN" sz="1400" kern="1200" dirty="0" smtClean="0">
+                <a:solidFill>
+                  <a:schemeClr val="tx1"/>
+                </a:solidFill>
+                <a:effectLst/>
+                <a:latin typeface="+mn-lt"/>
+                <a:ea typeface="+mn-ea"/>
+                <a:cs typeface="+mn-cs"/>
+              </a:rPr>
+              <a:t>值等于</a:t>
+            </a:r>
+            <a:r>
+              <a:rPr lang="en-US" altLang="zh-CN" sz="1400" kern="1200" dirty="0" smtClean="0">
+                <a:solidFill>
+                  <a:schemeClr val="tx1"/>
+                </a:solidFill>
+                <a:effectLst/>
+                <a:latin typeface="+mn-lt"/>
+                <a:ea typeface="+mn-ea"/>
+                <a:cs typeface="+mn-cs"/>
+              </a:rPr>
+              <a:t>E</a:t>
+            </a:r>
+            <a:r>
+              <a:rPr lang="zh-CN" altLang="zh-CN" sz="1400" kern="1200" dirty="0" smtClean="0">
+                <a:solidFill>
+                  <a:schemeClr val="tx1"/>
+                </a:solidFill>
+                <a:effectLst/>
+                <a:latin typeface="+mn-lt"/>
+                <a:ea typeface="+mn-ea"/>
+                <a:cs typeface="+mn-cs"/>
+              </a:rPr>
+              <a:t>值时，才会将</a:t>
+            </a:r>
+            <a:r>
+              <a:rPr lang="en-US" altLang="zh-CN" sz="1400" kern="1200" dirty="0" smtClean="0">
+                <a:solidFill>
+                  <a:schemeClr val="tx1"/>
+                </a:solidFill>
+                <a:effectLst/>
+                <a:latin typeface="+mn-lt"/>
+                <a:ea typeface="+mn-ea"/>
+                <a:cs typeface="+mn-cs"/>
+              </a:rPr>
+              <a:t>V</a:t>
+            </a:r>
+            <a:r>
+              <a:rPr lang="zh-CN" altLang="zh-CN" sz="1400" kern="1200" dirty="0" smtClean="0">
+                <a:solidFill>
+                  <a:schemeClr val="tx1"/>
+                </a:solidFill>
+                <a:effectLst/>
+                <a:latin typeface="+mn-lt"/>
+                <a:ea typeface="+mn-ea"/>
+                <a:cs typeface="+mn-cs"/>
+              </a:rPr>
+              <a:t>的值设为</a:t>
+            </a:r>
+            <a:r>
+              <a:rPr lang="en-US" altLang="zh-CN" sz="1400" kern="1200" dirty="0" smtClean="0">
+                <a:solidFill>
+                  <a:schemeClr val="tx1"/>
+                </a:solidFill>
+                <a:effectLst/>
+                <a:latin typeface="+mn-lt"/>
+                <a:ea typeface="+mn-ea"/>
+                <a:cs typeface="+mn-cs"/>
+              </a:rPr>
+              <a:t>N</a:t>
+            </a:r>
+            <a:r>
+              <a:rPr lang="zh-CN" altLang="zh-CN" sz="1400" kern="1200" dirty="0" smtClean="0">
+                <a:solidFill>
+                  <a:schemeClr val="tx1"/>
+                </a:solidFill>
+                <a:effectLst/>
+                <a:latin typeface="+mn-lt"/>
+                <a:ea typeface="+mn-ea"/>
+                <a:cs typeface="+mn-cs"/>
+              </a:rPr>
+              <a:t>，如果</a:t>
+            </a:r>
+            <a:r>
+              <a:rPr lang="en-US" altLang="zh-CN" sz="1400" kern="1200" dirty="0" smtClean="0">
+                <a:solidFill>
+                  <a:schemeClr val="tx1"/>
+                </a:solidFill>
+                <a:effectLst/>
+                <a:latin typeface="+mn-lt"/>
+                <a:ea typeface="+mn-ea"/>
+                <a:cs typeface="+mn-cs"/>
+              </a:rPr>
+              <a:t>V</a:t>
+            </a:r>
+            <a:r>
+              <a:rPr lang="zh-CN" altLang="zh-CN" sz="1400" kern="1200" dirty="0" smtClean="0">
+                <a:solidFill>
+                  <a:schemeClr val="tx1"/>
+                </a:solidFill>
+                <a:effectLst/>
+                <a:latin typeface="+mn-lt"/>
+                <a:ea typeface="+mn-ea"/>
+                <a:cs typeface="+mn-cs"/>
+              </a:rPr>
+              <a:t>值和</a:t>
+            </a:r>
+            <a:r>
+              <a:rPr lang="en-US" altLang="zh-CN" sz="1400" kern="1200" dirty="0" smtClean="0">
+                <a:solidFill>
+                  <a:schemeClr val="tx1"/>
+                </a:solidFill>
+                <a:effectLst/>
+                <a:latin typeface="+mn-lt"/>
+                <a:ea typeface="+mn-ea"/>
+                <a:cs typeface="+mn-cs"/>
+              </a:rPr>
+              <a:t>E</a:t>
+            </a:r>
+            <a:r>
+              <a:rPr lang="zh-CN" altLang="zh-CN" sz="1400" kern="1200" dirty="0" smtClean="0">
+                <a:solidFill>
+                  <a:schemeClr val="tx1"/>
+                </a:solidFill>
+                <a:effectLst/>
+                <a:latin typeface="+mn-lt"/>
+                <a:ea typeface="+mn-ea"/>
+                <a:cs typeface="+mn-cs"/>
+              </a:rPr>
+              <a:t>值不同，则说明已经有其他线程做了更新，则当前线程什么都不做。最后，</a:t>
+            </a:r>
+            <a:r>
+              <a:rPr lang="en-US" altLang="zh-CN" sz="1400" kern="1200" dirty="0" smtClean="0">
+                <a:solidFill>
+                  <a:schemeClr val="tx1"/>
+                </a:solidFill>
+                <a:effectLst/>
+                <a:latin typeface="+mn-lt"/>
+                <a:ea typeface="+mn-ea"/>
+                <a:cs typeface="+mn-cs"/>
+              </a:rPr>
+              <a:t>CAS</a:t>
+            </a:r>
+            <a:r>
+              <a:rPr lang="zh-CN" altLang="zh-CN" sz="1400" kern="1200" dirty="0" smtClean="0">
+                <a:solidFill>
+                  <a:schemeClr val="tx1"/>
+                </a:solidFill>
+                <a:effectLst/>
+                <a:latin typeface="+mn-lt"/>
+                <a:ea typeface="+mn-ea"/>
+                <a:cs typeface="+mn-cs"/>
+              </a:rPr>
+              <a:t>返回当前</a:t>
+            </a:r>
+            <a:r>
+              <a:rPr lang="en-US" altLang="zh-CN" sz="1400" kern="1200" dirty="0" smtClean="0">
+                <a:solidFill>
+                  <a:schemeClr val="tx1"/>
+                </a:solidFill>
+                <a:effectLst/>
+                <a:latin typeface="+mn-lt"/>
+                <a:ea typeface="+mn-ea"/>
+                <a:cs typeface="+mn-cs"/>
+              </a:rPr>
+              <a:t>V</a:t>
+            </a:r>
+            <a:r>
+              <a:rPr lang="zh-CN" altLang="zh-CN" sz="1400" kern="1200" dirty="0" smtClean="0">
+                <a:solidFill>
+                  <a:schemeClr val="tx1"/>
+                </a:solidFill>
+                <a:effectLst/>
+                <a:latin typeface="+mn-lt"/>
+                <a:ea typeface="+mn-ea"/>
+                <a:cs typeface="+mn-cs"/>
+              </a:rPr>
+              <a:t>的真实值。</a:t>
+            </a:r>
+            <a:r>
+              <a:rPr lang="en-US" altLang="zh-CN" sz="1400" kern="1200" dirty="0" smtClean="0">
+                <a:solidFill>
+                  <a:schemeClr val="tx1"/>
+                </a:solidFill>
+                <a:effectLst/>
+                <a:latin typeface="+mn-lt"/>
+                <a:ea typeface="+mn-ea"/>
+                <a:cs typeface="+mn-cs"/>
+              </a:rPr>
+              <a:t>CAS</a:t>
+            </a:r>
+            <a:r>
+              <a:rPr lang="zh-CN" altLang="zh-CN" sz="1400" kern="1200" dirty="0" smtClean="0">
+                <a:solidFill>
+                  <a:schemeClr val="tx1"/>
+                </a:solidFill>
+                <a:effectLst/>
+                <a:latin typeface="+mn-lt"/>
+                <a:ea typeface="+mn-ea"/>
+                <a:cs typeface="+mn-cs"/>
+              </a:rPr>
+              <a:t>操作是抱着乐观的态度进行的，它总是认为自己可以成功完成操作。当多个线程同时使用</a:t>
+            </a:r>
+            <a:r>
+              <a:rPr lang="en-US" altLang="zh-CN" sz="1400" kern="1200" dirty="0" smtClean="0">
+                <a:solidFill>
+                  <a:schemeClr val="tx1"/>
+                </a:solidFill>
+                <a:effectLst/>
+                <a:latin typeface="+mn-lt"/>
+                <a:ea typeface="+mn-ea"/>
+                <a:cs typeface="+mn-cs"/>
+              </a:rPr>
+              <a:t>CAS</a:t>
+            </a:r>
+            <a:r>
+              <a:rPr lang="zh-CN" altLang="zh-CN" sz="1400" kern="1200" dirty="0" smtClean="0">
+                <a:solidFill>
+                  <a:schemeClr val="tx1"/>
+                </a:solidFill>
+                <a:effectLst/>
+                <a:latin typeface="+mn-lt"/>
+                <a:ea typeface="+mn-ea"/>
+                <a:cs typeface="+mn-cs"/>
+              </a:rPr>
+              <a:t>操作一个变量时，只有一个会胜出，并成功更新，其余均会失败。失败的线程不会被挂起，仅是被告知失败，并且允许再次尝试，当然也允许失败的线程放弃操作。基于这样的原理，</a:t>
+            </a:r>
+            <a:r>
+              <a:rPr lang="en-US" altLang="zh-CN" sz="1400" kern="1200" dirty="0" smtClean="0">
+                <a:solidFill>
+                  <a:schemeClr val="tx1"/>
+                </a:solidFill>
+                <a:effectLst/>
+                <a:latin typeface="+mn-lt"/>
+                <a:ea typeface="+mn-ea"/>
+                <a:cs typeface="+mn-cs"/>
+              </a:rPr>
+              <a:t>CAS</a:t>
+            </a:r>
+            <a:r>
+              <a:rPr lang="zh-CN" altLang="zh-CN" sz="1400" kern="1200" dirty="0" smtClean="0">
+                <a:solidFill>
+                  <a:schemeClr val="tx1"/>
+                </a:solidFill>
+                <a:effectLst/>
+                <a:latin typeface="+mn-lt"/>
+                <a:ea typeface="+mn-ea"/>
+                <a:cs typeface="+mn-cs"/>
+              </a:rPr>
+              <a:t>操作即时没有锁，也可以发现其他线程对当前线程的干扰，并进行恰当的处理。</a:t>
             </a:r>
             <a:endParaRPr lang="zh-CN" altLang="en-US" dirty="0"/>
           </a:p>
@@ -1642,21 +1976,12 @@
             </a:pPr>
             <a:fld id="{A06004EB-C740-4F3D-A864-243FCB14D11E}" type="slidenum">
               <a:rPr lang="zh-CN" altLang="en-US" smtClean="0"/>
-              <a:pPr>
-                <a:defRPr/>
-              </a:pPr>
-              <a:t>23</a:t>
             </a:fld>
             <a:endParaRPr lang="zh-CN" altLang="en-US"/>
           </a:p>
         </p:txBody>
       </p:sp>
     </p:spTree>
-    <p:extLst>
-      <p:ext uri="{BB962C8B-B14F-4D97-AF65-F5344CB8AC3E}">
-        <p14:creationId xmlns:p14="http://schemas.microsoft.com/office/powerpoint/2010/main" val="1856660733"/>
-      </p:ext>
-    </p:extLst>
   </p:cSld>
   <p:clrMapOvr>
     <a:masterClrMapping/>
@@ -1732,21 +2057,12 @@
             </a:pPr>
             <a:fld id="{A06004EB-C740-4F3D-A864-243FCB14D11E}" type="slidenum">
               <a:rPr lang="zh-CN" altLang="en-US" smtClean="0"/>
-              <a:pPr>
-                <a:defRPr/>
-              </a:pPr>
-              <a:t>24</a:t>
             </a:fld>
             <a:endParaRPr lang="zh-CN" altLang="en-US"/>
           </a:p>
         </p:txBody>
       </p:sp>
     </p:spTree>
-    <p:extLst>
-      <p:ext uri="{BB962C8B-B14F-4D97-AF65-F5344CB8AC3E}">
-        <p14:creationId xmlns:p14="http://schemas.microsoft.com/office/powerpoint/2010/main" val="1538169321"/>
-      </p:ext>
-    </p:extLst>
   </p:cSld>
   <p:clrMapOvr>
     <a:masterClrMapping/>
@@ -1799,412 +2115,31 @@
           <a:lstStyle/>
           <a:p>
             <a:r>
-              <a:rPr lang="en-US" altLang="zh-CN" sz="1400" kern="1200" dirty="0" smtClean="0">
-                <a:solidFill>
-                  <a:schemeClr val="tx1"/>
-                </a:solidFill>
-                <a:effectLst/>
-                <a:latin typeface="+mn-lt"/>
-                <a:ea typeface="+mn-ea"/>
-                <a:cs typeface="+mn-cs"/>
-              </a:rPr>
-              <a:t>CAS</a:t>
-            </a:r>
-            <a:r>
-              <a:rPr lang="zh-CN" altLang="zh-CN" sz="1400" kern="1200" dirty="0" smtClean="0">
-                <a:solidFill>
-                  <a:schemeClr val="tx1"/>
-                </a:solidFill>
-                <a:effectLst/>
-                <a:latin typeface="+mn-lt"/>
-                <a:ea typeface="+mn-ea"/>
-                <a:cs typeface="+mn-cs"/>
-              </a:rPr>
-              <a:t>算法的过程是这样：它包含</a:t>
-            </a:r>
-            <a:r>
-              <a:rPr lang="en-US" altLang="zh-CN" sz="1400" kern="1200" dirty="0" smtClean="0">
-                <a:solidFill>
-                  <a:schemeClr val="tx1"/>
-                </a:solidFill>
-                <a:effectLst/>
-                <a:latin typeface="+mn-lt"/>
-                <a:ea typeface="+mn-ea"/>
-                <a:cs typeface="+mn-cs"/>
-              </a:rPr>
-              <a:t>3</a:t>
-            </a:r>
-            <a:r>
-              <a:rPr lang="zh-CN" altLang="zh-CN" sz="1400" kern="1200" dirty="0" smtClean="0">
-                <a:solidFill>
-                  <a:schemeClr val="tx1"/>
-                </a:solidFill>
-                <a:effectLst/>
-                <a:latin typeface="+mn-lt"/>
-                <a:ea typeface="+mn-ea"/>
-                <a:cs typeface="+mn-cs"/>
-              </a:rPr>
-              <a:t>个参数</a:t>
-            </a:r>
-            <a:r>
-              <a:rPr lang="en-US" altLang="zh-CN" sz="1400" kern="1200" dirty="0" smtClean="0">
-                <a:solidFill>
-                  <a:schemeClr val="tx1"/>
-                </a:solidFill>
-                <a:effectLst/>
-                <a:latin typeface="+mn-lt"/>
-                <a:ea typeface="+mn-ea"/>
-                <a:cs typeface="+mn-cs"/>
-              </a:rPr>
-              <a:t>CAS(V,E,N)</a:t>
-            </a:r>
-            <a:r>
-              <a:rPr lang="zh-CN" altLang="zh-CN" sz="1400" kern="1200" dirty="0" smtClean="0">
-                <a:solidFill>
-                  <a:schemeClr val="tx1"/>
-                </a:solidFill>
-                <a:effectLst/>
-                <a:latin typeface="+mn-lt"/>
-                <a:ea typeface="+mn-ea"/>
-                <a:cs typeface="+mn-cs"/>
-              </a:rPr>
-              <a:t>。</a:t>
-            </a:r>
-            <a:r>
-              <a:rPr lang="en-US" altLang="zh-CN" sz="1400" kern="1200" dirty="0" smtClean="0">
-                <a:solidFill>
-                  <a:schemeClr val="tx1"/>
-                </a:solidFill>
-                <a:effectLst/>
-                <a:latin typeface="+mn-lt"/>
-                <a:ea typeface="+mn-ea"/>
-                <a:cs typeface="+mn-cs"/>
-              </a:rPr>
-              <a:t>V</a:t>
-            </a:r>
-            <a:r>
-              <a:rPr lang="zh-CN" altLang="zh-CN" sz="1400" kern="1200" dirty="0" smtClean="0">
-                <a:solidFill>
-                  <a:schemeClr val="tx1"/>
-                </a:solidFill>
-                <a:effectLst/>
-                <a:latin typeface="+mn-lt"/>
-                <a:ea typeface="+mn-ea"/>
-                <a:cs typeface="+mn-cs"/>
-              </a:rPr>
-              <a:t>表示要更新的变量，</a:t>
-            </a:r>
-            <a:r>
-              <a:rPr lang="en-US" altLang="zh-CN" sz="1400" kern="1200" dirty="0" smtClean="0">
-                <a:solidFill>
-                  <a:schemeClr val="tx1"/>
-                </a:solidFill>
-                <a:effectLst/>
-                <a:latin typeface="+mn-lt"/>
-                <a:ea typeface="+mn-ea"/>
-                <a:cs typeface="+mn-cs"/>
-              </a:rPr>
-              <a:t>E</a:t>
-            </a:r>
-            <a:r>
-              <a:rPr lang="zh-CN" altLang="zh-CN" sz="1400" kern="1200" dirty="0" smtClean="0">
-                <a:solidFill>
-                  <a:schemeClr val="tx1"/>
-                </a:solidFill>
-                <a:effectLst/>
-                <a:latin typeface="+mn-lt"/>
-                <a:ea typeface="+mn-ea"/>
-                <a:cs typeface="+mn-cs"/>
-              </a:rPr>
-              <a:t>表示预期值，</a:t>
-            </a:r>
-            <a:r>
-              <a:rPr lang="en-US" altLang="zh-CN" sz="1400" kern="1200" dirty="0" smtClean="0">
-                <a:solidFill>
-                  <a:schemeClr val="tx1"/>
-                </a:solidFill>
-                <a:effectLst/>
-                <a:latin typeface="+mn-lt"/>
-                <a:ea typeface="+mn-ea"/>
-                <a:cs typeface="+mn-cs"/>
-              </a:rPr>
-              <a:t>N</a:t>
-            </a:r>
-            <a:r>
-              <a:rPr lang="zh-CN" altLang="zh-CN" sz="1400" kern="1200" dirty="0" smtClean="0">
-                <a:solidFill>
-                  <a:schemeClr val="tx1"/>
-                </a:solidFill>
-                <a:effectLst/>
-                <a:latin typeface="+mn-lt"/>
-                <a:ea typeface="+mn-ea"/>
-                <a:cs typeface="+mn-cs"/>
-              </a:rPr>
-              <a:t>表示新值。仅当</a:t>
-            </a:r>
-            <a:r>
-              <a:rPr lang="en-US" altLang="zh-CN" sz="1400" kern="1200" dirty="0" smtClean="0">
-                <a:solidFill>
-                  <a:schemeClr val="tx1"/>
-                </a:solidFill>
-                <a:effectLst/>
-                <a:latin typeface="+mn-lt"/>
-                <a:ea typeface="+mn-ea"/>
-                <a:cs typeface="+mn-cs"/>
-              </a:rPr>
-              <a:t>V</a:t>
-            </a:r>
-            <a:r>
-              <a:rPr lang="zh-CN" altLang="zh-CN" sz="1400" kern="1200" dirty="0" smtClean="0">
-                <a:solidFill>
-                  <a:schemeClr val="tx1"/>
-                </a:solidFill>
-                <a:effectLst/>
-                <a:latin typeface="+mn-lt"/>
-                <a:ea typeface="+mn-ea"/>
-                <a:cs typeface="+mn-cs"/>
-              </a:rPr>
-              <a:t>值等于</a:t>
-            </a:r>
-            <a:r>
-              <a:rPr lang="en-US" altLang="zh-CN" sz="1400" kern="1200" dirty="0" smtClean="0">
-                <a:solidFill>
-                  <a:schemeClr val="tx1"/>
-                </a:solidFill>
-                <a:effectLst/>
-                <a:latin typeface="+mn-lt"/>
-                <a:ea typeface="+mn-ea"/>
-                <a:cs typeface="+mn-cs"/>
-              </a:rPr>
-              <a:t>E</a:t>
-            </a:r>
-            <a:r>
-              <a:rPr lang="zh-CN" altLang="zh-CN" sz="1400" kern="1200" dirty="0" smtClean="0">
-                <a:solidFill>
-                  <a:schemeClr val="tx1"/>
-                </a:solidFill>
-                <a:effectLst/>
-                <a:latin typeface="+mn-lt"/>
-                <a:ea typeface="+mn-ea"/>
-                <a:cs typeface="+mn-cs"/>
-              </a:rPr>
-              <a:t>值时，才会将</a:t>
-            </a:r>
-            <a:r>
-              <a:rPr lang="en-US" altLang="zh-CN" sz="1400" kern="1200" dirty="0" smtClean="0">
-                <a:solidFill>
-                  <a:schemeClr val="tx1"/>
-                </a:solidFill>
-                <a:effectLst/>
-                <a:latin typeface="+mn-lt"/>
-                <a:ea typeface="+mn-ea"/>
-                <a:cs typeface="+mn-cs"/>
-              </a:rPr>
-              <a:t>V</a:t>
-            </a:r>
-            <a:r>
-              <a:rPr lang="zh-CN" altLang="zh-CN" sz="1400" kern="1200" dirty="0" smtClean="0">
-                <a:solidFill>
-                  <a:schemeClr val="tx1"/>
-                </a:solidFill>
-                <a:effectLst/>
-                <a:latin typeface="+mn-lt"/>
-                <a:ea typeface="+mn-ea"/>
-                <a:cs typeface="+mn-cs"/>
-              </a:rPr>
-              <a:t>的值设为</a:t>
-            </a:r>
-            <a:r>
-              <a:rPr lang="en-US" altLang="zh-CN" sz="1400" kern="1200" dirty="0" smtClean="0">
-                <a:solidFill>
-                  <a:schemeClr val="tx1"/>
-                </a:solidFill>
-                <a:effectLst/>
-                <a:latin typeface="+mn-lt"/>
-                <a:ea typeface="+mn-ea"/>
-                <a:cs typeface="+mn-cs"/>
-              </a:rPr>
-              <a:t>N</a:t>
-            </a:r>
-            <a:r>
-              <a:rPr lang="zh-CN" altLang="zh-CN" sz="1400" kern="1200" dirty="0" smtClean="0">
-                <a:solidFill>
-                  <a:schemeClr val="tx1"/>
-                </a:solidFill>
-                <a:effectLst/>
-                <a:latin typeface="+mn-lt"/>
-                <a:ea typeface="+mn-ea"/>
-                <a:cs typeface="+mn-cs"/>
-              </a:rPr>
-              <a:t>，如果</a:t>
-            </a:r>
-            <a:r>
-              <a:rPr lang="en-US" altLang="zh-CN" sz="1400" kern="1200" dirty="0" smtClean="0">
-                <a:solidFill>
-                  <a:schemeClr val="tx1"/>
-                </a:solidFill>
-                <a:effectLst/>
-                <a:latin typeface="+mn-lt"/>
-                <a:ea typeface="+mn-ea"/>
-                <a:cs typeface="+mn-cs"/>
-              </a:rPr>
-              <a:t>V</a:t>
-            </a:r>
-            <a:r>
-              <a:rPr lang="zh-CN" altLang="zh-CN" sz="1400" kern="1200" dirty="0" smtClean="0">
-                <a:solidFill>
-                  <a:schemeClr val="tx1"/>
-                </a:solidFill>
-                <a:effectLst/>
-                <a:latin typeface="+mn-lt"/>
-                <a:ea typeface="+mn-ea"/>
-                <a:cs typeface="+mn-cs"/>
-              </a:rPr>
-              <a:t>值和</a:t>
-            </a:r>
-            <a:r>
-              <a:rPr lang="en-US" altLang="zh-CN" sz="1400" kern="1200" dirty="0" smtClean="0">
-                <a:solidFill>
-                  <a:schemeClr val="tx1"/>
-                </a:solidFill>
-                <a:effectLst/>
-                <a:latin typeface="+mn-lt"/>
-                <a:ea typeface="+mn-ea"/>
-                <a:cs typeface="+mn-cs"/>
-              </a:rPr>
-              <a:t>E</a:t>
-            </a:r>
-            <a:r>
-              <a:rPr lang="zh-CN" altLang="zh-CN" sz="1400" kern="1200" dirty="0" smtClean="0">
-                <a:solidFill>
-                  <a:schemeClr val="tx1"/>
-                </a:solidFill>
-                <a:effectLst/>
-                <a:latin typeface="+mn-lt"/>
-                <a:ea typeface="+mn-ea"/>
-                <a:cs typeface="+mn-cs"/>
-              </a:rPr>
-              <a:t>值不同，则说明已经有其他线程做了更新，则当前线程什么都不做。最后，</a:t>
-            </a:r>
-            <a:r>
-              <a:rPr lang="en-US" altLang="zh-CN" sz="1400" kern="1200" dirty="0" smtClean="0">
-                <a:solidFill>
-                  <a:schemeClr val="tx1"/>
-                </a:solidFill>
-                <a:effectLst/>
-                <a:latin typeface="+mn-lt"/>
-                <a:ea typeface="+mn-ea"/>
-                <a:cs typeface="+mn-cs"/>
-              </a:rPr>
-              <a:t>CAS</a:t>
-            </a:r>
-            <a:r>
-              <a:rPr lang="zh-CN" altLang="zh-CN" sz="1400" kern="1200" dirty="0" smtClean="0">
-                <a:solidFill>
-                  <a:schemeClr val="tx1"/>
-                </a:solidFill>
-                <a:effectLst/>
-                <a:latin typeface="+mn-lt"/>
-                <a:ea typeface="+mn-ea"/>
-                <a:cs typeface="+mn-cs"/>
-              </a:rPr>
-              <a:t>返回当前</a:t>
-            </a:r>
-            <a:r>
-              <a:rPr lang="en-US" altLang="zh-CN" sz="1400" kern="1200" dirty="0" smtClean="0">
-                <a:solidFill>
-                  <a:schemeClr val="tx1"/>
-                </a:solidFill>
-                <a:effectLst/>
-                <a:latin typeface="+mn-lt"/>
-                <a:ea typeface="+mn-ea"/>
-                <a:cs typeface="+mn-cs"/>
-              </a:rPr>
-              <a:t>V</a:t>
-            </a:r>
-            <a:r>
-              <a:rPr lang="zh-CN" altLang="zh-CN" sz="1400" kern="1200" dirty="0" smtClean="0">
-                <a:solidFill>
-                  <a:schemeClr val="tx1"/>
-                </a:solidFill>
-                <a:effectLst/>
-                <a:latin typeface="+mn-lt"/>
-                <a:ea typeface="+mn-ea"/>
-                <a:cs typeface="+mn-cs"/>
-              </a:rPr>
-              <a:t>的真实值。</a:t>
-            </a:r>
-            <a:r>
-              <a:rPr lang="en-US" altLang="zh-CN" sz="1400" kern="1200" dirty="0" smtClean="0">
-                <a:solidFill>
-                  <a:schemeClr val="tx1"/>
-                </a:solidFill>
-                <a:effectLst/>
-                <a:latin typeface="+mn-lt"/>
-                <a:ea typeface="+mn-ea"/>
-                <a:cs typeface="+mn-cs"/>
-              </a:rPr>
-              <a:t>CAS</a:t>
-            </a:r>
-            <a:r>
-              <a:rPr lang="zh-CN" altLang="zh-CN" sz="1400" kern="1200" dirty="0" smtClean="0">
-                <a:solidFill>
-                  <a:schemeClr val="tx1"/>
-                </a:solidFill>
-                <a:effectLst/>
-                <a:latin typeface="+mn-lt"/>
-                <a:ea typeface="+mn-ea"/>
-                <a:cs typeface="+mn-cs"/>
-              </a:rPr>
-              <a:t>操作是抱着乐观的态度进行的，它总是认为自己可以成功完成操作。当多个线程同时使用</a:t>
-            </a:r>
-            <a:r>
-              <a:rPr lang="en-US" altLang="zh-CN" sz="1400" kern="1200" dirty="0" smtClean="0">
-                <a:solidFill>
-                  <a:schemeClr val="tx1"/>
-                </a:solidFill>
-                <a:effectLst/>
-                <a:latin typeface="+mn-lt"/>
-                <a:ea typeface="+mn-ea"/>
-                <a:cs typeface="+mn-cs"/>
-              </a:rPr>
-              <a:t>CAS</a:t>
-            </a:r>
-            <a:r>
-              <a:rPr lang="zh-CN" altLang="zh-CN" sz="1400" kern="1200" dirty="0" smtClean="0">
-                <a:solidFill>
-                  <a:schemeClr val="tx1"/>
-                </a:solidFill>
-                <a:effectLst/>
-                <a:latin typeface="+mn-lt"/>
-                <a:ea typeface="+mn-ea"/>
-                <a:cs typeface="+mn-cs"/>
-              </a:rPr>
-              <a:t>操作一个变量时，只有一个会胜出，并成功更新，其余均会失败。失败的线程不会被挂起，仅是被告知失败，并且允许再次尝试，当然也允许失败的线程放弃操作。基于这样的原理，</a:t>
-            </a:r>
-            <a:r>
-              <a:rPr lang="en-US" altLang="zh-CN" sz="1400" kern="1200" dirty="0" smtClean="0">
-                <a:solidFill>
-                  <a:schemeClr val="tx1"/>
-                </a:solidFill>
-                <a:effectLst/>
-                <a:latin typeface="+mn-lt"/>
-                <a:ea typeface="+mn-ea"/>
-                <a:cs typeface="+mn-cs"/>
-              </a:rPr>
-              <a:t>CAS</a:t>
-            </a:r>
-            <a:r>
-              <a:rPr lang="zh-CN" altLang="zh-CN" sz="1400" kern="1200" dirty="0" smtClean="0">
-                <a:solidFill>
-                  <a:schemeClr val="tx1"/>
-                </a:solidFill>
-                <a:effectLst/>
-                <a:latin typeface="+mn-lt"/>
-                <a:ea typeface="+mn-ea"/>
-                <a:cs typeface="+mn-cs"/>
-              </a:rPr>
-              <a:t>操作即时没有锁，也可以发现其他线程对当前线程的干扰，并进行恰当的处理。</a:t>
+              <a:rPr lang="zh-CN" altLang="en-US" dirty="0" smtClean="0"/>
+              <a:t>减少锁时间</a:t>
+            </a:r>
+            <a:r>
+              <a:rPr lang="en-US" altLang="zh-CN" baseline="0" dirty="0" smtClean="0"/>
+              <a:t>  ---  </a:t>
+            </a:r>
+            <a:r>
+              <a:rPr lang="zh-CN" altLang="en-US" baseline="0" dirty="0" smtClean="0"/>
+              <a:t>锁粗化</a:t>
+            </a:r>
+            <a:endParaRPr lang="en-US" altLang="zh-CN" baseline="0" dirty="0" smtClean="0"/>
+          </a:p>
+          <a:p>
+            <a:r>
+              <a:rPr lang="zh-CN" altLang="en-US" baseline="0" dirty="0" smtClean="0"/>
+              <a:t>偏向锁  </a:t>
+            </a:r>
+            <a:r>
+              <a:rPr lang="en-US" altLang="zh-CN" baseline="0" dirty="0" smtClean="0"/>
+              <a:t>---  </a:t>
+            </a:r>
+            <a:r>
+              <a:rPr lang="zh-CN" altLang="en-US" baseline="0" dirty="0" smtClean="0"/>
+              <a:t>偏向不成功 性能受挫</a:t>
             </a:r>
             <a:endParaRPr lang="zh-CN" altLang="en-US" dirty="0"/>
           </a:p>
@@ -2230,111 +2165,12 @@
             </a:pPr>
             <a:fld id="{A06004EB-C740-4F3D-A864-243FCB14D11E}" type="slidenum">
               <a:rPr lang="zh-CN" altLang="en-US" smtClean="0"/>
-              <a:pPr>
-                <a:defRPr/>
-              </a:pPr>
-              <a:t>25</a:t>
             </a:fld>
             <a:endParaRPr lang="zh-CN" altLang="en-US"/>
           </a:p>
         </p:txBody>
       </p:sp>
     </p:spTree>
-    <p:extLst>
-      <p:ext uri="{BB962C8B-B14F-4D97-AF65-F5344CB8AC3E}">
-        <p14:creationId xmlns:p14="http://schemas.microsoft.com/office/powerpoint/2010/main" val="2231237314"/>
-      </p:ext>
-    </p:extLst>
-  </p:cSld>
-  <p:clrMapOvr>
-    <a:masterClrMapping/>
-  </p:clrMapOvr>
-</p:notes>
-</file>
-
-<file path=ppt/notesSlides/notesSlide19.xml><?xml version="1.0" encoding="utf-8"?>
-<p:notes xmlns:a="http://schemas.openxmlformats.org/drawingml/2006/main" xmlns:r="http://schemas.openxmlformats.org/officeDocument/2006/relationships" xmlns:p="http://schemas.openxmlformats.org/presentationml/2006/main">
-  <p:cSld>
-    <p:spTree>
-      <p:nvGrpSpPr>
-        <p:cNvPr id="1" name=""/>
-        <p:cNvGrpSpPr/>
-        <p:nvPr/>
-      </p:nvGrpSpPr>
-      <p:grpSpPr>
-        <a:xfrm>
-          <a:off x="0" y="0"/>
-          <a:ext cx="0" cy="0"/>
-          <a:chOff x="0" y="0"/>
-          <a:chExt cx="0" cy="0"/>
-        </a:xfrm>
-      </p:grpSpPr>
-      <p:sp>
-        <p:nvSpPr>
-          <p:cNvPr id="2" name="幻灯片图像占位符 1"/>
-          <p:cNvSpPr>
-            <a:spLocks noGrp="1" noRot="1" noChangeAspect="1"/>
-          </p:cNvSpPr>
-          <p:nvPr>
-            <p:ph type="sldImg"/>
-          </p:nvPr>
-        </p:nvSpPr>
-        <p:spPr/>
-      </p:sp>
-      <p:sp>
-        <p:nvSpPr>
-          <p:cNvPr id="3" name="备注占位符 2"/>
-          <p:cNvSpPr>
-            <a:spLocks noGrp="1"/>
-          </p:cNvSpPr>
-          <p:nvPr>
-            <p:ph type="body" idx="1"/>
-          </p:nvPr>
-        </p:nvSpPr>
-        <p:spPr/>
-        <p:txBody>
-          <a:bodyPr/>
-          <a:lstStyle/>
-          <a:p>
-            <a:endParaRPr lang="zh-CN" altLang="en-US"/>
-          </a:p>
-        </p:txBody>
-      </p:sp>
-      <p:sp>
-        <p:nvSpPr>
-          <p:cNvPr id="4" name="灯片编号占位符 3"/>
-          <p:cNvSpPr>
-            <a:spLocks noGrp="1"/>
-          </p:cNvSpPr>
-          <p:nvPr>
-            <p:ph type="sldNum" sz="quarter" idx="10"/>
-          </p:nvPr>
-        </p:nvSpPr>
-        <p:spPr/>
-        <p:txBody>
-          <a:bodyPr/>
-          <a:lstStyle/>
-          <a:p>
-            <a:pPr>
-              <a:defRPr/>
-            </a:pPr>
-            <a:fld id="{A06004EB-C740-4F3D-A864-243FCB14D11E}" type="slidenum">
-              <a:rPr lang="zh-CN" altLang="en-US" smtClean="0"/>
-              <a:pPr>
-                <a:defRPr/>
-              </a:pPr>
-              <a:t>26</a:t>
-            </a:fld>
-            <a:endParaRPr lang="zh-CN" altLang="en-US"/>
-          </a:p>
-        </p:txBody>
-      </p:sp>
-    </p:spTree>
-    <p:extLst>
-      <p:ext uri="{BB962C8B-B14F-4D97-AF65-F5344CB8AC3E}">
-        <p14:creationId xmlns:p14="http://schemas.microsoft.com/office/powerpoint/2010/main" val="3787896094"/>
-      </p:ext>
-    </p:extLst>
   </p:cSld>
   <p:clrMapOvr>
     <a:masterClrMapping/>
@@ -2386,7 +2222,19 @@
           <a:bodyPr/>
           <a:lstStyle/>
           <a:p>
-            <a:endParaRPr lang="zh-CN" altLang="en-US"/>
+            <a:r>
+              <a:rPr lang="zh-CN" altLang="en-US" dirty="0" smtClean="0"/>
+              <a:t>多线程网站统计访问人数</a:t>
+            </a:r>
+            <a:r>
+              <a:rPr lang="en-US" altLang="zh-CN" dirty="0" smtClean="0"/>
+              <a:t>,</a:t>
+            </a:r>
+            <a:r>
+              <a:rPr lang="zh-CN" altLang="en-US" dirty="0" smtClean="0"/>
+              <a:t>是否需要精确统计？如果不需要，可以不进行加锁</a:t>
+            </a:r>
+            <a:endParaRPr lang="zh-CN" altLang="en-US" dirty="0"/>
           </a:p>
         </p:txBody>
       </p:sp>
@@ -2410,138 +2258,12 @@
             </a:pPr>
             <a:fld id="{A06004EB-C740-4F3D-A864-243FCB14D11E}" type="slidenum">
               <a:rPr lang="zh-CN" altLang="en-US" smtClean="0"/>
-              <a:pPr>
-                <a:defRPr/>
-              </a:pPr>
-              <a:t>2</a:t>
             </a:fld>
             <a:endParaRPr lang="zh-CN" altLang="en-US"/>
           </a:p>
         </p:txBody>
       </p:sp>
     </p:spTree>
-    <p:extLst>
-      <p:ext uri="{BB962C8B-B14F-4D97-AF65-F5344CB8AC3E}">
-        <p14:creationId xmlns:p14="http://schemas.microsoft.com/office/powerpoint/2010/main" val="2576228100"/>
-      </p:ext>
-    </p:extLst>
-  </p:cSld>
-  <p:clrMapOvr>
-    <a:masterClrMapping/>
-  </p:clrMapOvr>
-</p:notes>
-</file>
-
-<file path=ppt/notesSlides/notesSlide20.xml><?xml version="1.0" encoding="utf-8"?>
-<p:notes xmlns:a="http://schemas.openxmlformats.org/drawingml/2006/main" xmlns:r="http://schemas.openxmlformats.org/officeDocument/2006/relationships" xmlns:p="http://schemas.openxmlformats.org/presentationml/2006/main">
-  <p:cSld>
-    <p:spTree>
-      <p:nvGrpSpPr>
-        <p:cNvPr id="1" name=""/>
-        <p:cNvGrpSpPr/>
-        <p:nvPr/>
-      </p:nvGrpSpPr>
-      <p:grpSpPr>
-        <a:xfrm>
-          <a:off x="0" y="0"/>
-          <a:ext cx="0" cy="0"/>
-          <a:chOff x="0" y="0"/>
-          <a:chExt cx="0" cy="0"/>
-        </a:xfrm>
-      </p:grpSpPr>
-      <p:sp>
-        <p:nvSpPr>
-          <p:cNvPr id="2" name="幻灯片图像占位符 1"/>
-          <p:cNvSpPr>
-            <a:spLocks noGrp="1" noRot="1" noChangeAspect="1"/>
-          </p:cNvSpPr>
-          <p:nvPr>
-            <p:ph type="sldImg"/>
-          </p:nvPr>
-        </p:nvSpPr>
-        <p:spPr/>
-      </p:sp>
-      <p:sp>
-        <p:nvSpPr>
-          <p:cNvPr id="3" name="备注占位符 2"/>
-          <p:cNvSpPr>
-            <a:spLocks noGrp="1"/>
-          </p:cNvSpPr>
-          <p:nvPr>
-            <p:ph type="body" idx="1"/>
-          </p:nvPr>
-        </p:nvSpPr>
-        <p:spPr/>
-        <p:txBody>
-          <a:bodyPr/>
-          <a:lstStyle/>
-          <a:p>
-            <a:r>
-              <a:rPr lang="zh-CN" altLang="en-US" dirty="0" smtClean="0"/>
-              <a:t>减少锁时间</a:t>
-            </a:r>
-            <a:r>
-              <a:rPr lang="en-US" altLang="zh-CN" baseline="0" dirty="0" smtClean="0"/>
-              <a:t>  ---  </a:t>
-            </a:r>
-            <a:r>
-              <a:rPr lang="zh-CN" altLang="en-US" baseline="0" dirty="0" smtClean="0"/>
-              <a:t>锁粗化</a:t>
-            </a:r>
-            <a:endParaRPr lang="en-US" altLang="zh-CN" baseline="0" dirty="0" smtClean="0"/>
-          </a:p>
-          <a:p>
-            <a:r>
-              <a:rPr lang="zh-CN" altLang="en-US" baseline="0" dirty="0" smtClean="0"/>
-              <a:t>偏向锁  </a:t>
-            </a:r>
-            <a:r>
-              <a:rPr lang="en-US" altLang="zh-CN" baseline="0" dirty="0" smtClean="0"/>
-              <a:t>---  </a:t>
-            </a:r>
-            <a:r>
-              <a:rPr lang="zh-CN" altLang="en-US" baseline="0" dirty="0" smtClean="0"/>
-              <a:t>偏向不成功 性能受挫</a:t>
-            </a:r>
-            <a:endParaRPr lang="zh-CN" altLang="en-US" dirty="0"/>
-          </a:p>
-        </p:txBody>
-      </p:sp>
-      <p:sp>
-        <p:nvSpPr>
-          <p:cNvPr id="4" name="灯片编号占位符 3"/>
-          <p:cNvSpPr>
-            <a:spLocks noGrp="1"/>
-          </p:cNvSpPr>
-          <p:nvPr>
-            <p:ph type="sldNum" sz="quarter" idx="10"/>
-          </p:nvPr>
-        </p:nvSpPr>
-        <p:spPr/>
-        <p:txBody>
-          <a:bodyPr/>
-          <a:lstStyle/>
-          <a:p>
-            <a:pPr>
-              <a:defRPr/>
-            </a:pPr>
-            <a:fld id="{A06004EB-C740-4F3D-A864-243FCB14D11E}" type="slidenum">
-              <a:rPr lang="zh-CN" altLang="en-US" smtClean="0"/>
-              <a:pPr>
-                <a:defRPr/>
-              </a:pPr>
-              <a:t>27</a:t>
-            </a:fld>
-            <a:endParaRPr lang="zh-CN" altLang="en-US"/>
-          </a:p>
-        </p:txBody>
-      </p:sp>
-    </p:spTree>
-    <p:extLst>
-      <p:ext uri="{BB962C8B-B14F-4D97-AF65-F5344CB8AC3E}">
-        <p14:creationId xmlns:p14="http://schemas.microsoft.com/office/powerpoint/2010/main" val="1293688577"/>
-      </p:ext>
-    </p:extLst>
   </p:cSld>
   <p:clrMapOvr>
     <a:masterClrMapping/>
@@ -2595,23 +2317,7 @@
           <a:p>
             <a:r>
               <a:rPr lang="zh-CN" altLang="en-US" dirty="0" smtClean="0"/>
-              <a:t>介绍一下传统的锁是重量级的，</a:t>
-            </a:r>
-            <a:r>
-              <a:rPr lang="en-US" altLang="zh-CN" dirty="0" err="1" smtClean="0"/>
-              <a:t>monitorenter</a:t>
-            </a:r>
-            <a:r>
-              <a:rPr lang="zh-CN" altLang="en-US" dirty="0" smtClean="0"/>
-              <a:t>有可能让线程在</a:t>
-            </a:r>
-            <a:r>
-              <a:rPr lang="en-US" altLang="zh-CN" dirty="0" smtClean="0"/>
-              <a:t>OS</a:t>
-            </a:r>
-            <a:r>
-              <a:rPr lang="zh-CN" altLang="en-US" dirty="0" smtClean="0"/>
-              <a:t>层面挂起</a:t>
+              <a:t>判断一个线程是否持有轻量级锁，只要判断对象头的指针，是否在线程的栈空间范围内</a:t>
             </a:r>
             <a:endParaRPr lang="zh-CN" altLang="en-US" dirty="0"/>
           </a:p>
@@ -2637,21 +2343,12 @@
             </a:pPr>
             <a:fld id="{A06004EB-C740-4F3D-A864-243FCB14D11E}" type="slidenum">
               <a:rPr lang="zh-CN" altLang="en-US" smtClean="0"/>
-              <a:pPr>
-                <a:defRPr/>
-              </a:pPr>
-              <a:t>3</a:t>
             </a:fld>
             <a:endParaRPr lang="zh-CN" altLang="en-US"/>
           </a:p>
         </p:txBody>
       </p:sp>
     </p:spTree>
-    <p:extLst>
-      <p:ext uri="{BB962C8B-B14F-4D97-AF65-F5344CB8AC3E}">
-        <p14:creationId xmlns:p14="http://schemas.microsoft.com/office/powerpoint/2010/main" val="623105347"/>
-      </p:ext>
-    </p:extLst>
   </p:cSld>
   <p:clrMapOvr>
     <a:masterClrMapping/>
@@ -2703,19 +2400,7 @@
           <a:bodyPr/>
           <a:lstStyle/>
           <a:p>
-            <a:r>
-              <a:rPr lang="zh-CN" altLang="en-US" dirty="0" smtClean="0"/>
-              <a:t>多线程网站统计访问人数</a:t>
-            </a:r>
-            <a:r>
-              <a:rPr lang="en-US" altLang="zh-CN" dirty="0" smtClean="0"/>
-              <a:t>,</a:t>
-            </a:r>
-            <a:r>
-              <a:rPr lang="zh-CN" altLang="en-US" dirty="0" smtClean="0"/>
-              <a:t>是否需要精确统计？如果不需要，可以不进行加锁</a:t>
-            </a:r>
-            <a:endParaRPr lang="zh-CN" altLang="en-US" dirty="0"/>
+            <a:endParaRPr lang="zh-CN" altLang="en-US"/>
           </a:p>
         </p:txBody>
       </p:sp>
@@ -2739,21 +2424,12 @@
             </a:pPr>
             <a:fld id="{A06004EB-C740-4F3D-A864-243FCB14D11E}" type="slidenum">
               <a:rPr lang="zh-CN" altLang="en-US" smtClean="0"/>
-              <a:pPr>
-                <a:defRPr/>
-              </a:pPr>
-              <a:t>4</a:t>
             </a:fld>
             <a:endParaRPr lang="zh-CN" altLang="en-US"/>
           </a:p>
         </p:txBody>
       </p:sp>
     </p:spTree>
-    <p:extLst>
-      <p:ext uri="{BB962C8B-B14F-4D97-AF65-F5344CB8AC3E}">
-        <p14:creationId xmlns:p14="http://schemas.microsoft.com/office/powerpoint/2010/main" val="3912685448"/>
-      </p:ext>
-    </p:extLst>
   </p:cSld>
   <p:clrMapOvr>
     <a:masterClrMapping/>
@@ -2807,7 +2483,7 @@
           <a:p>
             <a:r>
               <a:rPr lang="zh-CN" altLang="en-US" dirty="0" smtClean="0"/>
-              <a:t>判断一个线程是否持有轻量级锁，只要判断对象头的指针，是否在线程的栈空间范围内</a:t>
+              <a:t>持有时间长，自旋容易失败</a:t>
             </a:r>
             <a:endParaRPr lang="zh-CN" altLang="en-US" dirty="0"/>
           </a:p>
@@ -2833,21 +2509,12 @@
             </a:pPr>
             <a:fld id="{A06004EB-C740-4F3D-A864-243FCB14D11E}" type="slidenum">
               <a:rPr lang="zh-CN" altLang="en-US" smtClean="0"/>
-              <a:pPr>
-                <a:defRPr/>
-              </a:pPr>
-              <a:t>10</a:t>
             </a:fld>
             <a:endParaRPr lang="zh-CN" altLang="en-US"/>
           </a:p>
         </p:txBody>
       </p:sp>
     </p:spTree>
-    <p:extLst>
-      <p:ext uri="{BB962C8B-B14F-4D97-AF65-F5344CB8AC3E}">
-        <p14:creationId xmlns:p14="http://schemas.microsoft.com/office/powerpoint/2010/main" val="1897454053"/>
-      </p:ext>
-    </p:extLst>
   </p:cSld>
   <p:clrMapOvr>
     <a:masterClrMapping/>
@@ -2899,7 +2566,11 @@
           <a:bodyPr/>
           <a:lstStyle/>
           <a:p>
-            <a:endParaRPr lang="zh-CN" altLang="en-US"/>
+            <a:r>
+              <a:rPr lang="zh-CN" altLang="en-US" dirty="0" smtClean="0"/>
+              <a:t>粒度大，竞争激烈，偏向锁，轻量级锁失败概率就高</a:t>
+            </a:r>
+            <a:endParaRPr lang="zh-CN" altLang="en-US" dirty="0"/>
           </a:p>
         </p:txBody>
       </p:sp>
@@ -2923,21 +2594,12 @@
             </a:pPr>
             <a:fld id="{A06004EB-C740-4F3D-A864-243FCB14D11E}" type="slidenum">
               <a:rPr lang="zh-CN" altLang="en-US" smtClean="0"/>
-              <a:pPr>
-                <a:defRPr/>
-              </a:pPr>
-              <a:t>13</a:t>
             </a:fld>
             <a:endParaRPr lang="zh-CN" altLang="en-US"/>
           </a:p>
         </p:txBody>
       </p:sp>
     </p:spTree>
-    <p:extLst>
-      <p:ext uri="{BB962C8B-B14F-4D97-AF65-F5344CB8AC3E}">
-        <p14:creationId xmlns:p14="http://schemas.microsoft.com/office/powerpoint/2010/main" val="1937812649"/>
-      </p:ext>
-    </p:extLst>
   </p:cSld>
   <p:clrMapOvr>
     <a:masterClrMapping/>
@@ -2990,8 +2652,20 @@
           <a:lstStyle/>
           <a:p>
             <a:r>
-              <a:rPr lang="zh-CN" altLang="en-US" dirty="0" smtClean="0"/>
-              <a:t>持有时间长，自旋容易失败</a:t>
+              <a:rPr lang="en-US" altLang="zh-CN" dirty="0" err="1" smtClean="0"/>
+              <a:t>hashmap</a:t>
+            </a:r>
+            <a:r>
+              <a:rPr lang="zh-CN" altLang="en-US" dirty="0" smtClean="0"/>
+              <a:t>中维护了</a:t>
+            </a:r>
+            <a:r>
+              <a:rPr lang="en-US" altLang="zh-CN" dirty="0" smtClean="0"/>
+              <a:t>Entry&lt;K,V&gt;</a:t>
+            </a:r>
+            <a:r>
+              <a:rPr lang="zh-CN" altLang="en-US" dirty="0" smtClean="0"/>
+              <a:t>的数组</a:t>
             </a:r>
             <a:endParaRPr lang="zh-CN" altLang="en-US" dirty="0"/>
           </a:p>
@@ -3017,21 +2691,12 @@
             </a:pPr>
             <a:fld id="{A06004EB-C740-4F3D-A864-243FCB14D11E}" type="slidenum">
               <a:rPr lang="zh-CN" altLang="en-US" smtClean="0"/>
-              <a:pPr>
-                <a:defRPr/>
-              </a:pPr>
-              <a:t>14</a:t>
             </a:fld>
             <a:endParaRPr lang="zh-CN" altLang="en-US"/>
           </a:p>
         </p:txBody>
       </p:sp>
     </p:spTree>
-    <p:extLst>
-      <p:ext uri="{BB962C8B-B14F-4D97-AF65-F5344CB8AC3E}">
-        <p14:creationId xmlns:p14="http://schemas.microsoft.com/office/powerpoint/2010/main" val="1827280932"/>
-      </p:ext>
-    </p:extLst>
   </p:cSld>
   <p:clrMapOvr>
     <a:masterClrMapping/>
@@ -3085,7 +2750,7 @@
           <a:p>
             <a:r>
               <a:rPr lang="zh-CN" altLang="en-US" dirty="0" smtClean="0"/>
-              <a:t>粒度大，竞争激烈，偏向锁，轻量级锁失败概率就高</a:t>
+              <a:t>天下没有免费的午餐</a:t>
             </a:r>
             <a:endParaRPr lang="zh-CN" altLang="en-US" dirty="0"/>
           </a:p>
@@ -3111,21 +2776,12 @@
             </a:pPr>
             <a:fld id="{A06004EB-C740-4F3D-A864-243FCB14D11E}" type="slidenum">
               <a:rPr lang="zh-CN" altLang="en-US" smtClean="0"/>
-              <a:pPr>
-                <a:defRPr/>
-              </a:pPr>
-              <a:t>15</a:t>
             </a:fld>
             <a:endParaRPr lang="zh-CN" altLang="en-US"/>
           </a:p>
         </p:txBody>
       </p:sp>
     </p:spTree>
-    <p:extLst>
-      <p:ext uri="{BB962C8B-B14F-4D97-AF65-F5344CB8AC3E}">
-        <p14:creationId xmlns:p14="http://schemas.microsoft.com/office/powerpoint/2010/main" val="2901620154"/>
-      </p:ext>
-    </p:extLst>
   </p:cSld>
   <p:clrMapOvr>
     <a:masterClrMapping/>
@@ -3178,20 +2834,8 @@
           <a:lstStyle/>
           <a:p>
             <a:r>
-              <a:rPr lang="en-US" altLang="zh-CN" dirty="0" err="1" smtClean="0"/>
-              <a:t>hashmap</a:t>
-            </a:r>
-            <a:r>
-              <a:rPr lang="zh-CN" altLang="en-US" dirty="0" smtClean="0"/>
-              <a:t>中维护了</a:t>
-            </a:r>
-            <a:r>
-              <a:rPr lang="en-US" altLang="zh-CN" dirty="0" smtClean="0"/>
-              <a:t>Entry&lt;K,V&gt;</a:t>
-            </a:r>
-            <a:r>
-              <a:rPr lang="zh-CN" altLang="en-US" dirty="0" smtClean="0"/>
-              <a:t>的数组</a:t>
+              <a:rPr lang="zh-CN" altLang="en-US" dirty="0" smtClean="0"/>
+              <a:t>对文件读取时，允许多个线程同时进入</a:t>
             </a:r>
             <a:endParaRPr lang="zh-CN" altLang="en-US" dirty="0"/>
           </a:p>
@@ -3217,21 +2861,12 @@
             </a:pPr>
             <a:fld id="{A06004EB-C740-4F3D-A864-243FCB14D11E}" type="slidenum">
               <a:rPr lang="zh-CN" altLang="en-US" smtClean="0"/>
-              <a:pPr>
-                <a:defRPr/>
-              </a:pPr>
-              <a:t>16</a:t>
             </a:fld>
             <a:endParaRPr lang="zh-CN" altLang="en-US"/>
           </a:p>
         </p:txBody>
       </p:sp>
     </p:spTree>
-    <p:extLst>
-      <p:ext uri="{BB962C8B-B14F-4D97-AF65-F5344CB8AC3E}">
-        <p14:creationId xmlns:p14="http://schemas.microsoft.com/office/powerpoint/2010/main" val="1054041877"/>
-      </p:ext>
-    </p:extLst>
   </p:cSld>
   <p:clrMapOvr>
     <a:masterClrMapping/>
@@ -3240,7 +2875,7 @@
 </file>
 
 <file path=ppt/slideLayouts/slideLayout1.xml><?xml version="1.0" encoding="utf-8"?>
-<p:sldLayout xmlns:a="http://schemas.openxmlformats.org/drawingml/2006/main" xmlns:r="http://schemas.openxmlformats.org/officeDocument/2006/relationships" xmlns:p="http://schemas.openxmlformats.org/presentationml/2006/main" showMasterSp="0" preserve="1" userDrawn="1">
+<p:sldLayout xmlns:a="http://schemas.openxmlformats.org/drawingml/2006/main" xmlns:r="http://schemas.openxmlformats.org/officeDocument/2006/relationships" xmlns:p="http://schemas.openxmlformats.org/presentationml/2006/main" preserve="1" showMasterSp="0" userDrawn="1">
   <p:cSld name="标题幻灯片">
     <p:spTree>
       <p:nvGrpSpPr>
@@ -3259,9 +2894,7 @@
       <p:sp>
         <p:nvSpPr>
           <p:cNvPr id="4" name="页脚占位符 4"/>
-          <p:cNvSpPr txBox="1">
-            <a:spLocks/>
-          </p:cNvSpPr>
+          <p:cNvSpPr txBox="1"/>
           <p:nvPr userDrawn="1"/>
         </p:nvSpPr>
         <p:spPr>
@@ -3304,8 +2937,8 @@
                   </a:schemeClr>
                 </a:solidFill>
                 <a:effectLst/>
-                <a:latin typeface="微软雅黑" pitchFamily="34" charset="-122"/>
-                <a:ea typeface="微软雅黑" pitchFamily="34" charset="-122"/>
+                <a:latin typeface="微软雅黑" panose="020B0503020204020204" pitchFamily="34" charset="-122"/>
+                <a:ea typeface="微软雅黑" panose="020B0503020204020204" pitchFamily="34" charset="-122"/>
                 <a:cs typeface="+mn-cs"/>
               </a:rPr>
               <a:t>深入</a:t>
@@ -3318,8 +2951,8 @@
                   </a:schemeClr>
                 </a:solidFill>
                 <a:effectLst/>
-                <a:latin typeface="微软雅黑" pitchFamily="34" charset="-122"/>
-                <a:ea typeface="微软雅黑" pitchFamily="34" charset="-122"/>
+                <a:latin typeface="微软雅黑" panose="020B0503020204020204" pitchFamily="34" charset="-122"/>
+                <a:ea typeface="微软雅黑" panose="020B0503020204020204" pitchFamily="34" charset="-122"/>
                 <a:cs typeface="+mn-cs"/>
               </a:rPr>
               <a:t>JVM</a:t>
@@ -3332,8 +2965,8 @@
                   </a:schemeClr>
                 </a:solidFill>
                 <a:effectLst/>
-                <a:latin typeface="微软雅黑" pitchFamily="34" charset="-122"/>
-                <a:ea typeface="微软雅黑" pitchFamily="34" charset="-122"/>
+                <a:latin typeface="微软雅黑" panose="020B0503020204020204" pitchFamily="34" charset="-122"/>
+                <a:ea typeface="微软雅黑" panose="020B0503020204020204" pitchFamily="34" charset="-122"/>
                 <a:cs typeface="+mn-cs"/>
               </a:rPr>
               <a:t>内核</a:t>
@@ -3346,8 +2979,8 @@
                   </a:schemeClr>
                 </a:solidFill>
                 <a:effectLst/>
-                <a:latin typeface="微软雅黑" pitchFamily="34" charset="-122"/>
-                <a:ea typeface="微软雅黑" pitchFamily="34" charset="-122"/>
+                <a:latin typeface="微软雅黑" panose="020B0503020204020204" pitchFamily="34" charset="-122"/>
+                <a:ea typeface="微软雅黑" panose="020B0503020204020204" pitchFamily="34" charset="-122"/>
                 <a:cs typeface="+mn-cs"/>
               </a:rPr>
               <a:t>——</a:t>
@@ -3360,23 +2993,23 @@
                   </a:schemeClr>
                 </a:solidFill>
                 <a:effectLst/>
-                <a:latin typeface="微软雅黑" pitchFamily="34" charset="-122"/>
-                <a:ea typeface="微软雅黑" pitchFamily="34" charset="-122"/>
+                <a:latin typeface="微软雅黑" panose="020B0503020204020204" pitchFamily="34" charset="-122"/>
+                <a:ea typeface="微软雅黑" panose="020B0503020204020204" pitchFamily="34" charset="-122"/>
                 <a:cs typeface="+mn-cs"/>
               </a:rPr>
               <a:t>原理、诊断与优化    讲师 </a:t>
             </a:r>
             <a:r>
               <a:rPr lang="zh-CN" altLang="en-US" sz="1300" baseline="0" dirty="0" smtClean="0">
-                <a:latin typeface="微软雅黑" pitchFamily="34" charset="-122"/>
-                <a:ea typeface="微软雅黑" pitchFamily="34" charset="-122"/>
+                <a:latin typeface="微软雅黑" panose="020B0503020204020204" pitchFamily="34" charset="-122"/>
+                <a:ea typeface="微软雅黑" panose="020B0503020204020204" pitchFamily="34" charset="-122"/>
                 <a:cs typeface="Arial Unicode MS" pitchFamily="34" charset="-122"/>
               </a:rPr>
               <a:t>葛一鸣</a:t>
             </a:r>
             <a:endParaRPr lang="en-US" altLang="zh-CN" sz="1300" baseline="0" dirty="0" smtClean="0">
-              <a:latin typeface="微软雅黑" pitchFamily="34" charset="-122"/>
-              <a:ea typeface="微软雅黑" pitchFamily="34" charset="-122"/>
+              <a:latin typeface="微软雅黑" panose="020B0503020204020204" pitchFamily="34" charset="-122"/>
+              <a:ea typeface="微软雅黑" panose="020B0503020204020204" pitchFamily="34" charset="-122"/>
               <a:cs typeface="Arial Unicode MS" pitchFamily="34" charset="-122"/>
             </a:endParaRPr>
           </a:p>
@@ -3392,23 +3025,23 @@
             </a:pPr>
             <a:r>
               <a:rPr lang="zh-CN" altLang="en-US" sz="1300" baseline="0" dirty="0" smtClean="0">
-                <a:latin typeface="微软雅黑" pitchFamily="34" charset="-122"/>
-                <a:ea typeface="微软雅黑" pitchFamily="34" charset="-122"/>
+                <a:latin typeface="微软雅黑" panose="020B0503020204020204" pitchFamily="34" charset="-122"/>
+                <a:ea typeface="微软雅黑" panose="020B0503020204020204" pitchFamily="34" charset="-122"/>
                 <a:cs typeface="Arial Unicode MS" pitchFamily="34" charset="-122"/>
               </a:rPr>
               <a:t>主页 </a:t>
             </a:r>
             <a:r>
               <a:rPr lang="en-US" altLang="zh-CN" sz="1300" baseline="0" dirty="0" smtClean="0">
-                <a:latin typeface="微软雅黑" pitchFamily="34" charset="-122"/>
-                <a:ea typeface="微软雅黑" pitchFamily="34" charset="-122"/>
+                <a:latin typeface="微软雅黑" panose="020B0503020204020204" pitchFamily="34" charset="-122"/>
+                <a:ea typeface="微软雅黑" panose="020B0503020204020204" pitchFamily="34" charset="-122"/>
                 <a:cs typeface="Arial Unicode MS" pitchFamily="34" charset="-122"/>
               </a:rPr>
               <a:t>http://www.uucode.net</a:t>
             </a:r>
             <a:endParaRPr lang="zh-CN" altLang="en-US" sz="1300" dirty="0">
-              <a:latin typeface="微软雅黑" pitchFamily="34" charset="-122"/>
-              <a:ea typeface="微软雅黑" pitchFamily="34" charset="-122"/>
+              <a:latin typeface="微软雅黑" panose="020B0503020204020204" pitchFamily="34" charset="-122"/>
+              <a:ea typeface="微软雅黑" panose="020B0503020204020204" pitchFamily="34" charset="-122"/>
               <a:cs typeface="Arial Unicode MS" pitchFamily="34" charset="-122"/>
             </a:endParaRPr>
           </a:p>
@@ -3417,9 +3050,7 @@
       <p:grpSp>
         <p:nvGrpSpPr>
           <p:cNvPr id="5" name="组合 19"/>
-          <p:cNvGrpSpPr>
-            <a:grpSpLocks/>
-          </p:cNvGrpSpPr>
+          <p:cNvGrpSpPr/>
           <p:nvPr userDrawn="1"/>
         </p:nvGrpSpPr>
         <p:grpSpPr bwMode="auto">
@@ -3652,10 +3283,10 @@
                 </a:solidFill>
                 <a:latin typeface="+mn-ea"/>
                 <a:ea typeface="+mn-ea"/>
-                <a:sym typeface="Wingdings" pitchFamily="2" charset="2"/>
+                <a:sym typeface="Wingdings" panose="05000000000000000000" pitchFamily="2" charset="2"/>
               </a:defRPr>
             </a:lvl1pPr>
-            <a:lvl2pPr marL="544662" indent="0" algn="ctr">
+            <a:lvl2pPr marL="544830" indent="0" algn="ctr">
               <a:buNone/>
               <a:defRPr>
                 <a:solidFill>
@@ -3665,7 +3296,7 @@
                 </a:solidFill>
               </a:defRPr>
             </a:lvl2pPr>
-            <a:lvl3pPr marL="1089325" indent="0" algn="ctr">
+            <a:lvl3pPr marL="1089025" indent="0" algn="ctr">
               <a:buNone/>
               <a:defRPr>
                 <a:solidFill>
@@ -3675,7 +3306,7 @@
                 </a:solidFill>
               </a:defRPr>
             </a:lvl3pPr>
-            <a:lvl4pPr marL="1633987" indent="0" algn="ctr">
+            <a:lvl4pPr marL="1633855" indent="0" algn="ctr">
               <a:buNone/>
               <a:defRPr>
                 <a:solidFill>
@@ -3685,7 +3316,7 @@
                 </a:solidFill>
               </a:defRPr>
             </a:lvl4pPr>
-            <a:lvl5pPr marL="2178649" indent="0" algn="ctr">
+            <a:lvl5pPr marL="2178685" indent="0" algn="ctr">
               <a:buNone/>
               <a:defRPr>
                 <a:solidFill>
@@ -3695,7 +3326,7 @@
                 </a:solidFill>
               </a:defRPr>
             </a:lvl5pPr>
-            <a:lvl6pPr marL="2723312" indent="0" algn="ctr">
+            <a:lvl6pPr marL="2723515" indent="0" algn="ctr">
               <a:buNone/>
               <a:defRPr>
                 <a:solidFill>
@@ -3705,7 +3336,7 @@
                 </a:solidFill>
               </a:defRPr>
             </a:lvl6pPr>
-            <a:lvl7pPr marL="3267974" indent="0" algn="ctr">
+            <a:lvl7pPr marL="3267710" indent="0" algn="ctr">
               <a:buNone/>
               <a:defRPr>
                 <a:solidFill>
@@ -3715,7 +3346,7 @@
                 </a:solidFill>
               </a:defRPr>
             </a:lvl7pPr>
-            <a:lvl8pPr marL="3812637" indent="0" algn="ctr">
+            <a:lvl8pPr marL="3812540" indent="0" algn="ctr">
               <a:buNone/>
               <a:defRPr>
                 <a:solidFill>
@@ -3725,7 +3356,7 @@
                 </a:solidFill>
               </a:defRPr>
             </a:lvl8pPr>
-            <a:lvl9pPr marL="4357299" indent="0" algn="ctr">
+            <a:lvl9pPr marL="4357370" indent="0" algn="ctr">
               <a:buNone/>
               <a:defRPr>
                 <a:solidFill>
@@ -3846,7 +3477,7 @@
           <a:bodyPr/>
           <a:lstStyle>
             <a:lvl1pPr>
-              <a:buFont typeface="Wingdings" pitchFamily="2" charset="2"/>
+              <a:buFont typeface="Wingdings" panose="05000000000000000000" pitchFamily="2" charset="2"/>
               <a:buChar char="n"/>
               <a:defRPr/>
             </a:lvl1pPr>
@@ -3857,6 +3488,7 @@
               <a:rPr lang="zh-CN" altLang="en-US" dirty="0" smtClean="0"/>
               <a:t>单击此处编辑母版文本样式</a:t>
             </a:r>
+            <a:endParaRPr lang="zh-CN" altLang="en-US" dirty="0" smtClean="0"/>
           </a:p>
           <a:p>
             <a:pPr lvl="1"/>
@@ -3864,6 +3496,7 @@
               <a:rPr lang="zh-CN" altLang="en-US" dirty="0" smtClean="0"/>
               <a:t>第二级</a:t>
             </a:r>
+            <a:endParaRPr lang="zh-CN" altLang="en-US" dirty="0" smtClean="0"/>
           </a:p>
           <a:p>
             <a:pPr lvl="2"/>
@@ -3871,6 +3504,7 @@
               <a:rPr lang="zh-CN" altLang="en-US" dirty="0" smtClean="0"/>
               <a:t>第三级</a:t>
             </a:r>
+            <a:endParaRPr lang="zh-CN" altLang="en-US" dirty="0" smtClean="0"/>
           </a:p>
           <a:p>
             <a:pPr lvl="3"/>
@@ -3878,6 +3512,7 @@
               <a:rPr lang="zh-CN" altLang="en-US" dirty="0" smtClean="0"/>
               <a:t>第四级</a:t>
             </a:r>
+            <a:endParaRPr lang="zh-CN" altLang="en-US" dirty="0" smtClean="0"/>
           </a:p>
           <a:p>
             <a:pPr lvl="4"/>
@@ -3965,7 +3600,7 @@
           <a:bodyPr/>
           <a:lstStyle>
             <a:lvl1pPr>
-              <a:buFont typeface="Wingdings" pitchFamily="2" charset="2"/>
+              <a:buFont typeface="Wingdings" panose="05000000000000000000" pitchFamily="2" charset="2"/>
               <a:buChar char="n"/>
               <a:defRPr/>
             </a:lvl1pPr>
@@ -3976,6 +3611,7 @@
               <a:rPr lang="zh-CN" altLang="en-US" smtClean="0"/>
               <a:t>单击此处编辑母版文本样式</a:t>
             </a:r>
+            <a:endParaRPr lang="zh-CN" altLang="en-US" smtClean="0"/>
           </a:p>
         </p:txBody>
       </p:sp>
@@ -4011,10 +3647,6 @@
             </a:pPr>
             <a:fld id="{C9F260F8-0F8D-4271-AB2B-8487BB54F279}" type="datetime1">
               <a:rPr lang="zh-CN" altLang="en-US"/>
-              <a:pPr>
-                <a:defRPr/>
-              </a:pPr>
-              <a:t>2014/7/23</a:t>
             </a:fld>
             <a:endParaRPr lang="zh-CN" altLang="en-US"/>
           </a:p>
@@ -4139,10 +3771,6 @@
             </a:pPr>
             <a:fld id="{FFADEFA4-4608-418A-84AC-D4C3F38BFDE0}" type="datetime1">
               <a:rPr lang="zh-CN" altLang="en-US"/>
-              <a:pPr>
-                <a:defRPr/>
-              </a:pPr>
-              <a:t>2014/7/23</a:t>
             </a:fld>
             <a:endParaRPr lang="zh-CN" altLang="en-US"/>
           </a:p>
@@ -4164,7 +3792,7 @@
 </file>
 
 <file path=ppt/slideLayouts/slideLayout6.xml><?xml version="1.0" encoding="utf-8"?>
-<p:sldLayout xmlns:a="http://schemas.openxmlformats.org/drawingml/2006/main" xmlns:r="http://schemas.openxmlformats.org/officeDocument/2006/relationships" xmlns:p="http://schemas.openxmlformats.org/presentationml/2006/main" showMasterSp="0" preserve="1" userDrawn="1">
+<p:sldLayout xmlns:a="http://schemas.openxmlformats.org/drawingml/2006/main" xmlns:r="http://schemas.openxmlformats.org/officeDocument/2006/relationships" xmlns:p="http://schemas.openxmlformats.org/presentationml/2006/main" preserve="1" showMasterSp="0" userDrawn="1">
   <p:cSld name="1_标题幻灯片">
     <p:spTree>
       <p:nvGrpSpPr>
@@ -4296,9 +3924,7 @@
       <p:sp>
         <p:nvSpPr>
           <p:cNvPr id="4" name="页脚占位符 4"/>
-          <p:cNvSpPr txBox="1">
-            <a:spLocks/>
-          </p:cNvSpPr>
+          <p:cNvSpPr txBox="1"/>
           <p:nvPr userDrawn="1"/>
         </p:nvSpPr>
         <p:spPr>
@@ -4537,7 +4163,7 @@
                 <a:solidFill>
                   <a:schemeClr val="bg1"/>
                 </a:solidFill>
-                <a:latin typeface="Arial Black" pitchFamily="34" charset="0"/>
+                <a:latin typeface="Arial Black" panose="020B0A04020102020204" pitchFamily="34" charset="0"/>
                 <a:ea typeface="+mn-ea"/>
               </a:rPr>
               <a:t>FAQ</a:t>
@@ -4547,7 +4173,7 @@
                 <a:solidFill>
                   <a:schemeClr val="bg1"/>
                 </a:solidFill>
-                <a:latin typeface="Arial Black" pitchFamily="34" charset="0"/>
+                <a:latin typeface="Arial Black" panose="020B0A04020102020204" pitchFamily="34" charset="0"/>
                 <a:ea typeface="+mn-ea"/>
               </a:rPr>
               <a:t>时间</a:t>
@@ -4556,7 +4182,7 @@
               <a:solidFill>
                 <a:schemeClr val="bg1"/>
               </a:solidFill>
-              <a:latin typeface="Arial Black" pitchFamily="34" charset="0"/>
+              <a:latin typeface="Arial Black" panose="020B0A04020102020204" pitchFamily="34" charset="0"/>
               <a:ea typeface="+mn-ea"/>
             </a:endParaRPr>
           </a:p>
@@ -4647,16 +4273,10 @@
           <a:ln w="9525">
             <a:noFill/>
             <a:miter lim="800000"/>
-            <a:headEnd/>
-            <a:tailEnd/>
           </a:ln>
         </p:spPr>
         <p:txBody>
-          <a:bodyPr vert="horz" wrap="square" lIns="108932" tIns="54466" rIns="108932" bIns="54466" numCol="1" anchor="ctr" anchorCtr="0" compatLnSpc="1">
-            <a:prstTxWarp prst="textNoShape">
-              <a:avLst/>
-            </a:prstTxWarp>
-          </a:bodyPr>
+          <a:bodyPr vert="horz" wrap="square" lIns="108932" tIns="54466" rIns="108932" bIns="54466" numCol="1" anchor="ctr" anchorCtr="0" compatLnSpc="1"/>
           <a:lstStyle/>
           <a:p>
             <a:pPr lvl="0"/>
@@ -4664,6 +4284,7 @@
               <a:rPr lang="zh-CN" altLang="en-US" dirty="0" smtClean="0"/>
               <a:t>单击此处编辑母版标题样式</a:t>
             </a:r>
+            <a:endParaRPr lang="zh-CN" altLang="en-US" dirty="0" smtClean="0"/>
           </a:p>
         </p:txBody>
       </p:sp>
@@ -4689,16 +4310,10 @@
           <a:ln w="9525">
             <a:noFill/>
             <a:miter lim="800000"/>
-            <a:headEnd/>
-            <a:tailEnd/>
           </a:ln>
         </p:spPr>
         <p:txBody>
-          <a:bodyPr vert="horz" wrap="square" lIns="108932" tIns="54466" rIns="108932" bIns="54466" numCol="1" anchor="t" anchorCtr="0" compatLnSpc="1">
-            <a:prstTxWarp prst="textNoShape">
-              <a:avLst/>
-            </a:prstTxWarp>
-          </a:bodyPr>
+          <a:bodyPr vert="horz" wrap="square" lIns="108932" tIns="54466" rIns="108932" bIns="54466" numCol="1" anchor="t" anchorCtr="0" compatLnSpc="1"/>
           <a:lstStyle/>
           <a:p>
             <a:pPr lvl="0"/>
@@ -4706,6 +4321,7 @@
               <a:rPr lang="zh-CN" altLang="en-US" dirty="0" smtClean="0"/>
               <a:t>单击此处编辑母版文本样式</a:t>
             </a:r>
+            <a:endParaRPr lang="zh-CN" altLang="en-US" dirty="0" smtClean="0"/>
           </a:p>
           <a:p>
             <a:pPr lvl="1"/>
@@ -4713,6 +4329,7 @@
               <a:rPr lang="zh-CN" altLang="en-US" dirty="0" smtClean="0"/>
               <a:t>第二级</a:t>
             </a:r>
+            <a:endParaRPr lang="zh-CN" altLang="en-US" dirty="0" smtClean="0"/>
           </a:p>
           <a:p>
             <a:pPr lvl="2"/>
@@ -4720,6 +4337,7 @@
               <a:rPr lang="zh-CN" altLang="en-US" dirty="0" smtClean="0"/>
               <a:t>第三级</a:t>
             </a:r>
+            <a:endParaRPr lang="zh-CN" altLang="en-US" dirty="0" smtClean="0"/>
           </a:p>
           <a:p>
             <a:pPr lvl="3"/>
@@ -4727,6 +4345,7 @@
               <a:rPr lang="zh-CN" altLang="en-US" dirty="0" smtClean="0"/>
               <a:t>第四级</a:t>
             </a:r>
+            <a:endParaRPr lang="zh-CN" altLang="en-US" dirty="0" smtClean="0"/>
           </a:p>
           <a:p>
             <a:pPr lvl="4"/>
@@ -4734,6 +4353,7 @@
               <a:rPr lang="zh-CN" altLang="en-US" dirty="0" smtClean="0"/>
               <a:t>第五级</a:t>
             </a:r>
+            <a:endParaRPr lang="zh-CN" altLang="en-US" dirty="0" smtClean="0"/>
           </a:p>
         </p:txBody>
       </p:sp>
@@ -4777,9 +4397,7 @@
       <p:sp>
         <p:nvSpPr>
           <p:cNvPr id="17" name="页脚占位符 4"/>
-          <p:cNvSpPr txBox="1">
-            <a:spLocks/>
-          </p:cNvSpPr>
+          <p:cNvSpPr txBox="1"/>
           <p:nvPr userDrawn="1"/>
         </p:nvSpPr>
         <p:spPr>
@@ -4822,8 +4440,8 @@
                   </a:schemeClr>
                 </a:solidFill>
                 <a:effectLst/>
-                <a:latin typeface="Arial" charset="0"/>
-                <a:ea typeface="宋体" pitchFamily="2" charset="-122"/>
+                <a:latin typeface="Arial" panose="020B0604020202020204" pitchFamily="34" charset="0"/>
+                <a:ea typeface="宋体" panose="02010600030101010101" pitchFamily="2" charset="-122"/>
                 <a:cs typeface="+mn-cs"/>
               </a:rPr>
               <a:t>深入</a:t>
@@ -4836,8 +4454,8 @@
                   </a:schemeClr>
                 </a:solidFill>
                 <a:effectLst/>
-                <a:latin typeface="Arial" charset="0"/>
-                <a:ea typeface="宋体" pitchFamily="2" charset="-122"/>
+                <a:latin typeface="Arial" panose="020B0604020202020204" pitchFamily="34" charset="0"/>
+                <a:ea typeface="宋体" panose="02010600030101010101" pitchFamily="2" charset="-122"/>
                 <a:cs typeface="+mn-cs"/>
               </a:rPr>
               <a:t>JVM</a:t>
@@ -4850,8 +4468,8 @@
                   </a:schemeClr>
                 </a:solidFill>
                 <a:effectLst/>
-                <a:latin typeface="Arial" charset="0"/>
-                <a:ea typeface="宋体" pitchFamily="2" charset="-122"/>
+                <a:latin typeface="Arial" panose="020B0604020202020204" pitchFamily="34" charset="0"/>
+                <a:ea typeface="宋体" panose="02010600030101010101" pitchFamily="2" charset="-122"/>
                 <a:cs typeface="+mn-cs"/>
               </a:rPr>
               <a:t>内核</a:t>
@@ -4864,8 +4482,8 @@
                   </a:schemeClr>
                 </a:solidFill>
                 <a:effectLst/>
-                <a:latin typeface="Arial" charset="0"/>
-                <a:ea typeface="宋体" pitchFamily="2" charset="-122"/>
+                <a:latin typeface="Arial" panose="020B0604020202020204" pitchFamily="34" charset="0"/>
+                <a:ea typeface="宋体" panose="02010600030101010101" pitchFamily="2" charset="-122"/>
                 <a:cs typeface="+mn-cs"/>
               </a:rPr>
               <a:t>——</a:t>
@@ -4878,8 +4496,8 @@
                   </a:schemeClr>
                 </a:solidFill>
                 <a:effectLst/>
-                <a:latin typeface="Arial" charset="0"/>
-                <a:ea typeface="宋体" pitchFamily="2" charset="-122"/>
+                <a:latin typeface="Arial" panose="020B0604020202020204" pitchFamily="34" charset="0"/>
+                <a:ea typeface="宋体" panose="02010600030101010101" pitchFamily="2" charset="-122"/>
                 <a:cs typeface="+mn-cs"/>
               </a:rPr>
               <a:t>原理、诊断与优化    讲师 </a:t>
@@ -4996,9 +4614,7 @@
       <p:grpSp>
         <p:nvGrpSpPr>
           <p:cNvPr id="2059" name="组合 18"/>
-          <p:cNvGrpSpPr>
-            <a:grpSpLocks/>
-          </p:cNvGrpSpPr>
+          <p:cNvGrpSpPr/>
           <p:nvPr userDrawn="1"/>
         </p:nvGrpSpPr>
         <p:grpSpPr bwMode="auto">
@@ -5175,7 +4791,7 @@
           <p:nvPr userDrawn="1"/>
         </p:nvPicPr>
         <p:blipFill>
-          <a:blip r:embed="rId8" cstate="print"/>
+          <a:blip r:embed="rId7" cstate="print"/>
           <a:srcRect/>
           <a:stretch>
             <a:fillRect/>
@@ -5196,12 +4812,12 @@
   </p:cSld>
   <p:clrMap bg1="lt1" tx1="dk1" bg2="lt2" tx2="dk2" accent1="accent1" accent2="accent2" accent3="accent3" accent4="accent4" accent5="accent5" accent6="accent6" hlink="hlink" folHlink="folHlink"/>
   <p:sldLayoutIdLst>
-    <p:sldLayoutId id="2147483726" r:id="rId1"/>
-    <p:sldLayoutId id="2147483722" r:id="rId2"/>
-    <p:sldLayoutId id="2147483723" r:id="rId3"/>
-    <p:sldLayoutId id="2147483724" r:id="rId4"/>
-    <p:sldLayoutId id="2147483725" r:id="rId5"/>
-    <p:sldLayoutId id="2147483727" r:id="rId6"/>
+    <p:sldLayoutId id="2147483649" r:id="rId1"/>
+    <p:sldLayoutId id="2147483650" r:id="rId2"/>
+    <p:sldLayoutId id="2147483651" r:id="rId3"/>
+    <p:sldLayoutId id="2147483652" r:id="rId4"/>
+    <p:sldLayoutId id="2147483653" r:id="rId5"/>
+    <p:sldLayoutId id="2147483654" r:id="rId6"/>
   </p:sldLayoutIdLst>
   <p:timing>
     <p:tnLst>
@@ -5240,8 +4856,8 @@
           <a:solidFill>
             <a:schemeClr val="tx1"/>
           </a:solidFill>
-          <a:latin typeface="微软雅黑" pitchFamily="34" charset="-122"/>
-          <a:ea typeface="微软雅黑" pitchFamily="34" charset="-122"/>
+          <a:latin typeface="微软雅黑" panose="020B0503020204020204" pitchFamily="34" charset="-122"/>
+          <a:ea typeface="微软雅黑" panose="020B0503020204020204" pitchFamily="34" charset="-122"/>
         </a:defRPr>
       </a:lvl2pPr>
       <a:lvl3pPr algn="l" rtl="0" eaLnBrk="0" fontAlgn="base" hangingPunct="0">
@@ -5255,8 +4871,8 @@
           <a:solidFill>
             <a:schemeClr val="tx1"/>
           </a:solidFill>
-          <a:latin typeface="微软雅黑" pitchFamily="34" charset="-122"/>
-          <a:ea typeface="微软雅黑" pitchFamily="34" charset="-122"/>
+          <a:latin typeface="微软雅黑" panose="020B0503020204020204" pitchFamily="34" charset="-122"/>
+          <a:ea typeface="微软雅黑" panose="020B0503020204020204" pitchFamily="34" charset="-122"/>
         </a:defRPr>
       </a:lvl3pPr>
       <a:lvl4pPr algn="l" rtl="0" eaLnBrk="0" fontAlgn="base" hangingPunct="0">
@@ -5270,8 +4886,8 @@
           <a:solidFill>
             <a:schemeClr val="tx1"/>
           </a:solidFill>
-          <a:latin typeface="微软雅黑" pitchFamily="34" charset="-122"/>
-          <a:ea typeface="微软雅黑" pitchFamily="34" charset="-122"/>
+          <a:latin typeface="微软雅黑" panose="020B0503020204020204" pitchFamily="34" charset="-122"/>
+          <a:ea typeface="微软雅黑" panose="020B0503020204020204" pitchFamily="34" charset="-122"/>
         </a:defRPr>
       </a:lvl4pPr>
       <a:lvl5pPr algn="l" rtl="0" eaLnBrk="0" fontAlgn="base" hangingPunct="0">
@@ -5285,11 +4901,11 @@
           <a:solidFill>
             <a:schemeClr val="tx1"/>
           </a:solidFill>
-          <a:latin typeface="微软雅黑" pitchFamily="34" charset="-122"/>
-          <a:ea typeface="微软雅黑" pitchFamily="34" charset="-122"/>
+          <a:latin typeface="微软雅黑" panose="020B0503020204020204" pitchFamily="34" charset="-122"/>
+          <a:ea typeface="微软雅黑" panose="020B0503020204020204" pitchFamily="34" charset="-122"/>
         </a:defRPr>
       </a:lvl5pPr>
-      <a:lvl6pPr marL="544662" algn="l" rtl="0" fontAlgn="base">
+      <a:lvl6pPr marL="544830" algn="l" rtl="0" fontAlgn="base">
         <a:spcBef>
           <a:spcPct val="0"/>
         </a:spcBef>
@@ -5300,11 +4916,11 @@
           <a:solidFill>
             <a:schemeClr val="tx1"/>
           </a:solidFill>
-          <a:latin typeface="微软雅黑" pitchFamily="34" charset="-122"/>
-          <a:ea typeface="微软雅黑" pitchFamily="34" charset="-122"/>
+          <a:latin typeface="微软雅黑" panose="020B0503020204020204" pitchFamily="34" charset="-122"/>
+          <a:ea typeface="微软雅黑" panose="020B0503020204020204" pitchFamily="34" charset="-122"/>
         </a:defRPr>
       </a:lvl6pPr>
-      <a:lvl7pPr marL="1089325" algn="l" rtl="0" fontAlgn="base">
+      <a:lvl7pPr marL="1089025" algn="l" rtl="0" fontAlgn="base">
         <a:spcBef>
           <a:spcPct val="0"/>
         </a:spcBef>
@@ -5315,11 +4931,11 @@
           <a:solidFill>
             <a:schemeClr val="tx1"/>
           </a:solidFill>
-          <a:latin typeface="微软雅黑" pitchFamily="34" charset="-122"/>
-          <a:ea typeface="微软雅黑" pitchFamily="34" charset="-122"/>
+          <a:latin typeface="微软雅黑" panose="020B0503020204020204" pitchFamily="34" charset="-122"/>
+          <a:ea typeface="微软雅黑" panose="020B0503020204020204" pitchFamily="34" charset="-122"/>
         </a:defRPr>
       </a:lvl7pPr>
-      <a:lvl8pPr marL="1633987" algn="l" rtl="0" fontAlgn="base">
+      <a:lvl8pPr marL="1633855" algn="l" rtl="0" fontAlgn="base">
         <a:spcBef>
           <a:spcPct val="0"/>
         </a:spcBef>
@@ -5330,11 +4946,11 @@
           <a:solidFill>
             <a:schemeClr val="tx1"/>
           </a:solidFill>
-          <a:latin typeface="微软雅黑" pitchFamily="34" charset="-122"/>
-          <a:ea typeface="微软雅黑" pitchFamily="34" charset="-122"/>
+          <a:latin typeface="微软雅黑" panose="020B0503020204020204" pitchFamily="34" charset="-122"/>
+          <a:ea typeface="微软雅黑" panose="020B0503020204020204" pitchFamily="34" charset="-122"/>
         </a:defRPr>
       </a:lvl8pPr>
-      <a:lvl9pPr marL="2178649" algn="l" rtl="0" fontAlgn="base">
+      <a:lvl9pPr marL="2178685" algn="l" rtl="0" fontAlgn="base">
         <a:spcBef>
           <a:spcPct val="0"/>
         </a:spcBef>
@@ -5345,13 +4961,13 @@
           <a:solidFill>
             <a:schemeClr val="tx1"/>
           </a:solidFill>
-          <a:latin typeface="微软雅黑" pitchFamily="34" charset="-122"/>
-          <a:ea typeface="微软雅黑" pitchFamily="34" charset="-122"/>
+          <a:latin typeface="微软雅黑" panose="020B0503020204020204" pitchFamily="34" charset="-122"/>
+          <a:ea typeface="微软雅黑" panose="020B0503020204020204" pitchFamily="34" charset="-122"/>
         </a:defRPr>
       </a:lvl9pPr>
     </p:titleStyle>
     <p:bodyStyle>
-      <a:lvl1pPr marL="408497" indent="-408497" algn="l" rtl="0" eaLnBrk="0" fontAlgn="base" hangingPunct="0">
+      <a:lvl1pPr marL="408305" indent="-408305" algn="l" rtl="0" eaLnBrk="0" fontAlgn="base" hangingPunct="0">
         <a:lnSpc>
           <a:spcPct val="150000"/>
         </a:lnSpc>
@@ -5366,7 +4982,7 @@
             <a:lumMod val="50000"/>
           </a:schemeClr>
         </a:buClr>
-        <a:buFont typeface="Wingdings" pitchFamily="2" charset="2"/>
+        <a:buFont typeface="Wingdings" panose="05000000000000000000" pitchFamily="2" charset="2"/>
         <a:buChar char="u"/>
         <a:defRPr sz="1900" kern="1200">
           <a:solidFill>
@@ -5377,7 +4993,7 @@
           <a:cs typeface="+mn-cs"/>
         </a:defRPr>
       </a:lvl1pPr>
-      <a:lvl2pPr marL="885076" indent="-340414" algn="l" rtl="0" eaLnBrk="0" fontAlgn="base" hangingPunct="0">
+      <a:lvl2pPr marL="885190" indent="-340360" algn="l" rtl="0" eaLnBrk="0" fontAlgn="base" hangingPunct="0">
         <a:lnSpc>
           <a:spcPct val="150000"/>
         </a:lnSpc>
@@ -5390,7 +5006,7 @@
         <a:buClr>
           <a:srgbClr val="2F6231"/>
         </a:buClr>
-        <a:buFont typeface="Arial" charset="0"/>
+        <a:buFont typeface="Arial" panose="020B0604020202020204" pitchFamily="34" charset="0"/>
         <a:buChar char="–"/>
         <a:defRPr sz="1700" kern="1200">
           <a:solidFill>
@@ -5401,7 +5017,7 @@
           <a:cs typeface="+mn-cs"/>
         </a:defRPr>
       </a:lvl2pPr>
-      <a:lvl3pPr marL="1361656" indent="-272331" algn="l" rtl="0" eaLnBrk="0" fontAlgn="base" hangingPunct="0">
+      <a:lvl3pPr marL="1361440" indent="-272415" algn="l" rtl="0" eaLnBrk="0" fontAlgn="base" hangingPunct="0">
         <a:lnSpc>
           <a:spcPct val="150000"/>
         </a:lnSpc>
@@ -5414,7 +5030,7 @@
         <a:buClr>
           <a:srgbClr val="2F6231"/>
         </a:buClr>
-        <a:buFont typeface="Arial" charset="0"/>
+        <a:buFont typeface="Arial" panose="020B0604020202020204" pitchFamily="34" charset="0"/>
         <a:buChar char="•"/>
         <a:defRPr sz="1400" kern="1200">
           <a:solidFill>
@@ -5425,7 +5041,7 @@
           <a:cs typeface="+mn-cs"/>
         </a:defRPr>
       </a:lvl3pPr>
-      <a:lvl4pPr marL="1906318" indent="-272331" algn="l" rtl="0" eaLnBrk="0" fontAlgn="base" hangingPunct="0">
+      <a:lvl4pPr marL="1906270" indent="-272415" algn="l" rtl="0" eaLnBrk="0" fontAlgn="base" hangingPunct="0">
         <a:lnSpc>
           <a:spcPct val="150000"/>
         </a:lnSpc>
@@ -5438,7 +5054,7 @@
         <a:buClr>
           <a:srgbClr val="2F6231"/>
         </a:buClr>
-        <a:buFont typeface="Arial" charset="0"/>
+        <a:buFont typeface="Arial" panose="020B0604020202020204" pitchFamily="34" charset="0"/>
         <a:buChar char="–"/>
         <a:defRPr sz="1300" kern="1200">
           <a:solidFill>
@@ -5449,7 +5065,7 @@
           <a:cs typeface="+mn-cs"/>
         </a:defRPr>
       </a:lvl4pPr>
-      <a:lvl5pPr marL="2450981" indent="-272331" algn="l" rtl="0" eaLnBrk="0" fontAlgn="base" hangingPunct="0">
+      <a:lvl5pPr marL="2451100" indent="-272415" algn="l" rtl="0" eaLnBrk="0" fontAlgn="base" hangingPunct="0">
         <a:lnSpc>
           <a:spcPct val="150000"/>
         </a:lnSpc>
@@ -5462,7 +5078,7 @@
         <a:buClr>
           <a:srgbClr val="2F6231"/>
         </a:buClr>
-        <a:buFont typeface="Arial" charset="0"/>
+        <a:buFont typeface="Arial" panose="020B0604020202020204" pitchFamily="34" charset="0"/>
         <a:buChar char="»"/>
         <a:defRPr sz="1300" kern="1200">
           <a:solidFill>
@@ -5473,11 +5089,11 @@
           <a:cs typeface="+mn-cs"/>
         </a:defRPr>
       </a:lvl5pPr>
-      <a:lvl6pPr marL="2995643" indent="-272331" algn="l" defTabSz="1089325" rtl="0" eaLnBrk="1" latinLnBrk="0" hangingPunct="1">
+      <a:lvl6pPr marL="2995930" indent="-272415" algn="l" defTabSz="1089025" rtl="0" eaLnBrk="1" latinLnBrk="0" hangingPunct="1">
         <a:spcBef>
           <a:spcPct val="20000"/>
         </a:spcBef>
-        <a:buFont typeface="Arial" pitchFamily="34" charset="0"/>
+        <a:buFont typeface="Arial" panose="020B0604020202020204" pitchFamily="34" charset="0"/>
         <a:buChar char="•"/>
         <a:defRPr sz="2400" kern="1200">
           <a:solidFill>
@@ -5488,11 +5104,11 @@
           <a:cs typeface="+mn-cs"/>
         </a:defRPr>
       </a:lvl6pPr>
-      <a:lvl7pPr marL="3540305" indent="-272331" algn="l" defTabSz="1089325" rtl="0" eaLnBrk="1" latinLnBrk="0" hangingPunct="1">
+      <a:lvl7pPr marL="3540125" indent="-272415" algn="l" defTabSz="1089025" rtl="0" eaLnBrk="1" latinLnBrk="0" hangingPunct="1">
         <a:spcBef>
           <a:spcPct val="20000"/>
         </a:spcBef>
-        <a:buFont typeface="Arial" pitchFamily="34" charset="0"/>
+        <a:buFont typeface="Arial" panose="020B0604020202020204" pitchFamily="34" charset="0"/>
         <a:buChar char="•"/>
         <a:defRPr sz="2400" kern="1200">
           <a:solidFill>
@@ -5503,11 +5119,11 @@
           <a:cs typeface="+mn-cs"/>
         </a:defRPr>
       </a:lvl7pPr>
-      <a:lvl8pPr marL="4084968" indent="-272331" algn="l" defTabSz="1089325" rtl="0" eaLnBrk="1" latinLnBrk="0" hangingPunct="1">
+      <a:lvl8pPr marL="4084955" indent="-272415" algn="l" defTabSz="1089025" rtl="0" eaLnBrk="1" latinLnBrk="0" hangingPunct="1">
         <a:spcBef>
           <a:spcPct val="20000"/>
         </a:spcBef>
-        <a:buFont typeface="Arial" pitchFamily="34" charset="0"/>
+        <a:buFont typeface="Arial" panose="020B0604020202020204" pitchFamily="34" charset="0"/>
         <a:buChar char="•"/>
         <a:defRPr sz="2400" kern="1200">
           <a:solidFill>
@@ -5518,11 +5134,11 @@
           <a:cs typeface="+mn-cs"/>
         </a:defRPr>
       </a:lvl8pPr>
-      <a:lvl9pPr marL="4629630" indent="-272331" algn="l" defTabSz="1089325" rtl="0" eaLnBrk="1" latinLnBrk="0" hangingPunct="1">
+      <a:lvl9pPr marL="4629785" indent="-272415" algn="l" defTabSz="1089025" rtl="0" eaLnBrk="1" latinLnBrk="0" hangingPunct="1">
         <a:spcBef>
           <a:spcPct val="20000"/>
         </a:spcBef>
-        <a:buFont typeface="Arial" pitchFamily="34" charset="0"/>
+        <a:buFont typeface="Arial" panose="020B0604020202020204" pitchFamily="34" charset="0"/>
         <a:buChar char="•"/>
         <a:defRPr sz="2400" kern="1200">
           <a:solidFill>
@@ -5538,7 +5154,7 @@
       <a:defPPr>
         <a:defRPr lang="zh-CN"/>
       </a:defPPr>
-      <a:lvl1pPr marL="0" algn="l" defTabSz="1089325" rtl="0" eaLnBrk="1" latinLnBrk="0" hangingPunct="1">
+      <a:lvl1pPr marL="0" algn="l" defTabSz="1089025" rtl="0" eaLnBrk="1" latinLnBrk="0" hangingPunct="1">
         <a:defRPr sz="2100" kern="1200">
           <a:solidFill>
             <a:schemeClr val="tx1"/>
@@ -5548,7 +5164,7 @@
           <a:cs typeface="+mn-cs"/>
         </a:defRPr>
       </a:lvl1pPr>
-      <a:lvl2pPr marL="544662" algn="l" defTabSz="1089325" rtl="0" eaLnBrk="1" latinLnBrk="0" hangingPunct="1">
+      <a:lvl2pPr marL="544830" algn="l" defTabSz="1089025" rtl="0" eaLnBrk="1" latinLnBrk="0" hangingPunct="1">
         <a:defRPr sz="2100" kern="1200">
           <a:solidFill>
             <a:schemeClr val="tx1"/>
@@ -5558,7 +5174,7 @@
           <a:cs typeface="+mn-cs"/>
         </a:defRPr>
       </a:lvl2pPr>
-      <a:lvl3pPr marL="1089325" algn="l" defTabSz="1089325" rtl="0" eaLnBrk="1" latinLnBrk="0" hangingPunct="1">
+      <a:lvl3pPr marL="1089025" algn="l" defTabSz="1089025" rtl="0" eaLnBrk="1" latinLnBrk="0" hangingPunct="1">
         <a:defRPr sz="2100" kern="1200">
           <a:solidFill>
             <a:schemeClr val="tx1"/>
@@ -5568,7 +5184,7 @@
           <a:cs typeface="+mn-cs"/>
         </a:defRPr>
       </a:lvl3pPr>
-      <a:lvl4pPr marL="1633987" algn="l" defTabSz="1089325" rtl="0" eaLnBrk="1" latinLnBrk="0" hangingPunct="1">
+      <a:lvl4pPr marL="1633855" algn="l" defTabSz="1089025" rtl="0" eaLnBrk="1" latinLnBrk="0" hangingPunct="1">
         <a:defRPr sz="2100" kern="1200">
           <a:solidFill>
             <a:schemeClr val="tx1"/>
@@ -5578,7 +5194,7 @@
           <a:cs typeface="+mn-cs"/>
         </a:defRPr>
       </a:lvl4pPr>
-      <a:lvl5pPr marL="2178649" algn="l" defTabSz="1089325" rtl="0" eaLnBrk="1" latinLnBrk="0" hangingPunct="1">
+      <a:lvl5pPr marL="2178685" algn="l" defTabSz="1089025" rtl="0" eaLnBrk="1" latinLnBrk="0" hangingPunct="1">
         <a:defRPr sz="2100" kern="1200">
           <a:solidFill>
             <a:schemeClr val="tx1"/>
@@ -5588,7 +5204,7 @@
           <a:cs typeface="+mn-cs"/>
         </a:defRPr>
       </a:lvl5pPr>
-      <a:lvl6pPr marL="2723312" algn="l" defTabSz="1089325" rtl="0" eaLnBrk="1" latinLnBrk="0" hangingPunct="1">
+      <a:lvl6pPr marL="2723515" algn="l" defTabSz="1089025" rtl="0" eaLnBrk="1" latinLnBrk="0" hangingPunct="1">
         <a:defRPr sz="2100" kern="1200">
           <a:solidFill>
             <a:schemeClr val="tx1"/>
@@ -5598,7 +5214,7 @@
           <a:cs typeface="+mn-cs"/>
         </a:defRPr>
       </a:lvl6pPr>
-      <a:lvl7pPr marL="3267974" algn="l" defTabSz="1089325" rtl="0" eaLnBrk="1" latinLnBrk="0" hangingPunct="1">
+      <a:lvl7pPr marL="3267710" algn="l" defTabSz="1089025" rtl="0" eaLnBrk="1" latinLnBrk="0" hangingPunct="1">
         <a:defRPr sz="2100" kern="1200">
           <a:solidFill>
             <a:schemeClr val="tx1"/>
@@ -5608,7 +5224,7 @@
           <a:cs typeface="+mn-cs"/>
         </a:defRPr>
       </a:lvl7pPr>
-      <a:lvl8pPr marL="3812637" algn="l" defTabSz="1089325" rtl="0" eaLnBrk="1" latinLnBrk="0" hangingPunct="1">
+      <a:lvl8pPr marL="3812540" algn="l" defTabSz="1089025" rtl="0" eaLnBrk="1" latinLnBrk="0" hangingPunct="1">
         <a:defRPr sz="2100" kern="1200">
           <a:solidFill>
             <a:schemeClr val="tx1"/>
@@ -5618,7 +5234,7 @@
           <a:cs typeface="+mn-cs"/>
         </a:defRPr>
       </a:lvl8pPr>
-      <a:lvl9pPr marL="4357299" algn="l" defTabSz="1089325" rtl="0" eaLnBrk="1" latinLnBrk="0" hangingPunct="1">
+      <a:lvl9pPr marL="4357370" algn="l" defTabSz="1089025" rtl="0" eaLnBrk="1" latinLnBrk="0" hangingPunct="1">
         <a:defRPr sz="2100" kern="1200">
           <a:solidFill>
             <a:schemeClr val="tx1"/>
@@ -5652,85 +5268,79 @@
       </p:grpSpPr>
       <p:sp>
         <p:nvSpPr>
-          <p:cNvPr id="5122" name="标题 1"/>
+          <p:cNvPr id="2" name="Title 1"/>
           <p:cNvSpPr>
             <a:spLocks noGrp="1"/>
           </p:cNvSpPr>
           <p:nvPr>
-            <p:ph type="ctrTitle"/>
+            <p:ph type="title"/>
+          </p:nvPr>
+        </p:nvSpPr>
+        <p:spPr/>
+        <p:txBody>
+          <a:bodyPr/>
+          <a:lstStyle/>
+          <a:p>
+            <a:r>
+              <a:rPr lang="zh-CN" altLang="en-US" dirty="0" smtClean="0"/>
+              <a:t>锁</a:t>
+            </a:r>
+            <a:endParaRPr lang="zh-CN" altLang="en-US" dirty="0"/>
+          </a:p>
+        </p:txBody>
+      </p:sp>
+      <p:sp>
+        <p:nvSpPr>
+          <p:cNvPr id="3" name="Content Placeholder 2"/>
+          <p:cNvSpPr>
+            <a:spLocks noGrp="1"/>
+          </p:cNvSpPr>
+          <p:nvPr>
+            <p:ph idx="1"/>
           </p:nvPr>
         </p:nvSpPr>
         <p:spPr>
           <a:xfrm>
-            <a:off x="816263" y="5302437"/>
-            <a:ext cx="10668285" cy="844324"/>
+            <a:off x="3942110" y="1269554"/>
+            <a:ext cx="2899827" cy="5041187"/>
           </a:xfrm>
         </p:spPr>
         <p:txBody>
-          <a:bodyPr>
-            <a:normAutofit fontScale="90000"/>
-          </a:bodyPr>
+          <a:bodyPr/>
           <a:lstStyle/>
           <a:p>
-            <a:pPr algn="ctr" eaLnBrk="1" hangingPunct="1">
-              <a:lnSpc>
-                <a:spcPct val="150000"/>
-              </a:lnSpc>
-            </a:pPr>
-            <a:r>
-              <a:rPr lang="zh-CN" altLang="en-US" dirty="0"/>
-              <a:t>深入</a:t>
-            </a:r>
-            <a:r>
-              <a:rPr lang="en-US" altLang="zh-CN" dirty="0"/>
-              <a:t>JVM</a:t>
-            </a:r>
-            <a:r>
-              <a:rPr lang="zh-CN" altLang="en-US" dirty="0"/>
-              <a:t>内核</a:t>
-            </a:r>
-            <a:r>
-              <a:rPr lang="en-US" altLang="zh-CN" dirty="0"/>
-              <a:t>——</a:t>
-            </a:r>
-            <a:r>
-              <a:rPr lang="zh-CN" altLang="en-US" dirty="0"/>
-              <a:t>原理、诊断与</a:t>
-            </a:r>
-            <a:r>
-              <a:rPr lang="zh-CN" altLang="en-US" dirty="0" smtClean="0"/>
-              <a:t>优化  第</a:t>
-            </a:r>
-            <a:r>
-              <a:rPr lang="en-US" altLang="zh-CN" dirty="0" smtClean="0"/>
-              <a:t>9</a:t>
-            </a:r>
-            <a:r>
-              <a:rPr lang="zh-CN" altLang="en-US" dirty="0" smtClean="0"/>
-              <a:t>周</a:t>
-            </a:r>
-          </a:p>
-        </p:txBody>
-      </p:sp>
-      <p:pic>
-        <p:nvPicPr>
-          <p:cNvPr id="43009" name="Picture 1"/>
-          <p:cNvPicPr>
-            <a:picLocks noChangeAspect="1" noChangeArrowheads="1"/>
-          </p:cNvPicPr>
+            <a:r>
+              <a:rPr lang="zh-CN" altLang="en-US" dirty="0" smtClean="0"/>
+              <a:t>偏向锁</a:t>
+            </a:r>
+            <a:endParaRPr lang="en-US" altLang="zh-CN" dirty="0" smtClean="0"/>
+          </a:p>
+          <a:p>
+            <a:r>
+              <a:rPr lang="zh-CN" altLang="en-US" dirty="0" smtClean="0"/>
+              <a:t>轻量级锁</a:t>
+            </a:r>
+            <a:endParaRPr lang="en-US" altLang="zh-CN" dirty="0" smtClean="0"/>
+          </a:p>
+          <a:p>
+            <a:r>
+              <a:rPr lang="zh-CN" altLang="en-US" dirty="0" smtClean="0"/>
+              <a:t>自旋锁</a:t>
+            </a:r>
+            <a:endParaRPr lang="en-US" altLang="zh-CN" dirty="0" smtClean="0"/>
+          </a:p>
+        </p:txBody>
+      </p:sp>
+      <p:sp>
+        <p:nvSpPr>
+          <p:cNvPr id="4" name="Content Placeholder 2"/>
+          <p:cNvSpPr txBox="1"/>
           <p:nvPr/>
-        </p:nvPicPr>
-        <p:blipFill>
-          <a:blip r:embed="rId3" cstate="print"/>
-          <a:srcRect/>
-          <a:stretch>
-            <a:fillRect/>
-          </a:stretch>
-        </p:blipFill>
+        </p:nvSpPr>
         <p:spPr bwMode="auto">
           <a:xfrm>
-            <a:off x="2357934" y="1485578"/>
-            <a:ext cx="7560840" cy="3633901"/>
+            <a:off x="7614518" y="1197544"/>
+            <a:ext cx="2899827" cy="5041187"/>
           </a:xfrm>
           <a:prstGeom prst="rect">
             <a:avLst/>
@@ -5739,11 +5349,480 @@
           <a:ln w="9525">
             <a:noFill/>
             <a:miter lim="800000"/>
-            <a:headEnd/>
-            <a:tailEnd/>
           </a:ln>
         </p:spPr>
-      </p:pic>
+        <p:txBody>
+          <a:bodyPr vert="horz" wrap="square" lIns="108932" tIns="54466" rIns="108932" bIns="54466" numCol="1" anchor="t" anchorCtr="0" compatLnSpc="1"/>
+          <a:lstStyle>
+            <a:lvl1pPr marL="408305" indent="-408305" algn="l" rtl="0" eaLnBrk="0" fontAlgn="base" hangingPunct="0">
+              <a:lnSpc>
+                <a:spcPct val="150000"/>
+              </a:lnSpc>
+              <a:spcBef>
+                <a:spcPct val="20000"/>
+              </a:spcBef>
+              <a:spcAft>
+                <a:spcPct val="0"/>
+              </a:spcAft>
+              <a:buClr>
+                <a:schemeClr val="accent4">
+                  <a:lumMod val="50000"/>
+                </a:schemeClr>
+              </a:buClr>
+              <a:buFont typeface="Wingdings" panose="05000000000000000000" pitchFamily="2" charset="2"/>
+              <a:buChar char="n"/>
+              <a:defRPr sz="1900" kern="1200">
+                <a:solidFill>
+                  <a:schemeClr val="tx1"/>
+                </a:solidFill>
+                <a:latin typeface="+mn-lt"/>
+                <a:ea typeface="+mn-ea"/>
+                <a:cs typeface="+mn-cs"/>
+              </a:defRPr>
+            </a:lvl1pPr>
+            <a:lvl2pPr marL="885190" indent="-340360" algn="l" rtl="0" eaLnBrk="0" fontAlgn="base" hangingPunct="0">
+              <a:lnSpc>
+                <a:spcPct val="150000"/>
+              </a:lnSpc>
+              <a:spcBef>
+                <a:spcPct val="20000"/>
+              </a:spcBef>
+              <a:spcAft>
+                <a:spcPct val="0"/>
+              </a:spcAft>
+              <a:buClr>
+                <a:srgbClr val="2F6231"/>
+              </a:buClr>
+              <a:buFont typeface="Arial" panose="020B0604020202020204" pitchFamily="34" charset="0"/>
+              <a:buChar char="–"/>
+              <a:defRPr sz="1700" kern="1200">
+                <a:solidFill>
+                  <a:schemeClr val="tx1"/>
+                </a:solidFill>
+                <a:latin typeface="+mn-lt"/>
+                <a:ea typeface="+mn-ea"/>
+                <a:cs typeface="+mn-cs"/>
+              </a:defRPr>
+            </a:lvl2pPr>
+            <a:lvl3pPr marL="1361440" indent="-272415" algn="l" rtl="0" eaLnBrk="0" fontAlgn="base" hangingPunct="0">
+              <a:lnSpc>
+                <a:spcPct val="150000"/>
+              </a:lnSpc>
+              <a:spcBef>
+                <a:spcPct val="20000"/>
+              </a:spcBef>
+              <a:spcAft>
+                <a:spcPct val="0"/>
+              </a:spcAft>
+              <a:buClr>
+                <a:srgbClr val="2F6231"/>
+              </a:buClr>
+              <a:buFont typeface="Arial" panose="020B0604020202020204" pitchFamily="34" charset="0"/>
+              <a:buChar char="•"/>
+              <a:defRPr sz="1400" kern="1200">
+                <a:solidFill>
+                  <a:schemeClr val="tx1"/>
+                </a:solidFill>
+                <a:latin typeface="+mn-lt"/>
+                <a:ea typeface="+mn-ea"/>
+                <a:cs typeface="+mn-cs"/>
+              </a:defRPr>
+            </a:lvl3pPr>
+            <a:lvl4pPr marL="1906270" indent="-272415" algn="l" rtl="0" eaLnBrk="0" fontAlgn="base" hangingPunct="0">
+              <a:lnSpc>
+                <a:spcPct val="150000"/>
+              </a:lnSpc>
+              <a:spcBef>
+                <a:spcPct val="20000"/>
+              </a:spcBef>
+              <a:spcAft>
+                <a:spcPct val="0"/>
+              </a:spcAft>
+              <a:buClr>
+                <a:srgbClr val="2F6231"/>
+              </a:buClr>
+              <a:buFont typeface="Arial" panose="020B0604020202020204" pitchFamily="34" charset="0"/>
+              <a:buChar char="–"/>
+              <a:defRPr sz="1300" kern="1200">
+                <a:solidFill>
+                  <a:schemeClr val="tx1"/>
+                </a:solidFill>
+                <a:latin typeface="+mn-lt"/>
+                <a:ea typeface="+mn-ea"/>
+                <a:cs typeface="+mn-cs"/>
+              </a:defRPr>
+            </a:lvl4pPr>
+            <a:lvl5pPr marL="2451100" indent="-272415" algn="l" rtl="0" eaLnBrk="0" fontAlgn="base" hangingPunct="0">
+              <a:lnSpc>
+                <a:spcPct val="150000"/>
+              </a:lnSpc>
+              <a:spcBef>
+                <a:spcPct val="20000"/>
+              </a:spcBef>
+              <a:spcAft>
+                <a:spcPct val="0"/>
+              </a:spcAft>
+              <a:buClr>
+                <a:srgbClr val="2F6231"/>
+              </a:buClr>
+              <a:buFont typeface="Arial" panose="020B0604020202020204" pitchFamily="34" charset="0"/>
+              <a:buChar char="»"/>
+              <a:defRPr sz="1300" kern="1200">
+                <a:solidFill>
+                  <a:schemeClr val="tx1"/>
+                </a:solidFill>
+                <a:latin typeface="+mn-lt"/>
+                <a:ea typeface="+mn-ea"/>
+                <a:cs typeface="+mn-cs"/>
+              </a:defRPr>
+            </a:lvl5pPr>
+            <a:lvl6pPr marL="2995930" indent="-272415" algn="l" defTabSz="1089025" rtl="0" eaLnBrk="1" latinLnBrk="0" hangingPunct="1">
+              <a:spcBef>
+                <a:spcPct val="20000"/>
+              </a:spcBef>
+              <a:buFont typeface="Arial" panose="020B0604020202020204" pitchFamily="34" charset="0"/>
+              <a:buChar char="•"/>
+              <a:defRPr sz="2400" kern="1200">
+                <a:solidFill>
+                  <a:schemeClr val="tx1"/>
+                </a:solidFill>
+                <a:latin typeface="+mn-lt"/>
+                <a:ea typeface="+mn-ea"/>
+                <a:cs typeface="+mn-cs"/>
+              </a:defRPr>
+            </a:lvl6pPr>
+            <a:lvl7pPr marL="3540125" indent="-272415" algn="l" defTabSz="1089025" rtl="0" eaLnBrk="1" latinLnBrk="0" hangingPunct="1">
+              <a:spcBef>
+                <a:spcPct val="20000"/>
+              </a:spcBef>
+              <a:buFont typeface="Arial" panose="020B0604020202020204" pitchFamily="34" charset="0"/>
+              <a:buChar char="•"/>
+              <a:defRPr sz="2400" kern="1200">
+                <a:solidFill>
+                  <a:schemeClr val="tx1"/>
+                </a:solidFill>
+                <a:latin typeface="+mn-lt"/>
+                <a:ea typeface="+mn-ea"/>
+                <a:cs typeface="+mn-cs"/>
+              </a:defRPr>
+            </a:lvl7pPr>
+            <a:lvl8pPr marL="4084955" indent="-272415" algn="l" defTabSz="1089025" rtl="0" eaLnBrk="1" latinLnBrk="0" hangingPunct="1">
+              <a:spcBef>
+                <a:spcPct val="20000"/>
+              </a:spcBef>
+              <a:buFont typeface="Arial" panose="020B0604020202020204" pitchFamily="34" charset="0"/>
+              <a:buChar char="•"/>
+              <a:defRPr sz="2400" kern="1200">
+                <a:solidFill>
+                  <a:schemeClr val="tx1"/>
+                </a:solidFill>
+                <a:latin typeface="+mn-lt"/>
+                <a:ea typeface="+mn-ea"/>
+                <a:cs typeface="+mn-cs"/>
+              </a:defRPr>
+            </a:lvl8pPr>
+            <a:lvl9pPr marL="4629785" indent="-272415" algn="l" defTabSz="1089025" rtl="0" eaLnBrk="1" latinLnBrk="0" hangingPunct="1">
+              <a:spcBef>
+                <a:spcPct val="20000"/>
+              </a:spcBef>
+              <a:buFont typeface="Arial" panose="020B0604020202020204" pitchFamily="34" charset="0"/>
+              <a:buChar char="•"/>
+              <a:defRPr sz="2400" kern="1200">
+                <a:solidFill>
+                  <a:schemeClr val="tx1"/>
+                </a:solidFill>
+                <a:latin typeface="+mn-lt"/>
+                <a:ea typeface="+mn-ea"/>
+                <a:cs typeface="+mn-cs"/>
+              </a:defRPr>
+            </a:lvl9pPr>
+          </a:lstStyle>
+          <a:p>
+            <a:r>
+              <a:rPr lang="zh-CN" altLang="en-US" dirty="0"/>
+              <a:t>减少锁持有</a:t>
+            </a:r>
+            <a:r>
+              <a:rPr lang="zh-CN" altLang="en-US" dirty="0" smtClean="0"/>
+              <a:t>时间</a:t>
+            </a:r>
+            <a:endParaRPr lang="en-US" altLang="zh-CN" dirty="0" smtClean="0"/>
+          </a:p>
+          <a:p>
+            <a:r>
+              <a:rPr lang="zh-CN" altLang="en-US" dirty="0"/>
+              <a:t>减小锁</a:t>
+            </a:r>
+            <a:r>
+              <a:rPr lang="zh-CN" altLang="en-US" dirty="0" smtClean="0"/>
+              <a:t>粒度</a:t>
+            </a:r>
+            <a:endParaRPr lang="en-US" altLang="zh-CN" dirty="0" smtClean="0"/>
+          </a:p>
+          <a:p>
+            <a:r>
+              <a:rPr lang="zh-CN" altLang="en-US" dirty="0"/>
+              <a:t>锁</a:t>
+            </a:r>
+            <a:r>
+              <a:rPr lang="zh-CN" altLang="en-US" dirty="0" smtClean="0"/>
+              <a:t>分离</a:t>
+            </a:r>
+            <a:endParaRPr lang="en-US" altLang="zh-CN" dirty="0" smtClean="0"/>
+          </a:p>
+          <a:p>
+            <a:r>
+              <a:rPr lang="zh-CN" altLang="en-US" dirty="0"/>
+              <a:t>锁粗</a:t>
+            </a:r>
+            <a:r>
+              <a:rPr lang="zh-CN" altLang="en-US" dirty="0" smtClean="0"/>
+              <a:t>化</a:t>
+            </a:r>
+            <a:endParaRPr lang="en-US" altLang="zh-CN" dirty="0" smtClean="0"/>
+          </a:p>
+          <a:p>
+            <a:r>
+              <a:rPr lang="zh-CN" altLang="en-US" dirty="0" smtClean="0"/>
+              <a:t>锁消除</a:t>
+            </a:r>
+            <a:endParaRPr lang="en-US" altLang="zh-CN" dirty="0" smtClean="0"/>
+          </a:p>
+          <a:p>
+            <a:r>
+              <a:rPr lang="zh-CN" altLang="en-US" dirty="0" smtClean="0"/>
+              <a:t>无锁</a:t>
+            </a:r>
+            <a:endParaRPr lang="zh-CN" altLang="en-US" dirty="0"/>
+          </a:p>
+        </p:txBody>
+      </p:sp>
+      <p:sp>
+        <p:nvSpPr>
+          <p:cNvPr id="5" name="Content Placeholder 2"/>
+          <p:cNvSpPr txBox="1"/>
+          <p:nvPr/>
+        </p:nvSpPr>
+        <p:spPr bwMode="auto">
+          <a:xfrm>
+            <a:off x="629742" y="1433868"/>
+            <a:ext cx="2899827" cy="5041187"/>
+          </a:xfrm>
+          <a:prstGeom prst="rect">
+            <a:avLst/>
+          </a:prstGeom>
+          <a:noFill/>
+          <a:ln w="9525">
+            <a:noFill/>
+            <a:miter lim="800000"/>
+          </a:ln>
+        </p:spPr>
+        <p:txBody>
+          <a:bodyPr vert="horz" wrap="square" lIns="108932" tIns="54466" rIns="108932" bIns="54466" numCol="1" anchor="t" anchorCtr="0" compatLnSpc="1"/>
+          <a:lstStyle>
+            <a:lvl1pPr marL="408305" indent="-408305" algn="l" rtl="0" eaLnBrk="0" fontAlgn="base" hangingPunct="0">
+              <a:lnSpc>
+                <a:spcPct val="150000"/>
+              </a:lnSpc>
+              <a:spcBef>
+                <a:spcPct val="20000"/>
+              </a:spcBef>
+              <a:spcAft>
+                <a:spcPct val="0"/>
+              </a:spcAft>
+              <a:buClr>
+                <a:schemeClr val="accent4">
+                  <a:lumMod val="50000"/>
+                </a:schemeClr>
+              </a:buClr>
+              <a:buFont typeface="Wingdings" panose="05000000000000000000" pitchFamily="2" charset="2"/>
+              <a:buChar char="n"/>
+              <a:defRPr sz="1900" kern="1200">
+                <a:solidFill>
+                  <a:schemeClr val="tx1"/>
+                </a:solidFill>
+                <a:latin typeface="+mn-lt"/>
+                <a:ea typeface="+mn-ea"/>
+                <a:cs typeface="+mn-cs"/>
+              </a:defRPr>
+            </a:lvl1pPr>
+            <a:lvl2pPr marL="885190" indent="-340360" algn="l" rtl="0" eaLnBrk="0" fontAlgn="base" hangingPunct="0">
+              <a:lnSpc>
+                <a:spcPct val="150000"/>
+              </a:lnSpc>
+              <a:spcBef>
+                <a:spcPct val="20000"/>
+              </a:spcBef>
+              <a:spcAft>
+                <a:spcPct val="0"/>
+              </a:spcAft>
+              <a:buClr>
+                <a:srgbClr val="2F6231"/>
+              </a:buClr>
+              <a:buFont typeface="Arial" panose="020B0604020202020204" pitchFamily="34" charset="0"/>
+              <a:buChar char="–"/>
+              <a:defRPr sz="1700" kern="1200">
+                <a:solidFill>
+                  <a:schemeClr val="tx1"/>
+                </a:solidFill>
+                <a:latin typeface="+mn-lt"/>
+                <a:ea typeface="+mn-ea"/>
+                <a:cs typeface="+mn-cs"/>
+              </a:defRPr>
+            </a:lvl2pPr>
+            <a:lvl3pPr marL="1361440" indent="-272415" algn="l" rtl="0" eaLnBrk="0" fontAlgn="base" hangingPunct="0">
+              <a:lnSpc>
+                <a:spcPct val="150000"/>
+              </a:lnSpc>
+              <a:spcBef>
+                <a:spcPct val="20000"/>
+              </a:spcBef>
+              <a:spcAft>
+                <a:spcPct val="0"/>
+              </a:spcAft>
+              <a:buClr>
+                <a:srgbClr val="2F6231"/>
+              </a:buClr>
+              <a:buFont typeface="Arial" panose="020B0604020202020204" pitchFamily="34" charset="0"/>
+              <a:buChar char="•"/>
+              <a:defRPr sz="1400" kern="1200">
+                <a:solidFill>
+                  <a:schemeClr val="tx1"/>
+                </a:solidFill>
+                <a:latin typeface="+mn-lt"/>
+                <a:ea typeface="+mn-ea"/>
+                <a:cs typeface="+mn-cs"/>
+              </a:defRPr>
+            </a:lvl3pPr>
+            <a:lvl4pPr marL="1906270" indent="-272415" algn="l" rtl="0" eaLnBrk="0" fontAlgn="base" hangingPunct="0">
+              <a:lnSpc>
+                <a:spcPct val="150000"/>
+              </a:lnSpc>
+              <a:spcBef>
+                <a:spcPct val="20000"/>
+              </a:spcBef>
+              <a:spcAft>
+                <a:spcPct val="0"/>
+              </a:spcAft>
+              <a:buClr>
+                <a:srgbClr val="2F6231"/>
+              </a:buClr>
+              <a:buFont typeface="Arial" panose="020B0604020202020204" pitchFamily="34" charset="0"/>
+              <a:buChar char="–"/>
+              <a:defRPr sz="1300" kern="1200">
+                <a:solidFill>
+                  <a:schemeClr val="tx1"/>
+                </a:solidFill>
+                <a:latin typeface="+mn-lt"/>
+                <a:ea typeface="+mn-ea"/>
+                <a:cs typeface="+mn-cs"/>
+              </a:defRPr>
+            </a:lvl4pPr>
+            <a:lvl5pPr marL="2451100" indent="-272415" algn="l" rtl="0" eaLnBrk="0" fontAlgn="base" hangingPunct="0">
+              <a:lnSpc>
+                <a:spcPct val="150000"/>
+              </a:lnSpc>
+              <a:spcBef>
+                <a:spcPct val="20000"/>
+              </a:spcBef>
+              <a:spcAft>
+                <a:spcPct val="0"/>
+              </a:spcAft>
+              <a:buClr>
+                <a:srgbClr val="2F6231"/>
+              </a:buClr>
+              <a:buFont typeface="Arial" panose="020B0604020202020204" pitchFamily="34" charset="0"/>
+              <a:buChar char="»"/>
+              <a:defRPr sz="1300" kern="1200">
+                <a:solidFill>
+                  <a:schemeClr val="tx1"/>
+                </a:solidFill>
+                <a:latin typeface="+mn-lt"/>
+                <a:ea typeface="+mn-ea"/>
+                <a:cs typeface="+mn-cs"/>
+              </a:defRPr>
+            </a:lvl5pPr>
+            <a:lvl6pPr marL="2995930" indent="-272415" algn="l" defTabSz="1089025" rtl="0" eaLnBrk="1" latinLnBrk="0" hangingPunct="1">
+              <a:spcBef>
+                <a:spcPct val="20000"/>
+              </a:spcBef>
+              <a:buFont typeface="Arial" panose="020B0604020202020204" pitchFamily="34" charset="0"/>
+              <a:buChar char="•"/>
+              <a:defRPr sz="2400" kern="1200">
+                <a:solidFill>
+                  <a:schemeClr val="tx1"/>
+                </a:solidFill>
+                <a:latin typeface="+mn-lt"/>
+                <a:ea typeface="+mn-ea"/>
+                <a:cs typeface="+mn-cs"/>
+              </a:defRPr>
+            </a:lvl6pPr>
+            <a:lvl7pPr marL="3540125" indent="-272415" algn="l" defTabSz="1089025" rtl="0" eaLnBrk="1" latinLnBrk="0" hangingPunct="1">
+              <a:spcBef>
+                <a:spcPct val="20000"/>
+              </a:spcBef>
+              <a:buFont typeface="Arial" panose="020B0604020202020204" pitchFamily="34" charset="0"/>
+              <a:buChar char="•"/>
+              <a:defRPr sz="2400" kern="1200">
+                <a:solidFill>
+                  <a:schemeClr val="tx1"/>
+                </a:solidFill>
+                <a:latin typeface="+mn-lt"/>
+                <a:ea typeface="+mn-ea"/>
+                <a:cs typeface="+mn-cs"/>
+              </a:defRPr>
+            </a:lvl7pPr>
+            <a:lvl8pPr marL="4084955" indent="-272415" algn="l" defTabSz="1089025" rtl="0" eaLnBrk="1" latinLnBrk="0" hangingPunct="1">
+              <a:spcBef>
+                <a:spcPct val="20000"/>
+              </a:spcBef>
+              <a:buFont typeface="Arial" panose="020B0604020202020204" pitchFamily="34" charset="0"/>
+              <a:buChar char="•"/>
+              <a:defRPr sz="2400" kern="1200">
+                <a:solidFill>
+                  <a:schemeClr val="tx1"/>
+                </a:solidFill>
+                <a:latin typeface="+mn-lt"/>
+                <a:ea typeface="+mn-ea"/>
+                <a:cs typeface="+mn-cs"/>
+              </a:defRPr>
+            </a:lvl8pPr>
+            <a:lvl9pPr marL="4629785" indent="-272415" algn="l" defTabSz="1089025" rtl="0" eaLnBrk="1" latinLnBrk="0" hangingPunct="1">
+              <a:spcBef>
+                <a:spcPct val="20000"/>
+              </a:spcBef>
+              <a:buFont typeface="Arial" panose="020B0604020202020204" pitchFamily="34" charset="0"/>
+              <a:buChar char="•"/>
+              <a:defRPr sz="2400" kern="1200">
+                <a:solidFill>
+                  <a:schemeClr val="tx1"/>
+                </a:solidFill>
+                <a:latin typeface="+mn-lt"/>
+                <a:ea typeface="+mn-ea"/>
+                <a:cs typeface="+mn-cs"/>
+              </a:defRPr>
+            </a:lvl9pPr>
+          </a:lstStyle>
+          <a:p>
+            <a:r>
+              <a:rPr lang="zh-CN" altLang="en-US" dirty="0" smtClean="0"/>
+              <a:t>线程安全</a:t>
+            </a:r>
+            <a:endParaRPr lang="en-US" altLang="zh-CN" dirty="0" smtClean="0"/>
+          </a:p>
+          <a:p>
+            <a:r>
+              <a:rPr lang="zh-CN" altLang="en-US" dirty="0" smtClean="0"/>
+              <a:t>对象头</a:t>
+            </a:r>
+            <a:r>
+              <a:rPr lang="en-US" altLang="zh-CN" dirty="0" smtClean="0"/>
+              <a:t>Mark</a:t>
+            </a:r>
+            <a:endParaRPr lang="en-US" altLang="zh-CN" dirty="0" smtClean="0"/>
+          </a:p>
+        </p:txBody>
+      </p:sp>
     </p:spTree>
   </p:cSld>
   <p:clrMapOvr>
@@ -5792,12 +5871,8 @@
           <a:lstStyle/>
           <a:p>
             <a:r>
-              <a:rPr lang="zh-CN" altLang="en-US" dirty="0"/>
-              <a:t>轻量级</a:t>
-            </a:r>
-            <a:r>
-              <a:rPr lang="zh-CN" altLang="en-US" dirty="0" smtClean="0"/>
-              <a:t>锁</a:t>
+              <a:rPr lang="zh-CN" altLang="en-US" dirty="0" smtClean="0"/>
+              <a:t>自旋锁</a:t>
             </a:r>
             <a:endParaRPr lang="zh-CN" altLang="en-US" dirty="0"/>
           </a:p>
@@ -5820,225 +5895,73 @@
           <a:p>
             <a:r>
               <a:rPr lang="zh-CN" altLang="en-US" dirty="0" smtClean="0"/>
-              <a:t>普通的锁处理性能不够理想，轻量级锁是一种快速的锁定方法。</a:t>
+              <a:t>当竞争存在时，如果线程可以很快获得锁，那么可以不在</a:t>
+            </a:r>
+            <a:r>
+              <a:rPr lang="en-US" altLang="zh-CN" dirty="0" smtClean="0"/>
+              <a:t>OS</a:t>
+            </a:r>
+            <a:r>
+              <a:rPr lang="zh-CN" altLang="en-US" dirty="0" smtClean="0"/>
+              <a:t>层挂起线程，让线程做几个空操作（自旋）</a:t>
             </a:r>
             <a:endParaRPr lang="en-US" altLang="zh-CN" dirty="0" smtClean="0"/>
           </a:p>
           <a:p>
             <a:r>
-              <a:rPr lang="zh-CN" altLang="en-US" dirty="0" smtClean="0"/>
-              <a:t>如果对象没有被锁定</a:t>
+              <a:rPr lang="en-US" altLang="zh-CN" dirty="0" smtClean="0"/>
+              <a:t>JDK1.6</a:t>
+            </a:r>
+            <a:r>
+              <a:rPr lang="zh-CN" altLang="en-US" dirty="0" smtClean="0"/>
+              <a:t>中</a:t>
+            </a:r>
+            <a:r>
+              <a:rPr lang="en-US" altLang="zh-CN" dirty="0" smtClean="0"/>
+              <a:t>-XX:+</a:t>
+            </a:r>
+            <a:r>
+              <a:rPr lang="en-US" altLang="zh-CN" dirty="0" err="1" smtClean="0"/>
+              <a:t>UseSpinning</a:t>
+            </a:r>
+            <a:r>
+              <a:rPr lang="zh-CN" altLang="en-US" dirty="0" smtClean="0"/>
+              <a:t>开启</a:t>
             </a:r>
             <a:endParaRPr lang="en-US" altLang="zh-CN" dirty="0" smtClean="0"/>
           </a:p>
           <a:p>
-            <a:pPr lvl="1"/>
-            <a:r>
-              <a:rPr lang="zh-CN" altLang="en-US" dirty="0" smtClean="0"/>
-              <a:t>将对象头的</a:t>
-            </a:r>
             <a:r>
               <a:rPr lang="en-US" altLang="zh-CN" dirty="0" smtClean="0"/>
-              <a:t>Mark</a:t>
-            </a:r>
-            <a:r>
-              <a:rPr lang="zh-CN" altLang="en-US" dirty="0" smtClean="0"/>
-              <a:t>指针保存到锁对象中</a:t>
+              <a:t>JDK1.7</a:t>
+            </a:r>
+            <a:r>
+              <a:rPr lang="zh-CN" altLang="en-US" dirty="0" smtClean="0"/>
+              <a:t>中，去掉此参数，改为内置实现</a:t>
             </a:r>
             <a:endParaRPr lang="en-US" altLang="zh-CN" dirty="0" smtClean="0"/>
           </a:p>
           <a:p>
-            <a:pPr lvl="1"/>
-            <a:r>
-              <a:rPr lang="zh-CN" altLang="en-US" dirty="0" smtClean="0"/>
-              <a:t>将对象头设置为指向锁的指针（在线程栈空间中）</a:t>
+            <a:r>
+              <a:rPr lang="zh-CN" altLang="en-US" dirty="0" smtClean="0"/>
+              <a:t>如果同步块很长，自旋失败，会降低系统性能</a:t>
             </a:r>
             <a:endParaRPr lang="en-US" altLang="zh-CN" dirty="0" smtClean="0"/>
           </a:p>
-        </p:txBody>
-      </p:sp>
-      <p:sp>
-        <p:nvSpPr>
-          <p:cNvPr id="4" name="TextBox 3"/>
-          <p:cNvSpPr txBox="1"/>
-          <p:nvPr/>
-        </p:nvSpPr>
-        <p:spPr>
-          <a:xfrm>
-            <a:off x="1061790" y="3573810"/>
-            <a:ext cx="8784976" cy="1754326"/>
-          </a:xfrm>
-          <a:prstGeom prst="rect">
-            <a:avLst/>
-          </a:prstGeom>
-        </p:spPr>
-        <p:style>
-          <a:lnRef idx="2">
-            <a:schemeClr val="accent1"/>
-          </a:lnRef>
-          <a:fillRef idx="1">
-            <a:schemeClr val="lt1"/>
-          </a:fillRef>
-          <a:effectRef idx="0">
-            <a:schemeClr val="accent1"/>
-          </a:effectRef>
-          <a:fontRef idx="minor">
-            <a:schemeClr val="dk1"/>
-          </a:fontRef>
-        </p:style>
-        <p:txBody>
-          <a:bodyPr wrap="square" rtlCol="0">
-            <a:spAutoFit/>
-          </a:bodyPr>
-          <a:lstStyle/>
-          <a:p>
-            <a:r>
-              <a:rPr lang="en-US" altLang="zh-CN" dirty="0"/>
-              <a:t>lock-&gt;</a:t>
-            </a:r>
-            <a:r>
-              <a:rPr lang="en-US" altLang="zh-CN" dirty="0" err="1"/>
-              <a:t>set_displaced_header</a:t>
-            </a:r>
-            <a:r>
-              <a:rPr lang="en-US" altLang="zh-CN" dirty="0"/>
-              <a:t>(mark</a:t>
-            </a:r>
-            <a:r>
-              <a:rPr lang="en-US" altLang="zh-CN" dirty="0" smtClean="0"/>
-              <a:t>);</a:t>
-            </a:r>
-          </a:p>
-          <a:p>
-            <a:r>
-              <a:rPr lang="en-US" altLang="zh-CN" dirty="0"/>
-              <a:t> if (mark == (</a:t>
-            </a:r>
-            <a:r>
-              <a:rPr lang="en-US" altLang="zh-CN" dirty="0" err="1"/>
-              <a:t>markOop</a:t>
-            </a:r>
-            <a:r>
-              <a:rPr lang="en-US" altLang="zh-CN" dirty="0"/>
-              <a:t>) Atomic::</a:t>
-            </a:r>
-            <a:r>
-              <a:rPr lang="en-US" altLang="zh-CN" dirty="0" err="1"/>
-              <a:t>cmpxchg_ptr</a:t>
-            </a:r>
-            <a:r>
-              <a:rPr lang="en-US" altLang="zh-CN" dirty="0"/>
-              <a:t>(lock, </a:t>
-            </a:r>
-            <a:r>
-              <a:rPr lang="en-US" altLang="zh-CN" dirty="0" err="1"/>
-              <a:t>obj</a:t>
-            </a:r>
-            <a:r>
-              <a:rPr lang="en-US" altLang="zh-CN" dirty="0"/>
-              <a:t>()-&gt;</a:t>
-            </a:r>
-            <a:r>
-              <a:rPr lang="en-US" altLang="zh-CN" dirty="0" err="1"/>
-              <a:t>mark_addr</a:t>
-            </a:r>
-            <a:r>
-              <a:rPr lang="en-US" altLang="zh-CN" dirty="0"/>
-              <a:t>(), mark)) {</a:t>
-            </a:r>
-          </a:p>
-          <a:p>
-            <a:r>
-              <a:rPr lang="en-US" altLang="zh-CN" dirty="0"/>
-              <a:t>      TEVENT (</a:t>
-            </a:r>
-            <a:r>
-              <a:rPr lang="en-US" altLang="zh-CN" dirty="0" err="1"/>
-              <a:t>slow_enter</a:t>
-            </a:r>
-            <a:r>
-              <a:rPr lang="en-US" altLang="zh-CN" dirty="0"/>
-              <a:t>: release </a:t>
-            </a:r>
-            <a:r>
-              <a:rPr lang="en-US" altLang="zh-CN" dirty="0" err="1"/>
-              <a:t>stacklock</a:t>
-            </a:r>
-            <a:r>
-              <a:rPr lang="en-US" altLang="zh-CN" dirty="0"/>
-              <a:t>) ;</a:t>
-            </a:r>
-          </a:p>
-          <a:p>
-            <a:r>
-              <a:rPr lang="en-US" altLang="zh-CN" dirty="0"/>
-              <a:t>      return ;</a:t>
-            </a:r>
-          </a:p>
-          <a:p>
-            <a:r>
-              <a:rPr lang="en-US" altLang="zh-CN" dirty="0" smtClean="0"/>
-              <a:t>}</a:t>
+          <a:p>
+            <a:r>
+              <a:rPr lang="zh-CN" altLang="en-US" dirty="0" smtClean="0"/>
+              <a:t>如果同步块很短，自旋成功，节省线程挂起切换时间</a:t>
+            </a:r>
+            <a:r>
+              <a:rPr lang="zh-CN" altLang="en-US" dirty="0"/>
+              <a:t>，提升系统性能</a:t>
             </a:r>
             <a:endParaRPr lang="zh-CN" altLang="en-US" dirty="0"/>
           </a:p>
         </p:txBody>
       </p:sp>
-      <p:sp>
-        <p:nvSpPr>
-          <p:cNvPr id="5" name="TextBox 4"/>
-          <p:cNvSpPr txBox="1"/>
-          <p:nvPr/>
-        </p:nvSpPr>
-        <p:spPr>
-          <a:xfrm>
-            <a:off x="1041027" y="5590034"/>
-            <a:ext cx="8784976" cy="369332"/>
-          </a:xfrm>
-          <a:prstGeom prst="rect">
-            <a:avLst/>
-          </a:prstGeom>
-        </p:spPr>
-        <p:style>
-          <a:lnRef idx="2">
-            <a:schemeClr val="accent2">
-              <a:shade val="50000"/>
-            </a:schemeClr>
-          </a:lnRef>
-          <a:fillRef idx="1">
-            <a:schemeClr val="accent2"/>
-          </a:fillRef>
-          <a:effectRef idx="0">
-            <a:schemeClr val="accent2"/>
-          </a:effectRef>
-          <a:fontRef idx="minor">
-            <a:schemeClr val="lt1"/>
-          </a:fontRef>
-        </p:style>
-        <p:txBody>
-          <a:bodyPr wrap="square" rtlCol="0">
-            <a:spAutoFit/>
-          </a:bodyPr>
-          <a:lstStyle/>
-          <a:p>
-            <a:r>
-              <a:rPr lang="en-US" altLang="zh-CN" dirty="0" smtClean="0"/>
-              <a:t>lock</a:t>
-            </a:r>
-            <a:r>
-              <a:rPr lang="zh-CN" altLang="en-US" dirty="0" smtClean="0"/>
-              <a:t>位于线程栈中</a:t>
-            </a:r>
-            <a:endParaRPr lang="en-US" altLang="zh-CN" dirty="0" smtClean="0"/>
-          </a:p>
-        </p:txBody>
-      </p:sp>
     </p:spTree>
-    <p:extLst>
-      <p:ext uri="{BB962C8B-B14F-4D97-AF65-F5344CB8AC3E}">
-        <p14:creationId xmlns:p14="http://schemas.microsoft.com/office/powerpoint/2010/main" val="3304530402"/>
-      </p:ext>
-    </p:extLst>
   </p:cSld>
   <p:clrMapOvr>
     <a:masterClrMapping/>
@@ -6086,9 +6009,10 @@
           <a:lstStyle/>
           <a:p>
             <a:r>
-              <a:rPr lang="zh-CN" altLang="en-US" dirty="0"/>
-              <a:t>轻量级锁</a:t>
-            </a:r>
+              <a:rPr lang="zh-CN" altLang="en-US" dirty="0" smtClean="0"/>
+              <a:t>偏向锁，轻量级锁，自旋锁总结</a:t>
+            </a:r>
+            <a:endParaRPr lang="zh-CN" altLang="en-US" dirty="0"/>
           </a:p>
         </p:txBody>
       </p:sp>
@@ -6109,14 +6033,66 @@
           <a:p>
             <a:r>
               <a:rPr lang="zh-CN" altLang="en-US" dirty="0" smtClean="0"/>
-              <a:t>如果轻量级锁失败，表示存在竞争，升级为重量级锁（常规锁）</a:t>
+              <a:t>不是</a:t>
+            </a:r>
+            <a:r>
+              <a:rPr lang="en-US" altLang="zh-CN" dirty="0" smtClean="0"/>
+              <a:t>Java</a:t>
+            </a:r>
+            <a:r>
+              <a:rPr lang="zh-CN" altLang="en-US" dirty="0" smtClean="0"/>
+              <a:t>语言层面的锁优化方法</a:t>
             </a:r>
             <a:endParaRPr lang="en-US" altLang="zh-CN" dirty="0" smtClean="0"/>
           </a:p>
           <a:p>
             <a:r>
-              <a:rPr lang="zh-CN" altLang="en-US" dirty="0" smtClean="0"/>
-              <a:t>在没有锁竞争的前提下，减少传统锁使用</a:t>
+              <a:rPr lang="zh-CN" altLang="en-US" dirty="0"/>
+              <a:t>内置</a:t>
+            </a:r>
+            <a:r>
+              <a:rPr lang="zh-CN" altLang="en-US" dirty="0" smtClean="0"/>
+              <a:t>于</a:t>
+            </a:r>
+            <a:r>
+              <a:rPr lang="en-US" altLang="zh-CN" dirty="0" smtClean="0"/>
+              <a:t>JVM</a:t>
+            </a:r>
+            <a:r>
+              <a:rPr lang="zh-CN" altLang="en-US" dirty="0" smtClean="0"/>
+              <a:t>中的获取锁的优化方法和获取锁的步骤</a:t>
+            </a:r>
+            <a:endParaRPr lang="en-US" altLang="zh-CN" dirty="0" smtClean="0"/>
+          </a:p>
+          <a:p>
+            <a:pPr lvl="1"/>
+            <a:r>
+              <a:rPr lang="zh-CN" altLang="en-US" dirty="0" smtClean="0"/>
+              <a:t>偏向锁可用会先尝试偏向锁</a:t>
+            </a:r>
+            <a:endParaRPr lang="en-US" altLang="zh-CN" dirty="0" smtClean="0"/>
+          </a:p>
+          <a:p>
+            <a:pPr lvl="1"/>
+            <a:r>
+              <a:rPr lang="zh-CN" altLang="en-US" dirty="0" smtClean="0"/>
+              <a:t>轻量级锁可用会先尝试轻量级锁</a:t>
+            </a:r>
+            <a:endParaRPr lang="en-US" altLang="zh-CN" dirty="0" smtClean="0"/>
+          </a:p>
+          <a:p>
+            <a:pPr lvl="1"/>
+            <a:r>
+              <a:rPr lang="zh-CN" altLang="en-US" dirty="0" smtClean="0"/>
+              <a:t>以上都失败，尝试自旋锁</a:t>
+            </a:r>
+            <a:endParaRPr lang="en-US" altLang="zh-CN" dirty="0" smtClean="0"/>
+          </a:p>
+          <a:p>
+            <a:pPr lvl="1"/>
+            <a:r>
+              <a:rPr lang="zh-CN" altLang="en-US" dirty="0" smtClean="0"/>
+              <a:t>再失败，尝试普通锁，使用</a:t>
             </a:r>
             <a:r>
               <a:rPr lang="en-US" altLang="zh-CN" dirty="0" smtClean="0"/>
@@ -6124,36 +6100,13 @@
             </a:r>
             <a:r>
               <a:rPr lang="zh-CN" altLang="en-US" dirty="0" smtClean="0"/>
-              <a:t>互斥量产生的性能损耗</a:t>
-            </a:r>
-            <a:endParaRPr lang="en-US" altLang="zh-CN" dirty="0" smtClean="0"/>
-          </a:p>
-          <a:p>
-            <a:r>
-              <a:rPr lang="zh-CN" altLang="en-US" dirty="0" smtClean="0"/>
-              <a:t>在竞争</a:t>
-            </a:r>
-            <a:r>
-              <a:rPr lang="zh-CN" altLang="en-US" dirty="0"/>
-              <a:t>激烈时，</a:t>
-            </a:r>
-            <a:r>
-              <a:rPr lang="zh-CN" altLang="en-US" dirty="0" smtClean="0"/>
-              <a:t>轻量级锁会多做很多额外操作，导致性能下降</a:t>
-            </a:r>
-            <a:endParaRPr lang="en-US" altLang="zh-CN" dirty="0" smtClean="0"/>
-          </a:p>
-          <a:p>
+              <a:t>互斥量在操作系统层挂起</a:t>
+            </a:r>
             <a:endParaRPr lang="zh-CN" altLang="en-US" dirty="0"/>
           </a:p>
         </p:txBody>
       </p:sp>
     </p:spTree>
-    <p:extLst>
-      <p:ext uri="{BB962C8B-B14F-4D97-AF65-F5344CB8AC3E}">
-        <p14:creationId xmlns:p14="http://schemas.microsoft.com/office/powerpoint/2010/main" val="433389901"/>
-      </p:ext>
-    </p:extLst>
   </p:cSld>
   <p:clrMapOvr>
     <a:masterClrMapping/>
@@ -6201,298 +6154,6 @@
           <a:lstStyle/>
           <a:p>
             <a:r>
-              <a:rPr lang="zh-CN" altLang="en-US" dirty="0" smtClean="0"/>
-              <a:t>自旋锁</a:t>
-            </a:r>
-            <a:endParaRPr lang="zh-CN" altLang="en-US" dirty="0"/>
-          </a:p>
-        </p:txBody>
-      </p:sp>
-      <p:sp>
-        <p:nvSpPr>
-          <p:cNvPr id="3" name="内容占位符 2"/>
-          <p:cNvSpPr>
-            <a:spLocks noGrp="1"/>
-          </p:cNvSpPr>
-          <p:nvPr>
-            <p:ph idx="1"/>
-          </p:nvPr>
-        </p:nvSpPr>
-        <p:spPr/>
-        <p:txBody>
-          <a:bodyPr/>
-          <a:lstStyle/>
-          <a:p>
-            <a:r>
-              <a:rPr lang="zh-CN" altLang="en-US" dirty="0" smtClean="0"/>
-              <a:t>当竞争存在时，如果线程可以很快获得锁，那么可以不在</a:t>
-            </a:r>
-            <a:r>
-              <a:rPr lang="en-US" altLang="zh-CN" dirty="0" smtClean="0"/>
-              <a:t>OS</a:t>
-            </a:r>
-            <a:r>
-              <a:rPr lang="zh-CN" altLang="en-US" dirty="0" smtClean="0"/>
-              <a:t>层挂起线程，让线程做几个空操作（自旋）</a:t>
-            </a:r>
-            <a:endParaRPr lang="en-US" altLang="zh-CN" dirty="0" smtClean="0"/>
-          </a:p>
-          <a:p>
-            <a:r>
-              <a:rPr lang="en-US" altLang="zh-CN" dirty="0" smtClean="0"/>
-              <a:t>JDK1.6</a:t>
-            </a:r>
-            <a:r>
-              <a:rPr lang="zh-CN" altLang="en-US" dirty="0" smtClean="0"/>
-              <a:t>中</a:t>
-            </a:r>
-            <a:r>
-              <a:rPr lang="en-US" altLang="zh-CN" dirty="0" smtClean="0"/>
-              <a:t>-XX:+</a:t>
-            </a:r>
-            <a:r>
-              <a:rPr lang="en-US" altLang="zh-CN" dirty="0" err="1" smtClean="0"/>
-              <a:t>UseSpinning</a:t>
-            </a:r>
-            <a:r>
-              <a:rPr lang="zh-CN" altLang="en-US" dirty="0" smtClean="0"/>
-              <a:t>开启</a:t>
-            </a:r>
-            <a:endParaRPr lang="en-US" altLang="zh-CN" dirty="0" smtClean="0"/>
-          </a:p>
-          <a:p>
-            <a:r>
-              <a:rPr lang="en-US" altLang="zh-CN" dirty="0" smtClean="0"/>
-              <a:t>JDK1.7</a:t>
-            </a:r>
-            <a:r>
-              <a:rPr lang="zh-CN" altLang="en-US" dirty="0" smtClean="0"/>
-              <a:t>中，去掉此参数，改为内置实现</a:t>
-            </a:r>
-            <a:endParaRPr lang="en-US" altLang="zh-CN" dirty="0" smtClean="0"/>
-          </a:p>
-          <a:p>
-            <a:r>
-              <a:rPr lang="zh-CN" altLang="en-US" dirty="0" smtClean="0"/>
-              <a:t>如果同步块很长，自旋失败，会降低系统性能</a:t>
-            </a:r>
-            <a:endParaRPr lang="en-US" altLang="zh-CN" dirty="0" smtClean="0"/>
-          </a:p>
-          <a:p>
-            <a:r>
-              <a:rPr lang="zh-CN" altLang="en-US" dirty="0" smtClean="0"/>
-              <a:t>如果同步块很短，自旋成功，节省线程挂起切换时间</a:t>
-            </a:r>
-            <a:r>
-              <a:rPr lang="zh-CN" altLang="en-US" dirty="0"/>
-              <a:t>，提升系统性能</a:t>
-            </a:r>
-          </a:p>
-        </p:txBody>
-      </p:sp>
-    </p:spTree>
-    <p:extLst>
-      <p:ext uri="{BB962C8B-B14F-4D97-AF65-F5344CB8AC3E}">
-        <p14:creationId xmlns:p14="http://schemas.microsoft.com/office/powerpoint/2010/main" val="774043103"/>
-      </p:ext>
-    </p:extLst>
-  </p:cSld>
-  <p:clrMapOvr>
-    <a:masterClrMapping/>
-  </p:clrMapOvr>
-  <p:timing>
-    <p:tnLst>
-      <p:par>
-        <p:cTn id="1" dur="indefinite" restart="never" nodeType="tmRoot"/>
-      </p:par>
-    </p:tnLst>
-  </p:timing>
-</p:sld>
-</file>
-
-<file path=ppt/slides/slide13.xml><?xml version="1.0" encoding="utf-8"?>
-<p:sld xmlns:a="http://schemas.openxmlformats.org/drawingml/2006/main" xmlns:r="http://schemas.openxmlformats.org/officeDocument/2006/relationships" xmlns:p="http://schemas.openxmlformats.org/presentationml/2006/main">
-  <p:cSld>
-    <p:spTree>
-      <p:nvGrpSpPr>
-        <p:cNvPr id="1" name=""/>
-        <p:cNvGrpSpPr/>
-        <p:nvPr/>
-      </p:nvGrpSpPr>
-      <p:grpSpPr>
-        <a:xfrm>
-          <a:off x="0" y="0"/>
-          <a:ext cx="0" cy="0"/>
-          <a:chOff x="0" y="0"/>
-          <a:chExt cx="0" cy="0"/>
-        </a:xfrm>
-      </p:grpSpPr>
-      <p:sp>
-        <p:nvSpPr>
-          <p:cNvPr id="2" name="标题 1"/>
-          <p:cNvSpPr>
-            <a:spLocks noGrp="1"/>
-          </p:cNvSpPr>
-          <p:nvPr>
-            <p:ph type="title"/>
-          </p:nvPr>
-        </p:nvSpPr>
-        <p:spPr/>
-        <p:txBody>
-          <a:bodyPr/>
-          <a:lstStyle/>
-          <a:p>
-            <a:r>
-              <a:rPr lang="zh-CN" altLang="en-US" dirty="0" smtClean="0"/>
-              <a:t>偏向锁，轻量级锁，自旋锁总结</a:t>
-            </a:r>
-            <a:endParaRPr lang="zh-CN" altLang="en-US" dirty="0"/>
-          </a:p>
-        </p:txBody>
-      </p:sp>
-      <p:sp>
-        <p:nvSpPr>
-          <p:cNvPr id="3" name="内容占位符 2"/>
-          <p:cNvSpPr>
-            <a:spLocks noGrp="1"/>
-          </p:cNvSpPr>
-          <p:nvPr>
-            <p:ph idx="1"/>
-          </p:nvPr>
-        </p:nvSpPr>
-        <p:spPr/>
-        <p:txBody>
-          <a:bodyPr/>
-          <a:lstStyle/>
-          <a:p>
-            <a:r>
-              <a:rPr lang="zh-CN" altLang="en-US" dirty="0" smtClean="0"/>
-              <a:t>不是</a:t>
-            </a:r>
-            <a:r>
-              <a:rPr lang="en-US" altLang="zh-CN" dirty="0" smtClean="0"/>
-              <a:t>Java</a:t>
-            </a:r>
-            <a:r>
-              <a:rPr lang="zh-CN" altLang="en-US" dirty="0" smtClean="0"/>
-              <a:t>语言层面的锁优化方法</a:t>
-            </a:r>
-            <a:endParaRPr lang="en-US" altLang="zh-CN" dirty="0" smtClean="0"/>
-          </a:p>
-          <a:p>
-            <a:r>
-              <a:rPr lang="zh-CN" altLang="en-US" dirty="0"/>
-              <a:t>内置</a:t>
-            </a:r>
-            <a:r>
-              <a:rPr lang="zh-CN" altLang="en-US" dirty="0" smtClean="0"/>
-              <a:t>于</a:t>
-            </a:r>
-            <a:r>
-              <a:rPr lang="en-US" altLang="zh-CN" dirty="0" smtClean="0"/>
-              <a:t>JVM</a:t>
-            </a:r>
-            <a:r>
-              <a:rPr lang="zh-CN" altLang="en-US" dirty="0" smtClean="0"/>
-              <a:t>中的获取锁的优化方法和获取锁的步骤</a:t>
-            </a:r>
-            <a:endParaRPr lang="en-US" altLang="zh-CN" dirty="0" smtClean="0"/>
-          </a:p>
-          <a:p>
-            <a:pPr lvl="1"/>
-            <a:r>
-              <a:rPr lang="zh-CN" altLang="en-US" dirty="0" smtClean="0"/>
-              <a:t>偏向锁可用会先尝试偏向锁</a:t>
-            </a:r>
-            <a:endParaRPr lang="en-US" altLang="zh-CN" dirty="0" smtClean="0"/>
-          </a:p>
-          <a:p>
-            <a:pPr lvl="1"/>
-            <a:r>
-              <a:rPr lang="zh-CN" altLang="en-US" dirty="0" smtClean="0"/>
-              <a:t>轻量级锁可用会先尝试轻量级锁</a:t>
-            </a:r>
-            <a:endParaRPr lang="en-US" altLang="zh-CN" dirty="0" smtClean="0"/>
-          </a:p>
-          <a:p>
-            <a:pPr lvl="1"/>
-            <a:r>
-              <a:rPr lang="zh-CN" altLang="en-US" dirty="0" smtClean="0"/>
-              <a:t>以上都失败，尝试自旋锁</a:t>
-            </a:r>
-            <a:endParaRPr lang="en-US" altLang="zh-CN" dirty="0" smtClean="0"/>
-          </a:p>
-          <a:p>
-            <a:pPr lvl="1"/>
-            <a:r>
-              <a:rPr lang="zh-CN" altLang="en-US" dirty="0" smtClean="0"/>
-              <a:t>再失败，尝试普通锁，使用</a:t>
-            </a:r>
-            <a:r>
-              <a:rPr lang="en-US" altLang="zh-CN" dirty="0" smtClean="0"/>
-              <a:t>OS</a:t>
-            </a:r>
-            <a:r>
-              <a:rPr lang="zh-CN" altLang="en-US" dirty="0" smtClean="0"/>
-              <a:t>互斥量在操作系统层挂起</a:t>
-            </a:r>
-            <a:endParaRPr lang="zh-CN" altLang="en-US" dirty="0"/>
-          </a:p>
-        </p:txBody>
-      </p:sp>
-    </p:spTree>
-    <p:extLst>
-      <p:ext uri="{BB962C8B-B14F-4D97-AF65-F5344CB8AC3E}">
-        <p14:creationId xmlns:p14="http://schemas.microsoft.com/office/powerpoint/2010/main" val="145958477"/>
-      </p:ext>
-    </p:extLst>
-  </p:cSld>
-  <p:clrMapOvr>
-    <a:masterClrMapping/>
-  </p:clrMapOvr>
-  <p:timing>
-    <p:tnLst>
-      <p:par>
-        <p:cTn id="1" dur="indefinite" restart="never" nodeType="tmRoot"/>
-      </p:par>
-    </p:tnLst>
-  </p:timing>
-</p:sld>
-</file>
-
-<file path=ppt/slides/slide14.xml><?xml version="1.0" encoding="utf-8"?>
-<p:sld xmlns:a="http://schemas.openxmlformats.org/drawingml/2006/main" xmlns:r="http://schemas.openxmlformats.org/officeDocument/2006/relationships" xmlns:p="http://schemas.openxmlformats.org/presentationml/2006/main">
-  <p:cSld>
-    <p:spTree>
-      <p:nvGrpSpPr>
-        <p:cNvPr id="1" name=""/>
-        <p:cNvGrpSpPr/>
-        <p:nvPr/>
-      </p:nvGrpSpPr>
-      <p:grpSpPr>
-        <a:xfrm>
-          <a:off x="0" y="0"/>
-          <a:ext cx="0" cy="0"/>
-          <a:chOff x="0" y="0"/>
-          <a:chExt cx="0" cy="0"/>
-        </a:xfrm>
-      </p:grpSpPr>
-      <p:sp>
-        <p:nvSpPr>
-          <p:cNvPr id="2" name="标题 1"/>
-          <p:cNvSpPr>
-            <a:spLocks noGrp="1"/>
-          </p:cNvSpPr>
-          <p:nvPr>
-            <p:ph type="title"/>
-          </p:nvPr>
-        </p:nvSpPr>
-        <p:spPr/>
-        <p:txBody>
-          <a:bodyPr/>
-          <a:lstStyle/>
-          <a:p>
-            <a:r>
               <a:rPr lang="zh-CN" altLang="en-US" dirty="0"/>
               <a:t>减少锁持有</a:t>
             </a:r>
@@ -6551,12 +6212,14 @@
               <a:rPr lang="en-US" altLang="zh-CN" dirty="0"/>
               <a:t>(){</a:t>
             </a:r>
+            <a:endParaRPr lang="en-US" altLang="zh-CN" dirty="0"/>
           </a:p>
           <a:p>
             <a:r>
               <a:rPr lang="en-US" altLang="zh-CN" dirty="0"/>
               <a:t>	othercode1();</a:t>
             </a:r>
+            <a:endParaRPr lang="en-US" altLang="zh-CN" dirty="0"/>
           </a:p>
           <a:p>
             <a:r>
@@ -6571,12 +6234,14 @@
               <a:rPr lang="en-US" altLang="zh-CN" dirty="0"/>
               <a:t>();</a:t>
             </a:r>
+            <a:endParaRPr lang="en-US" altLang="zh-CN" dirty="0"/>
           </a:p>
           <a:p>
             <a:r>
               <a:rPr lang="en-US" altLang="zh-CN" dirty="0"/>
               <a:t>	othercode2();</a:t>
             </a:r>
+            <a:endParaRPr lang="en-US" altLang="zh-CN" dirty="0"/>
           </a:p>
           <a:p>
             <a:r>
@@ -6722,11 +6387,6 @@
         </p:txBody>
       </p:sp>
     </p:spTree>
-    <p:extLst>
-      <p:ext uri="{BB962C8B-B14F-4D97-AF65-F5344CB8AC3E}">
-        <p14:creationId xmlns:p14="http://schemas.microsoft.com/office/powerpoint/2010/main" val="2562687654"/>
-      </p:ext>
-    </p:extLst>
   </p:cSld>
   <p:clrMapOvr>
     <a:masterClrMapping/>
@@ -6840,7 +6500,7 @@
 </p:sld>
 </file>
 
-<file path=ppt/slides/slide15.xml><?xml version="1.0" encoding="utf-8"?>
+<file path=ppt/slides/slide13.xml><?xml version="1.0" encoding="utf-8"?>
 <p:sld xmlns:a="http://schemas.openxmlformats.org/drawingml/2006/main" xmlns:r="http://schemas.openxmlformats.org/officeDocument/2006/relationships" xmlns:p="http://schemas.openxmlformats.org/presentationml/2006/main">
   <p:cSld>
     <p:spTree>
@@ -6956,6 +6616,7 @@
               <a:rPr lang="en-US" altLang="zh-CN" dirty="0" smtClean="0"/>
               <a:t>)</a:t>
             </a:r>
+            <a:endParaRPr lang="en-US" altLang="zh-CN" dirty="0" smtClean="0"/>
           </a:p>
           <a:p>
             <a:pPr lvl="1"/>
@@ -7022,6 +6683,7 @@
               <a:rPr lang="en-US" altLang="zh-CN" sz="1600" dirty="0"/>
               <a:t> public V get(Object key) {</a:t>
             </a:r>
+            <a:endParaRPr lang="en-US" altLang="zh-CN" sz="1600" dirty="0"/>
           </a:p>
           <a:p>
             <a:r>
@@ -7044,6 +6706,7 @@
               <a:rPr lang="en-US" altLang="zh-CN" sz="1600" dirty="0"/>
               <a:t>(key);}</a:t>
             </a:r>
+            <a:endParaRPr lang="en-US" altLang="zh-CN" sz="1600" dirty="0"/>
           </a:p>
           <a:p>
             <a:r>
@@ -7065,6 +6728,7 @@
               <a:rPr lang="en-US" altLang="zh-CN" sz="1600" dirty="0"/>
               <a:t>V put(K key, V value) {</a:t>
             </a:r>
+            <a:endParaRPr lang="en-US" altLang="zh-CN" sz="1600" dirty="0"/>
           </a:p>
           <a:p>
             <a:r>
@@ -7087,6 +6751,7 @@
               <a:rPr lang="en-US" altLang="zh-CN" sz="1600" dirty="0"/>
               <a:t>(key, value);}</a:t>
             </a:r>
+            <a:endParaRPr lang="en-US" altLang="zh-CN" sz="1600" dirty="0"/>
           </a:p>
           <a:p>
             <a:r>
@@ -7098,11 +6763,358 @@
         </p:txBody>
       </p:sp>
     </p:spTree>
-    <p:extLst>
-      <p:ext uri="{BB962C8B-B14F-4D97-AF65-F5344CB8AC3E}">
-        <p14:creationId xmlns:p14="http://schemas.microsoft.com/office/powerpoint/2010/main" val="4147527809"/>
-      </p:ext>
-    </p:extLst>
+  </p:cSld>
+  <p:clrMapOvr>
+    <a:masterClrMapping/>
+  </p:clrMapOvr>
+  <p:timing>
+    <p:tnLst>
+      <p:par>
+        <p:cTn id="1" dur="indefinite" restart="never" nodeType="tmRoot"/>
+      </p:par>
+    </p:tnLst>
+  </p:timing>
+</p:sld>
+</file>
+
+<file path=ppt/slides/slide14.xml><?xml version="1.0" encoding="utf-8"?>
+<p:sld xmlns:a="http://schemas.openxmlformats.org/drawingml/2006/main" xmlns:r="http://schemas.openxmlformats.org/officeDocument/2006/relationships" xmlns:p="http://schemas.openxmlformats.org/presentationml/2006/main">
+  <p:cSld>
+    <p:spTree>
+      <p:nvGrpSpPr>
+        <p:cNvPr id="1" name=""/>
+        <p:cNvGrpSpPr/>
+        <p:nvPr/>
+      </p:nvGrpSpPr>
+      <p:grpSpPr>
+        <a:xfrm>
+          <a:off x="0" y="0"/>
+          <a:ext cx="0" cy="0"/>
+          <a:chOff x="0" y="0"/>
+          <a:chExt cx="0" cy="0"/>
+        </a:xfrm>
+      </p:grpSpPr>
+      <p:sp>
+        <p:nvSpPr>
+          <p:cNvPr id="2" name="标题 1"/>
+          <p:cNvSpPr>
+            <a:spLocks noGrp="1"/>
+          </p:cNvSpPr>
+          <p:nvPr>
+            <p:ph type="title"/>
+          </p:nvPr>
+        </p:nvSpPr>
+        <p:spPr/>
+        <p:txBody>
+          <a:bodyPr/>
+          <a:lstStyle/>
+          <a:p>
+            <a:r>
+              <a:rPr lang="zh-CN" altLang="en-US" dirty="0"/>
+              <a:t>减小锁粒度</a:t>
+            </a:r>
+            <a:endParaRPr lang="zh-CN" altLang="en-US" dirty="0"/>
+          </a:p>
+        </p:txBody>
+      </p:sp>
+      <p:sp>
+        <p:nvSpPr>
+          <p:cNvPr id="3" name="内容占位符 2"/>
+          <p:cNvSpPr>
+            <a:spLocks noGrp="1"/>
+          </p:cNvSpPr>
+          <p:nvPr>
+            <p:ph idx="1"/>
+          </p:nvPr>
+        </p:nvSpPr>
+        <p:spPr/>
+        <p:txBody>
+          <a:bodyPr/>
+          <a:lstStyle/>
+          <a:p>
+            <a:r>
+              <a:rPr lang="en-US" altLang="zh-CN" dirty="0" err="1" smtClean="0"/>
+              <a:t>ConcurrentHashMap</a:t>
+            </a:r>
+            <a:r>
+              <a:rPr lang="en-US" altLang="zh-CN" dirty="0" smtClean="0"/>
+              <a:t>	</a:t>
+            </a:r>
+            <a:endParaRPr lang="en-US" altLang="zh-CN" dirty="0" smtClean="0"/>
+          </a:p>
+          <a:p>
+            <a:pPr lvl="1"/>
+            <a:r>
+              <a:rPr lang="zh-CN" altLang="en-US" dirty="0" smtClean="0"/>
+              <a:t>若干个</a:t>
+            </a:r>
+            <a:r>
+              <a:rPr lang="en-US" altLang="zh-CN" dirty="0"/>
+              <a:t>Segment </a:t>
+            </a:r>
+            <a:r>
+              <a:rPr lang="zh-CN" altLang="en-US" dirty="0" smtClean="0"/>
+              <a:t>：</a:t>
+            </a:r>
+            <a:r>
+              <a:rPr lang="en-US" altLang="zh-CN" dirty="0" smtClean="0"/>
+              <a:t>Segment&lt;K,V</a:t>
+            </a:r>
+            <a:r>
+              <a:rPr lang="en-US" altLang="zh-CN" dirty="0"/>
+              <a:t>&gt;[] </a:t>
+            </a:r>
+            <a:r>
+              <a:rPr lang="en-US" altLang="zh-CN" dirty="0" smtClean="0"/>
+              <a:t>segments</a:t>
+            </a:r>
+            <a:endParaRPr lang="en-US" altLang="zh-CN" dirty="0" smtClean="0"/>
+          </a:p>
+          <a:p>
+            <a:pPr lvl="1"/>
+            <a:r>
+              <a:rPr lang="en-US" altLang="zh-CN" dirty="0" smtClean="0"/>
+              <a:t>Segment</a:t>
+            </a:r>
+            <a:r>
+              <a:rPr lang="zh-CN" altLang="en-US" dirty="0" smtClean="0"/>
+              <a:t>中维护</a:t>
+            </a:r>
+            <a:r>
+              <a:rPr lang="en-US" altLang="zh-CN" dirty="0" err="1" smtClean="0"/>
+              <a:t>HashEntry</a:t>
+            </a:r>
+            <a:r>
+              <a:rPr lang="en-US" altLang="zh-CN" dirty="0" smtClean="0"/>
+              <a:t>&lt;K,V&gt;</a:t>
+            </a:r>
+            <a:endParaRPr lang="en-US" altLang="zh-CN" dirty="0" smtClean="0"/>
+          </a:p>
+          <a:p>
+            <a:pPr lvl="1"/>
+            <a:r>
+              <a:rPr lang="en-US" altLang="zh-CN" dirty="0" smtClean="0"/>
+              <a:t>put</a:t>
+            </a:r>
+            <a:r>
+              <a:rPr lang="zh-CN" altLang="en-US" dirty="0" smtClean="0"/>
+              <a:t>操作时</a:t>
+            </a:r>
+            <a:endParaRPr lang="en-US" altLang="zh-CN" dirty="0" smtClean="0"/>
+          </a:p>
+          <a:p>
+            <a:pPr lvl="2"/>
+            <a:r>
+              <a:rPr lang="zh-CN" altLang="en-US" dirty="0" smtClean="0"/>
+              <a:t>先定位到</a:t>
+            </a:r>
+            <a:r>
+              <a:rPr lang="en-US" altLang="zh-CN" dirty="0" smtClean="0"/>
+              <a:t>Segment</a:t>
+            </a:r>
+            <a:r>
+              <a:rPr lang="zh-CN" altLang="en-US" dirty="0" smtClean="0"/>
+              <a:t>，锁定一个</a:t>
+            </a:r>
+            <a:r>
+              <a:rPr lang="en-US" altLang="zh-CN" dirty="0" smtClean="0"/>
+              <a:t>Segment</a:t>
+            </a:r>
+            <a:r>
+              <a:rPr lang="zh-CN" altLang="en-US" dirty="0" smtClean="0"/>
+              <a:t>，执行</a:t>
+            </a:r>
+            <a:r>
+              <a:rPr lang="en-US" altLang="zh-CN" dirty="0" smtClean="0"/>
+              <a:t>put</a:t>
+            </a:r>
+            <a:endParaRPr lang="en-US" altLang="zh-CN" dirty="0" smtClean="0"/>
+          </a:p>
+          <a:p>
+            <a:r>
+              <a:rPr lang="zh-CN" altLang="en-US" dirty="0" smtClean="0"/>
+              <a:t>在减小锁粒度后，</a:t>
+            </a:r>
+            <a:r>
+              <a:rPr lang="en-US" altLang="zh-CN" dirty="0"/>
+              <a:t> </a:t>
+            </a:r>
+            <a:r>
+              <a:rPr lang="en-US" altLang="zh-CN" dirty="0" err="1" smtClean="0"/>
+              <a:t>ConcurrentHashMap</a:t>
+            </a:r>
+            <a:r>
+              <a:rPr lang="zh-CN" altLang="en-US" dirty="0" smtClean="0"/>
+              <a:t>允许若干个线程同时进入</a:t>
+            </a:r>
+            <a:endParaRPr lang="en-US" altLang="zh-CN" dirty="0" smtClean="0"/>
+          </a:p>
+          <a:p>
+            <a:pPr lvl="2"/>
+            <a:endParaRPr lang="zh-CN" altLang="en-US" dirty="0"/>
+          </a:p>
+        </p:txBody>
+      </p:sp>
+    </p:spTree>
+  </p:cSld>
+  <p:clrMapOvr>
+    <a:masterClrMapping/>
+  </p:clrMapOvr>
+  <p:timing>
+    <p:tnLst>
+      <p:par>
+        <p:cTn id="1" dur="indefinite" restart="never" nodeType="tmRoot"/>
+      </p:par>
+    </p:tnLst>
+  </p:timing>
+</p:sld>
+</file>
+
+<file path=ppt/slides/slide15.xml><?xml version="1.0" encoding="utf-8"?>
+<p:sld xmlns:a="http://schemas.openxmlformats.org/drawingml/2006/main" xmlns:r="http://schemas.openxmlformats.org/officeDocument/2006/relationships" xmlns:p="http://schemas.openxmlformats.org/presentationml/2006/main">
+  <p:cSld>
+    <p:spTree>
+      <p:nvGrpSpPr>
+        <p:cNvPr id="1" name=""/>
+        <p:cNvGrpSpPr/>
+        <p:nvPr/>
+      </p:nvGrpSpPr>
+      <p:grpSpPr>
+        <a:xfrm>
+          <a:off x="0" y="0"/>
+          <a:ext cx="0" cy="0"/>
+          <a:chOff x="0" y="0"/>
+          <a:chExt cx="0" cy="0"/>
+        </a:xfrm>
+      </p:grpSpPr>
+      <p:sp>
+        <p:nvSpPr>
+          <p:cNvPr id="2" name="标题 1"/>
+          <p:cNvSpPr>
+            <a:spLocks noGrp="1"/>
+          </p:cNvSpPr>
+          <p:nvPr>
+            <p:ph type="title"/>
+          </p:nvPr>
+        </p:nvSpPr>
+        <p:spPr/>
+        <p:txBody>
+          <a:bodyPr/>
+          <a:lstStyle/>
+          <a:p>
+            <a:r>
+              <a:rPr lang="zh-CN" altLang="en-US" dirty="0"/>
+              <a:t>减小锁粒度</a:t>
+            </a:r>
+            <a:endParaRPr lang="zh-CN" altLang="en-US" dirty="0"/>
+          </a:p>
+        </p:txBody>
+      </p:sp>
+      <p:sp>
+        <p:nvSpPr>
+          <p:cNvPr id="4" name="TextBox 3"/>
+          <p:cNvSpPr txBox="1"/>
+          <p:nvPr/>
+        </p:nvSpPr>
+        <p:spPr>
+          <a:xfrm>
+            <a:off x="1061790" y="3141762"/>
+            <a:ext cx="9469259" cy="646331"/>
+          </a:xfrm>
+          <a:prstGeom prst="rect">
+            <a:avLst/>
+          </a:prstGeom>
+        </p:spPr>
+        <p:style>
+          <a:lnRef idx="2">
+            <a:schemeClr val="accent1"/>
+          </a:lnRef>
+          <a:fillRef idx="1">
+            <a:schemeClr val="lt1"/>
+          </a:fillRef>
+          <a:effectRef idx="0">
+            <a:schemeClr val="accent1"/>
+          </a:effectRef>
+          <a:fontRef idx="minor">
+            <a:schemeClr val="dk1"/>
+          </a:fontRef>
+        </p:style>
+        <p:txBody>
+          <a:bodyPr wrap="none" rtlCol="0">
+            <a:spAutoFit/>
+          </a:bodyPr>
+          <a:lstStyle/>
+          <a:p>
+            <a:r>
+              <a:rPr lang="zh-CN" altLang="en-US" dirty="0" smtClean="0"/>
+              <a:t>减少锁粒度后，可能会带来什么负面影响呢？以</a:t>
+            </a:r>
+            <a:r>
+              <a:rPr lang="en-US" altLang="zh-CN" dirty="0" err="1" smtClean="0"/>
+              <a:t>ConcurrentHashMap</a:t>
+            </a:r>
+            <a:r>
+              <a:rPr lang="zh-CN" altLang="en-US" dirty="0" smtClean="0"/>
+              <a:t>为例，说明分割为多个</a:t>
+            </a:r>
+            <a:endParaRPr lang="en-US" altLang="zh-CN" dirty="0" smtClean="0"/>
+          </a:p>
+          <a:p>
+            <a:r>
+              <a:rPr lang="en-US" altLang="zh-CN" dirty="0" smtClean="0"/>
+              <a:t>Segment</a:t>
+            </a:r>
+            <a:r>
+              <a:rPr lang="zh-CN" altLang="en-US" dirty="0" smtClean="0"/>
+              <a:t>后，在什么情况下，会有性能损耗？</a:t>
+            </a:r>
+            <a:endParaRPr lang="zh-CN" altLang="en-US" dirty="0"/>
+          </a:p>
+        </p:txBody>
+      </p:sp>
+      <p:sp>
+        <p:nvSpPr>
+          <p:cNvPr id="5" name="动作按钮: 帮助 4">
+            <a:hlinkClick r:id="" action="ppaction://noaction" highlightClick="1"/>
+          </p:cNvPr>
+          <p:cNvSpPr/>
+          <p:nvPr/>
+        </p:nvSpPr>
+        <p:spPr>
+          <a:xfrm>
+            <a:off x="1061790" y="2308683"/>
+            <a:ext cx="720080" cy="648072"/>
+          </a:xfrm>
+          <a:prstGeom prst="actionButtonHelp">
+            <a:avLst/>
+          </a:prstGeom>
+        </p:spPr>
+        <p:style>
+          <a:lnRef idx="2">
+            <a:schemeClr val="accent1">
+              <a:shade val="50000"/>
+            </a:schemeClr>
+          </a:lnRef>
+          <a:fillRef idx="1">
+            <a:schemeClr val="accent1"/>
+          </a:fillRef>
+          <a:effectRef idx="0">
+            <a:schemeClr val="accent1"/>
+          </a:effectRef>
+          <a:fontRef idx="minor">
+            <a:schemeClr val="lt1"/>
+          </a:fontRef>
+        </p:style>
+        <p:txBody>
+          <a:bodyPr rtlCol="0" anchor="ctr"/>
+          <a:lstStyle/>
+          <a:p>
+            <a:pPr algn="ctr"/>
+            <a:endParaRPr lang="zh-CN" altLang="en-US"/>
+          </a:p>
+        </p:txBody>
+      </p:sp>
+    </p:spTree>
   </p:cSld>
   <p:clrMapOvr>
     <a:masterClrMapping/>
@@ -7151,8 +7163,13 @@
           <a:p>
             <a:r>
               <a:rPr lang="zh-CN" altLang="en-US" dirty="0"/>
-              <a:t>减小锁粒度</a:t>
-            </a:r>
+              <a:t>锁</a:t>
+            </a:r>
+            <a:r>
+              <a:rPr lang="zh-CN" altLang="en-US" dirty="0" smtClean="0"/>
+              <a:t>分离</a:t>
+            </a:r>
+            <a:endParaRPr lang="zh-CN" altLang="en-US" dirty="0"/>
           </a:p>
         </p:txBody>
       </p:sp>
@@ -7172,367 +7189,6 @@
           <a:lstStyle/>
           <a:p>
             <a:r>
-              <a:rPr lang="en-US" altLang="zh-CN" dirty="0" err="1" smtClean="0"/>
-              <a:t>ConcurrentHashMap</a:t>
-            </a:r>
-            <a:r>
-              <a:rPr lang="en-US" altLang="zh-CN" dirty="0" smtClean="0"/>
-              <a:t>	</a:t>
-            </a:r>
-          </a:p>
-          <a:p>
-            <a:pPr lvl="1"/>
-            <a:r>
-              <a:rPr lang="zh-CN" altLang="en-US" dirty="0" smtClean="0"/>
-              <a:t>若干个</a:t>
-            </a:r>
-            <a:r>
-              <a:rPr lang="en-US" altLang="zh-CN" dirty="0"/>
-              <a:t>Segment </a:t>
-            </a:r>
-            <a:r>
-              <a:rPr lang="zh-CN" altLang="en-US" dirty="0" smtClean="0"/>
-              <a:t>：</a:t>
-            </a:r>
-            <a:r>
-              <a:rPr lang="en-US" altLang="zh-CN" dirty="0" smtClean="0"/>
-              <a:t>Segment&lt;K,V</a:t>
-            </a:r>
-            <a:r>
-              <a:rPr lang="en-US" altLang="zh-CN" dirty="0"/>
-              <a:t>&gt;[] </a:t>
-            </a:r>
-            <a:r>
-              <a:rPr lang="en-US" altLang="zh-CN" dirty="0" smtClean="0"/>
-              <a:t>segments</a:t>
-            </a:r>
-          </a:p>
-          <a:p>
-            <a:pPr lvl="1"/>
-            <a:r>
-              <a:rPr lang="en-US" altLang="zh-CN" dirty="0" smtClean="0"/>
-              <a:t>Segment</a:t>
-            </a:r>
-            <a:r>
-              <a:rPr lang="zh-CN" altLang="en-US" dirty="0" smtClean="0"/>
-              <a:t>中维护</a:t>
-            </a:r>
-            <a:r>
-              <a:rPr lang="en-US" altLang="zh-CN" dirty="0" err="1" smtClean="0"/>
-              <a:t>HashEntry</a:t>
-            </a:r>
-            <a:r>
-              <a:rPr lang="en-US" altLang="zh-CN" dirty="0" smtClean="0"/>
-              <a:t>&lt;K,V&gt;</a:t>
-            </a:r>
-          </a:p>
-          <a:p>
-            <a:pPr lvl="1"/>
-            <a:r>
-              <a:rPr lang="en-US" altLang="zh-CN" dirty="0" smtClean="0"/>
-              <a:t>put</a:t>
-            </a:r>
-            <a:r>
-              <a:rPr lang="zh-CN" altLang="en-US" dirty="0" smtClean="0"/>
-              <a:t>操作时</a:t>
-            </a:r>
-            <a:endParaRPr lang="en-US" altLang="zh-CN" dirty="0" smtClean="0"/>
-          </a:p>
-          <a:p>
-            <a:pPr lvl="2"/>
-            <a:r>
-              <a:rPr lang="zh-CN" altLang="en-US" dirty="0" smtClean="0"/>
-              <a:t>先定位到</a:t>
-            </a:r>
-            <a:r>
-              <a:rPr lang="en-US" altLang="zh-CN" dirty="0" smtClean="0"/>
-              <a:t>Segment</a:t>
-            </a:r>
-            <a:r>
-              <a:rPr lang="zh-CN" altLang="en-US" dirty="0" smtClean="0"/>
-              <a:t>，锁定一个</a:t>
-            </a:r>
-            <a:r>
-              <a:rPr lang="en-US" altLang="zh-CN" dirty="0" smtClean="0"/>
-              <a:t>Segment</a:t>
-            </a:r>
-            <a:r>
-              <a:rPr lang="zh-CN" altLang="en-US" dirty="0" smtClean="0"/>
-              <a:t>，执行</a:t>
-            </a:r>
-            <a:r>
-              <a:rPr lang="en-US" altLang="zh-CN" dirty="0" smtClean="0"/>
-              <a:t>put</a:t>
-            </a:r>
-          </a:p>
-          <a:p>
-            <a:r>
-              <a:rPr lang="zh-CN" altLang="en-US" dirty="0" smtClean="0"/>
-              <a:t>在减小锁粒度后，</a:t>
-            </a:r>
-            <a:r>
-              <a:rPr lang="en-US" altLang="zh-CN" dirty="0"/>
-              <a:t> </a:t>
-            </a:r>
-            <a:r>
-              <a:rPr lang="en-US" altLang="zh-CN" dirty="0" err="1" smtClean="0"/>
-              <a:t>ConcurrentHashMap</a:t>
-            </a:r>
-            <a:r>
-              <a:rPr lang="zh-CN" altLang="en-US" dirty="0" smtClean="0"/>
-              <a:t>允许若干个线程同时进入</a:t>
-            </a:r>
-            <a:endParaRPr lang="en-US" altLang="zh-CN" dirty="0" smtClean="0"/>
-          </a:p>
-          <a:p>
-            <a:pPr lvl="2"/>
-            <a:endParaRPr lang="zh-CN" altLang="en-US" dirty="0"/>
-          </a:p>
-        </p:txBody>
-      </p:sp>
-    </p:spTree>
-    <p:extLst>
-      <p:ext uri="{BB962C8B-B14F-4D97-AF65-F5344CB8AC3E}">
-        <p14:creationId xmlns:p14="http://schemas.microsoft.com/office/powerpoint/2010/main" val="3343059586"/>
-      </p:ext>
-    </p:extLst>
-  </p:cSld>
-  <p:clrMapOvr>
-    <a:masterClrMapping/>
-  </p:clrMapOvr>
-  <p:timing>
-    <p:tnLst>
-      <p:par>
-        <p:cTn id="1" dur="indefinite" restart="never" nodeType="tmRoot"/>
-      </p:par>
-    </p:tnLst>
-  </p:timing>
-</p:sld>
-</file>
-
-<file path=ppt/slides/slide17.xml><?xml version="1.0" encoding="utf-8"?>
-<p:sld xmlns:a="http://schemas.openxmlformats.org/drawingml/2006/main" xmlns:r="http://schemas.openxmlformats.org/officeDocument/2006/relationships" xmlns:p="http://schemas.openxmlformats.org/presentationml/2006/main">
-  <p:cSld>
-    <p:spTree>
-      <p:nvGrpSpPr>
-        <p:cNvPr id="1" name=""/>
-        <p:cNvGrpSpPr/>
-        <p:nvPr/>
-      </p:nvGrpSpPr>
-      <p:grpSpPr>
-        <a:xfrm>
-          <a:off x="0" y="0"/>
-          <a:ext cx="0" cy="0"/>
-          <a:chOff x="0" y="0"/>
-          <a:chExt cx="0" cy="0"/>
-        </a:xfrm>
-      </p:grpSpPr>
-      <p:sp>
-        <p:nvSpPr>
-          <p:cNvPr id="2" name="标题 1"/>
-          <p:cNvSpPr>
-            <a:spLocks noGrp="1"/>
-          </p:cNvSpPr>
-          <p:nvPr>
-            <p:ph type="title"/>
-          </p:nvPr>
-        </p:nvSpPr>
-        <p:spPr/>
-        <p:txBody>
-          <a:bodyPr/>
-          <a:lstStyle/>
-          <a:p>
-            <a:r>
-              <a:rPr lang="zh-CN" altLang="en-US" dirty="0"/>
-              <a:t>减小锁粒度</a:t>
-            </a:r>
-          </a:p>
-        </p:txBody>
-      </p:sp>
-      <p:sp>
-        <p:nvSpPr>
-          <p:cNvPr id="4" name="TextBox 3"/>
-          <p:cNvSpPr txBox="1"/>
-          <p:nvPr/>
-        </p:nvSpPr>
-        <p:spPr>
-          <a:xfrm>
-            <a:off x="1061790" y="3141762"/>
-            <a:ext cx="9469259" cy="646331"/>
-          </a:xfrm>
-          <a:prstGeom prst="rect">
-            <a:avLst/>
-          </a:prstGeom>
-        </p:spPr>
-        <p:style>
-          <a:lnRef idx="2">
-            <a:schemeClr val="accent1"/>
-          </a:lnRef>
-          <a:fillRef idx="1">
-            <a:schemeClr val="lt1"/>
-          </a:fillRef>
-          <a:effectRef idx="0">
-            <a:schemeClr val="accent1"/>
-          </a:effectRef>
-          <a:fontRef idx="minor">
-            <a:schemeClr val="dk1"/>
-          </a:fontRef>
-        </p:style>
-        <p:txBody>
-          <a:bodyPr wrap="none" rtlCol="0">
-            <a:spAutoFit/>
-          </a:bodyPr>
-          <a:lstStyle/>
-          <a:p>
-            <a:r>
-              <a:rPr lang="zh-CN" altLang="en-US" dirty="0" smtClean="0"/>
-              <a:t>减少锁粒度后，可能会带来什么负面影响呢？以</a:t>
-            </a:r>
-            <a:r>
-              <a:rPr lang="en-US" altLang="zh-CN" dirty="0" err="1" smtClean="0"/>
-              <a:t>ConcurrentHashMap</a:t>
-            </a:r>
-            <a:r>
-              <a:rPr lang="zh-CN" altLang="en-US" dirty="0" smtClean="0"/>
-              <a:t>为例，说明分割为多个</a:t>
-            </a:r>
-            <a:endParaRPr lang="en-US" altLang="zh-CN" dirty="0" smtClean="0"/>
-          </a:p>
-          <a:p>
-            <a:r>
-              <a:rPr lang="en-US" altLang="zh-CN" dirty="0" smtClean="0"/>
-              <a:t>Segment</a:t>
-            </a:r>
-            <a:r>
-              <a:rPr lang="zh-CN" altLang="en-US" dirty="0" smtClean="0"/>
-              <a:t>后，在什么情况下，会有性能损耗？</a:t>
-            </a:r>
-            <a:endParaRPr lang="zh-CN" altLang="en-US" dirty="0"/>
-          </a:p>
-        </p:txBody>
-      </p:sp>
-      <p:sp>
-        <p:nvSpPr>
-          <p:cNvPr id="5" name="动作按钮: 帮助 4">
-            <a:hlinkClick r:id="" action="ppaction://noaction" highlightClick="1"/>
-          </p:cNvPr>
-          <p:cNvSpPr/>
-          <p:nvPr/>
-        </p:nvSpPr>
-        <p:spPr>
-          <a:xfrm>
-            <a:off x="1061790" y="2308683"/>
-            <a:ext cx="720080" cy="648072"/>
-          </a:xfrm>
-          <a:prstGeom prst="actionButtonHelp">
-            <a:avLst/>
-          </a:prstGeom>
-        </p:spPr>
-        <p:style>
-          <a:lnRef idx="2">
-            <a:schemeClr val="accent1">
-              <a:shade val="50000"/>
-            </a:schemeClr>
-          </a:lnRef>
-          <a:fillRef idx="1">
-            <a:schemeClr val="accent1"/>
-          </a:fillRef>
-          <a:effectRef idx="0">
-            <a:schemeClr val="accent1"/>
-          </a:effectRef>
-          <a:fontRef idx="minor">
-            <a:schemeClr val="lt1"/>
-          </a:fontRef>
-        </p:style>
-        <p:txBody>
-          <a:bodyPr rtlCol="0" anchor="ctr"/>
-          <a:lstStyle/>
-          <a:p>
-            <a:pPr algn="ctr"/>
-            <a:endParaRPr lang="zh-CN" altLang="en-US"/>
-          </a:p>
-        </p:txBody>
-      </p:sp>
-    </p:spTree>
-    <p:extLst>
-      <p:ext uri="{BB962C8B-B14F-4D97-AF65-F5344CB8AC3E}">
-        <p14:creationId xmlns:p14="http://schemas.microsoft.com/office/powerpoint/2010/main" val="652796666"/>
-      </p:ext>
-    </p:extLst>
-  </p:cSld>
-  <p:clrMapOvr>
-    <a:masterClrMapping/>
-  </p:clrMapOvr>
-  <p:timing>
-    <p:tnLst>
-      <p:par>
-        <p:cTn id="1" dur="indefinite" restart="never" nodeType="tmRoot"/>
-      </p:par>
-    </p:tnLst>
-  </p:timing>
-</p:sld>
-</file>
-
-<file path=ppt/slides/slide18.xml><?xml version="1.0" encoding="utf-8"?>
-<p:sld xmlns:a="http://schemas.openxmlformats.org/drawingml/2006/main" xmlns:r="http://schemas.openxmlformats.org/officeDocument/2006/relationships" xmlns:p="http://schemas.openxmlformats.org/presentationml/2006/main">
-  <p:cSld>
-    <p:spTree>
-      <p:nvGrpSpPr>
-        <p:cNvPr id="1" name=""/>
-        <p:cNvGrpSpPr/>
-        <p:nvPr/>
-      </p:nvGrpSpPr>
-      <p:grpSpPr>
-        <a:xfrm>
-          <a:off x="0" y="0"/>
-          <a:ext cx="0" cy="0"/>
-          <a:chOff x="0" y="0"/>
-          <a:chExt cx="0" cy="0"/>
-        </a:xfrm>
-      </p:grpSpPr>
-      <p:sp>
-        <p:nvSpPr>
-          <p:cNvPr id="2" name="标题 1"/>
-          <p:cNvSpPr>
-            <a:spLocks noGrp="1"/>
-          </p:cNvSpPr>
-          <p:nvPr>
-            <p:ph type="title"/>
-          </p:nvPr>
-        </p:nvSpPr>
-        <p:spPr/>
-        <p:txBody>
-          <a:bodyPr/>
-          <a:lstStyle/>
-          <a:p>
-            <a:r>
-              <a:rPr lang="zh-CN" altLang="en-US" dirty="0"/>
-              <a:t>锁</a:t>
-            </a:r>
-            <a:r>
-              <a:rPr lang="zh-CN" altLang="en-US" dirty="0" smtClean="0"/>
-              <a:t>分离</a:t>
-            </a:r>
-            <a:endParaRPr lang="zh-CN" altLang="en-US" dirty="0"/>
-          </a:p>
-        </p:txBody>
-      </p:sp>
-      <p:sp>
-        <p:nvSpPr>
-          <p:cNvPr id="3" name="内容占位符 2"/>
-          <p:cNvSpPr>
-            <a:spLocks noGrp="1"/>
-          </p:cNvSpPr>
-          <p:nvPr>
-            <p:ph idx="1"/>
-          </p:nvPr>
-        </p:nvSpPr>
-        <p:spPr/>
-        <p:txBody>
-          <a:bodyPr/>
-          <a:lstStyle/>
-          <a:p>
-            <a:r>
               <a:rPr lang="zh-CN" altLang="en-US" dirty="0" smtClean="0"/>
               <a:t>根据功能进行锁分离</a:t>
             </a:r>
@@ -7564,13 +7220,7 @@
           <p:cNvGraphicFramePr>
             <a:graphicFrameLocks noGrp="1"/>
           </p:cNvGraphicFramePr>
-          <p:nvPr>
-            <p:extLst>
-              <p:ext uri="{D42A27DB-BD31-4B8C-83A1-F6EECF244321}">
-                <p14:modId xmlns:p14="http://schemas.microsoft.com/office/powerpoint/2010/main" val="3110887736"/>
-              </p:ext>
-            </p:extLst>
-          </p:nvPr>
+          <p:nvPr/>
         </p:nvGraphicFramePr>
         <p:xfrm>
           <a:off x="2069902" y="3141762"/>
@@ -7621,8 +7271,8 @@
                           </a:schemeClr>
                         </a:solidFill>
                         <a:effectLst/>
-                        <a:latin typeface="Times New Roman"/>
-                        <a:ea typeface="宋体"/>
+                        <a:latin typeface="Times New Roman" panose="02020603050405020304"/>
+                        <a:ea typeface="宋体" panose="02010600030101010101" pitchFamily="2" charset="-122"/>
                       </a:endParaRPr>
                     </a:p>
                   </a:txBody>
@@ -7661,8 +7311,8 @@
                           </a:schemeClr>
                         </a:solidFill>
                         <a:effectLst/>
-                        <a:latin typeface="Times New Roman"/>
-                        <a:ea typeface="宋体"/>
+                        <a:latin typeface="Times New Roman" panose="02020603050405020304"/>
+                        <a:ea typeface="宋体" panose="02010600030101010101" pitchFamily="2" charset="-122"/>
                       </a:endParaRPr>
                     </a:p>
                   </a:txBody>
@@ -7701,8 +7351,8 @@
                           </a:schemeClr>
                         </a:solidFill>
                         <a:effectLst/>
-                        <a:latin typeface="Times New Roman"/>
-                        <a:ea typeface="宋体"/>
+                        <a:latin typeface="Times New Roman" panose="02020603050405020304"/>
+                        <a:ea typeface="宋体" panose="02010600030101010101" pitchFamily="2" charset="-122"/>
                       </a:endParaRPr>
                     </a:p>
                   </a:txBody>
@@ -7743,8 +7393,8 @@
                           </a:schemeClr>
                         </a:solidFill>
                         <a:effectLst/>
-                        <a:latin typeface="Times New Roman"/>
-                        <a:ea typeface="宋体"/>
+                        <a:latin typeface="Times New Roman" panose="02020603050405020304"/>
+                        <a:ea typeface="宋体" panose="02010600030101010101" pitchFamily="2" charset="-122"/>
                       </a:endParaRPr>
                     </a:p>
                   </a:txBody>
@@ -7783,8 +7433,8 @@
                           </a:schemeClr>
                         </a:solidFill>
                         <a:effectLst/>
-                        <a:latin typeface="Times New Roman"/>
-                        <a:ea typeface="宋体"/>
+                        <a:latin typeface="Times New Roman" panose="02020603050405020304"/>
+                        <a:ea typeface="宋体" panose="02010600030101010101" pitchFamily="2" charset="-122"/>
                       </a:endParaRPr>
                     </a:p>
                   </a:txBody>
@@ -7827,8 +7477,8 @@
                           </a:schemeClr>
                         </a:solidFill>
                         <a:effectLst/>
-                        <a:latin typeface="Times New Roman"/>
-                        <a:ea typeface="宋体"/>
+                        <a:latin typeface="Times New Roman" panose="02020603050405020304"/>
+                        <a:ea typeface="宋体" panose="02010600030101010101" pitchFamily="2" charset="-122"/>
                       </a:endParaRPr>
                     </a:p>
                   </a:txBody>
@@ -7869,8 +7519,8 @@
                           </a:schemeClr>
                         </a:solidFill>
                         <a:effectLst/>
-                        <a:latin typeface="Times New Roman"/>
-                        <a:ea typeface="宋体"/>
+                        <a:latin typeface="Times New Roman" panose="02020603050405020304"/>
+                        <a:ea typeface="宋体" panose="02010600030101010101" pitchFamily="2" charset="-122"/>
                       </a:endParaRPr>
                     </a:p>
                   </a:txBody>
@@ -7909,8 +7559,8 @@
                           </a:schemeClr>
                         </a:solidFill>
                         <a:effectLst/>
-                        <a:latin typeface="Times New Roman"/>
-                        <a:ea typeface="宋体"/>
+                        <a:latin typeface="Times New Roman" panose="02020603050405020304"/>
+                        <a:ea typeface="宋体" panose="02010600030101010101" pitchFamily="2" charset="-122"/>
                       </a:endParaRPr>
                     </a:p>
                   </a:txBody>
@@ -7949,8 +7599,8 @@
                           </a:schemeClr>
                         </a:solidFill>
                         <a:effectLst/>
-                        <a:latin typeface="Times New Roman"/>
-                        <a:ea typeface="宋体"/>
+                        <a:latin typeface="Times New Roman" panose="02020603050405020304"/>
+                        <a:ea typeface="宋体" panose="02010600030101010101" pitchFamily="2" charset="-122"/>
                       </a:endParaRPr>
                     </a:p>
                   </a:txBody>
@@ -7962,11 +7612,6 @@
         </a:graphic>
       </p:graphicFrame>
     </p:spTree>
-    <p:extLst>
-      <p:ext uri="{BB962C8B-B14F-4D97-AF65-F5344CB8AC3E}">
-        <p14:creationId xmlns:p14="http://schemas.microsoft.com/office/powerpoint/2010/main" val="3129270968"/>
-      </p:ext>
-    </p:extLst>
   </p:cSld>
   <p:clrMapOvr>
     <a:masterClrMapping/>
@@ -7981,7 +7626,7 @@
 </p:sld>
 </file>
 
-<file path=ppt/slides/slide19.xml><?xml version="1.0" encoding="utf-8"?>
+<file path=ppt/slides/slide17.xml><?xml version="1.0" encoding="utf-8"?>
 <p:sld xmlns:a="http://schemas.openxmlformats.org/drawingml/2006/main" xmlns:r="http://schemas.openxmlformats.org/officeDocument/2006/relationships" xmlns:p="http://schemas.openxmlformats.org/presentationml/2006/main">
   <p:cSld>
     <p:spTree>
@@ -8017,6 +7662,7 @@
               <a:rPr lang="zh-CN" altLang="en-US" dirty="0"/>
               <a:t>锁分离</a:t>
             </a:r>
+            <a:endParaRPr lang="zh-CN" altLang="en-US" dirty="0"/>
           </a:p>
         </p:txBody>
       </p:sp>
@@ -8474,11 +8120,6 @@
         </p:grpSp>
       </p:grpSp>
     </p:spTree>
-    <p:extLst>
-      <p:ext uri="{BB962C8B-B14F-4D97-AF65-F5344CB8AC3E}">
-        <p14:creationId xmlns:p14="http://schemas.microsoft.com/office/powerpoint/2010/main" val="1832254673"/>
-      </p:ext>
-    </p:extLst>
   </p:cSld>
   <p:clrMapOvr>
     <a:masterClrMapping/>
@@ -8493,7 +8134,7 @@
 </p:sld>
 </file>
 
-<file path=ppt/slides/slide2.xml><?xml version="1.0" encoding="utf-8"?>
+<file path=ppt/slides/slide18.xml><?xml version="1.0" encoding="utf-8"?>
 <p:sld xmlns:a="http://schemas.openxmlformats.org/drawingml/2006/main" xmlns:r="http://schemas.openxmlformats.org/officeDocument/2006/relationships" xmlns:p="http://schemas.openxmlformats.org/presentationml/2006/main">
   <p:cSld>
     <p:spTree>
@@ -8527,7 +8168,7 @@
           <a:p>
             <a:r>
               <a:rPr lang="zh-CN" altLang="en-US" dirty="0" smtClean="0"/>
-              <a:t>法律声明</a:t>
+              <a:t>锁粗化</a:t>
             </a:r>
             <a:endParaRPr lang="zh-CN" altLang="en-US" dirty="0"/>
           </a:p>
@@ -8543,96 +8184,15 @@
             <p:ph idx="1"/>
           </p:nvPr>
         </p:nvSpPr>
-        <p:spPr>
-          <a:xfrm>
-            <a:off x="610235" y="1429081"/>
-            <a:ext cx="10970424" cy="4809652"/>
-          </a:xfrm>
-        </p:spPr>
+        <p:spPr/>
         <p:txBody>
           <a:bodyPr/>
           <a:lstStyle/>
           <a:p>
-            <a:pPr>
-              <a:buNone/>
-            </a:pPr>
-            <a:r>
-              <a:rPr lang="en-US" altLang="zh-CN" sz="3300" b="1" dirty="0" smtClean="0">
-                <a:solidFill>
-                  <a:srgbClr val="FF0000"/>
-                </a:solidFill>
-              </a:rPr>
-              <a:t>【</a:t>
-            </a:r>
-            <a:r>
-              <a:rPr lang="zh-CN" altLang="en-US" sz="3300" b="1" dirty="0" smtClean="0">
-                <a:solidFill>
-                  <a:srgbClr val="FF0000"/>
-                </a:solidFill>
-              </a:rPr>
-              <a:t>声明</a:t>
-            </a:r>
-            <a:r>
-              <a:rPr lang="en-US" altLang="zh-CN" sz="3300" b="1" dirty="0" smtClean="0">
-                <a:solidFill>
-                  <a:srgbClr val="FF0000"/>
-                </a:solidFill>
-              </a:rPr>
-              <a:t>】</a:t>
-            </a:r>
-            <a:r>
-              <a:rPr lang="zh-CN" altLang="en-US" sz="3300" b="1" dirty="0" smtClean="0"/>
-              <a:t>本视频和幻灯片为炼数成金网络课程的教学资料，所有资料只能在课程内使用，不得在课程以外范围散播，违者将可能被追究法律和经济责任。</a:t>
-            </a:r>
-            <a:endParaRPr lang="en-US" altLang="zh-CN" sz="3300" b="1" dirty="0" smtClean="0"/>
-          </a:p>
-          <a:p>
-            <a:pPr>
-              <a:buNone/>
-            </a:pPr>
-            <a:r>
-              <a:rPr lang="zh-CN" altLang="en-US" sz="3300" b="1" dirty="0" smtClean="0">
-                <a:solidFill>
-                  <a:srgbClr val="003399"/>
-                </a:solidFill>
-              </a:rPr>
-              <a:t>课程详情访问炼数成金培训网站</a:t>
-            </a:r>
-            <a:endParaRPr lang="en-US" altLang="zh-CN" sz="3300" b="1" dirty="0" smtClean="0">
-              <a:solidFill>
-                <a:srgbClr val="003399"/>
-              </a:solidFill>
-            </a:endParaRPr>
-          </a:p>
-          <a:p>
-            <a:pPr>
-              <a:buNone/>
-            </a:pPr>
-            <a:r>
-              <a:rPr lang="en-US" altLang="zh-CN" sz="3300" b="1" dirty="0" smtClean="0">
-                <a:solidFill>
-                  <a:srgbClr val="FF0000"/>
-                </a:solidFill>
-                <a:hlinkClick r:id="rId3"/>
-              </a:rPr>
-              <a:t>http://edu.dataguru.cn</a:t>
-            </a:r>
-            <a:endParaRPr lang="en-US" altLang="zh-CN" sz="3300" b="1" dirty="0" smtClean="0">
-              <a:solidFill>
-                <a:srgbClr val="FF0000"/>
-              </a:solidFill>
-            </a:endParaRPr>
-          </a:p>
-          <a:p>
-            <a:pPr>
-              <a:buNone/>
-            </a:pPr>
-            <a:endParaRPr lang="en-US" altLang="zh-CN" dirty="0" smtClean="0"/>
-          </a:p>
-          <a:p>
-            <a:pPr>
-              <a:buNone/>
-            </a:pPr>
+            <a:r>
+              <a:rPr lang="zh-CN" altLang="zh-CN" dirty="0"/>
+              <a:t>通常情况下，为了保证多线程间的有效并发，会要求每个线程持有锁的时间尽量短，即在使用完公共资源后，应该立即释放锁。只有这样，等待在这个锁上的其他线程才能尽早的获得资源执行任务。但是，凡事都有一个度，如果对同一个锁不停的进行请求、同步和释放，其本身也会消耗系统宝贵的资源，反而不利于性能的优化</a:t>
+            </a:r>
             <a:endParaRPr lang="zh-CN" altLang="en-US" dirty="0"/>
           </a:p>
         </p:txBody>
@@ -8652,7 +8212,7 @@
 </p:sld>
 </file>
 
-<file path=ppt/slides/slide20.xml><?xml version="1.0" encoding="utf-8"?>
+<file path=ppt/slides/slide19.xml><?xml version="1.0" encoding="utf-8"?>
 <p:sld xmlns:a="http://schemas.openxmlformats.org/drawingml/2006/main" xmlns:r="http://schemas.openxmlformats.org/officeDocument/2006/relationships" xmlns:p="http://schemas.openxmlformats.org/presentationml/2006/main">
   <p:cSld>
     <p:spTree>
@@ -8685,92 +8245,10 @@
           <a:lstStyle/>
           <a:p>
             <a:r>
-              <a:rPr lang="zh-CN" altLang="en-US" dirty="0" smtClean="0"/>
-              <a:t>锁粗化</a:t>
-            </a:r>
-            <a:endParaRPr lang="zh-CN" altLang="en-US" dirty="0"/>
-          </a:p>
-        </p:txBody>
-      </p:sp>
-      <p:sp>
-        <p:nvSpPr>
-          <p:cNvPr id="3" name="内容占位符 2"/>
-          <p:cNvSpPr>
-            <a:spLocks noGrp="1"/>
-          </p:cNvSpPr>
-          <p:nvPr>
-            <p:ph idx="1"/>
-          </p:nvPr>
-        </p:nvSpPr>
-        <p:spPr/>
-        <p:txBody>
-          <a:bodyPr/>
-          <a:lstStyle/>
-          <a:p>
-            <a:r>
-              <a:rPr lang="zh-CN" altLang="zh-CN" dirty="0"/>
-              <a:t>通常情况下，为了保证多线程间的有效并发，会要求每个线程持有锁的时间尽量短，即在使用完公共资源后，应该立即释放锁。只有这样，等待在这个锁上的其他线程才能尽早的获得资源执行任务。但是，凡事都有一个度，如果对同一个锁不停的进行请求、同步和释放，其本身也会消耗系统宝贵的资源，反而不利于性能的优化</a:t>
-            </a:r>
-            <a:endParaRPr lang="zh-CN" altLang="en-US" dirty="0"/>
-          </a:p>
-        </p:txBody>
-      </p:sp>
-    </p:spTree>
-    <p:extLst>
-      <p:ext uri="{BB962C8B-B14F-4D97-AF65-F5344CB8AC3E}">
-        <p14:creationId xmlns:p14="http://schemas.microsoft.com/office/powerpoint/2010/main" val="3246435233"/>
-      </p:ext>
-    </p:extLst>
-  </p:cSld>
-  <p:clrMapOvr>
-    <a:masterClrMapping/>
-  </p:clrMapOvr>
-  <p:timing>
-    <p:tnLst>
-      <p:par>
-        <p:cTn id="1" dur="indefinite" restart="never" nodeType="tmRoot"/>
-      </p:par>
-    </p:tnLst>
-  </p:timing>
-</p:sld>
-</file>
-
-<file path=ppt/slides/slide21.xml><?xml version="1.0" encoding="utf-8"?>
-<p:sld xmlns:a="http://schemas.openxmlformats.org/drawingml/2006/main" xmlns:r="http://schemas.openxmlformats.org/officeDocument/2006/relationships" xmlns:p="http://schemas.openxmlformats.org/presentationml/2006/main">
-  <p:cSld>
-    <p:spTree>
-      <p:nvGrpSpPr>
-        <p:cNvPr id="1" name=""/>
-        <p:cNvGrpSpPr/>
-        <p:nvPr/>
-      </p:nvGrpSpPr>
-      <p:grpSpPr>
-        <a:xfrm>
-          <a:off x="0" y="0"/>
-          <a:ext cx="0" cy="0"/>
-          <a:chOff x="0" y="0"/>
-          <a:chExt cx="0" cy="0"/>
-        </a:xfrm>
-      </p:grpSpPr>
-      <p:sp>
-        <p:nvSpPr>
-          <p:cNvPr id="2" name="标题 1"/>
-          <p:cNvSpPr>
-            <a:spLocks noGrp="1"/>
-          </p:cNvSpPr>
-          <p:nvPr>
-            <p:ph type="title"/>
-          </p:nvPr>
-        </p:nvSpPr>
-        <p:spPr/>
-        <p:txBody>
-          <a:bodyPr/>
-          <a:lstStyle/>
-          <a:p>
-            <a:r>
               <a:rPr lang="zh-CN" altLang="en-US" dirty="0"/>
               <a:t>锁粗化</a:t>
             </a:r>
+            <a:endParaRPr lang="zh-CN" altLang="en-US" dirty="0"/>
           </a:p>
         </p:txBody>
       </p:sp>
@@ -8869,6 +8347,7 @@
               <a:rPr lang="zh-CN" altLang="zh-CN" dirty="0"/>
               <a:t>做其他不需要的同步的工作，但能很快执行完毕</a:t>
             </a:r>
+            <a:endParaRPr lang="zh-CN" altLang="zh-CN" dirty="0"/>
           </a:p>
           <a:p>
             <a:r>
@@ -8977,6 +8456,7 @@
               <a:rPr lang="zh-CN" altLang="zh-CN" dirty="0"/>
               <a:t>整合成一次锁请求</a:t>
             </a:r>
+            <a:endParaRPr lang="zh-CN" altLang="zh-CN" dirty="0"/>
           </a:p>
           <a:p>
             <a:r>
@@ -9017,6 +8497,7 @@
               <a:rPr lang="zh-CN" altLang="zh-CN" dirty="0"/>
               <a:t>做其他不需要的同步的工作，但能很快执行完毕</a:t>
             </a:r>
+            <a:endParaRPr lang="zh-CN" altLang="zh-CN" dirty="0"/>
           </a:p>
           <a:p>
             <a:r>
@@ -9073,11 +8554,6 @@
         </p:txBody>
       </p:sp>
     </p:spTree>
-    <p:extLst>
-      <p:ext uri="{BB962C8B-B14F-4D97-AF65-F5344CB8AC3E}">
-        <p14:creationId xmlns:p14="http://schemas.microsoft.com/office/powerpoint/2010/main" val="2926124591"/>
-      </p:ext>
-    </p:extLst>
   </p:cSld>
   <p:clrMapOvr>
     <a:masterClrMapping/>
@@ -9207,7 +8683,7 @@
 </p:sld>
 </file>
 
-<file path=ppt/slides/slide22.xml><?xml version="1.0" encoding="utf-8"?>
+<file path=ppt/slides/slide2.xml><?xml version="1.0" encoding="utf-8"?>
 <p:sld xmlns:a="http://schemas.openxmlformats.org/drawingml/2006/main" xmlns:r="http://schemas.openxmlformats.org/officeDocument/2006/relationships" xmlns:p="http://schemas.openxmlformats.org/presentationml/2006/main">
   <p:cSld>
     <p:spTree>
@@ -9240,9 +8716,370 @@
           <a:lstStyle/>
           <a:p>
             <a:r>
+              <a:rPr lang="zh-CN" altLang="en-US" dirty="0" smtClean="0"/>
+              <a:t>线程安全</a:t>
+            </a:r>
+            <a:endParaRPr lang="zh-CN" altLang="en-US" dirty="0"/>
+          </a:p>
+        </p:txBody>
+      </p:sp>
+      <p:sp>
+        <p:nvSpPr>
+          <p:cNvPr id="3" name="内容占位符 2"/>
+          <p:cNvSpPr>
+            <a:spLocks noGrp="1"/>
+          </p:cNvSpPr>
+          <p:nvPr>
+            <p:ph idx="1"/>
+          </p:nvPr>
+        </p:nvSpPr>
+        <p:spPr/>
+        <p:txBody>
+          <a:bodyPr/>
+          <a:lstStyle/>
+          <a:p>
+            <a:r>
+              <a:rPr lang="zh-CN" altLang="en-US" dirty="0" smtClean="0"/>
+              <a:t>多线程网站统计访问人数</a:t>
+            </a:r>
+            <a:endParaRPr lang="en-US" altLang="zh-CN" dirty="0" smtClean="0"/>
+          </a:p>
+          <a:p>
+            <a:pPr lvl="1"/>
+            <a:r>
+              <a:rPr lang="zh-CN" altLang="en-US" dirty="0" smtClean="0"/>
+              <a:t>使用锁，维护计数器的串行访问与安全性</a:t>
+            </a:r>
+            <a:endParaRPr lang="en-US" altLang="zh-CN" dirty="0" smtClean="0"/>
+          </a:p>
+          <a:p>
+            <a:r>
+              <a:rPr lang="zh-CN" altLang="en-US" dirty="0" smtClean="0"/>
+              <a:t>多线程访问</a:t>
+            </a:r>
+            <a:r>
+              <a:rPr lang="en-US" altLang="zh-CN" dirty="0" err="1"/>
+              <a:t>ArrayList</a:t>
+            </a:r>
+            <a:endParaRPr lang="en-US" altLang="zh-CN" dirty="0" smtClean="0"/>
+          </a:p>
+          <a:p>
+            <a:endParaRPr lang="zh-CN" altLang="en-US" dirty="0"/>
+          </a:p>
+        </p:txBody>
+      </p:sp>
+      <p:sp>
+        <p:nvSpPr>
+          <p:cNvPr id="4" name="TextBox 3"/>
+          <p:cNvSpPr txBox="1"/>
+          <p:nvPr/>
+        </p:nvSpPr>
+        <p:spPr>
+          <a:xfrm>
+            <a:off x="701750" y="2637706"/>
+            <a:ext cx="7344816" cy="3539430"/>
+          </a:xfrm>
+          <a:prstGeom prst="rect">
+            <a:avLst/>
+          </a:prstGeom>
+        </p:spPr>
+        <p:style>
+          <a:lnRef idx="2">
+            <a:schemeClr val="accent1"/>
+          </a:lnRef>
+          <a:fillRef idx="1">
+            <a:schemeClr val="lt1"/>
+          </a:fillRef>
+          <a:effectRef idx="0">
+            <a:schemeClr val="accent1"/>
+          </a:effectRef>
+          <a:fontRef idx="minor">
+            <a:schemeClr val="dk1"/>
+          </a:fontRef>
+        </p:style>
+        <p:txBody>
+          <a:bodyPr wrap="square" rtlCol="0">
+            <a:spAutoFit/>
+          </a:bodyPr>
+          <a:lstStyle/>
+          <a:p>
+            <a:r>
+              <a:rPr lang="en-US" altLang="zh-CN" sz="1400" dirty="0"/>
+              <a:t>public static List&lt;Integer&gt; </a:t>
+            </a:r>
+            <a:r>
+              <a:rPr lang="en-US" altLang="zh-CN" sz="1400" dirty="0" err="1"/>
+              <a:t>numberList</a:t>
+            </a:r>
+            <a:r>
+              <a:rPr lang="en-US" altLang="zh-CN" sz="1400" dirty="0"/>
+              <a:t> =new </a:t>
+            </a:r>
+            <a:r>
+              <a:rPr lang="en-US" altLang="zh-CN" sz="1400" dirty="0" err="1"/>
+              <a:t>ArrayList</a:t>
+            </a:r>
+            <a:r>
+              <a:rPr lang="en-US" altLang="zh-CN" sz="1400" dirty="0"/>
+              <a:t>&lt;Integer&gt;();</a:t>
+            </a:r>
+            <a:endParaRPr lang="en-US" altLang="zh-CN" sz="1400" dirty="0"/>
+          </a:p>
+          <a:p>
+            <a:r>
+              <a:rPr lang="en-US" altLang="zh-CN" sz="1400" dirty="0"/>
+              <a:t>public static class </a:t>
+            </a:r>
+            <a:r>
+              <a:rPr lang="en-US" altLang="zh-CN" sz="1400" dirty="0" err="1"/>
+              <a:t>AddToList</a:t>
+            </a:r>
+            <a:r>
+              <a:rPr lang="en-US" altLang="zh-CN" sz="1400" dirty="0"/>
+              <a:t> implements Runnable{</a:t>
+            </a:r>
+            <a:endParaRPr lang="en-US" altLang="zh-CN" sz="1400" dirty="0"/>
+          </a:p>
+          <a:p>
+            <a:r>
+              <a:rPr lang="en-US" altLang="zh-CN" sz="1400" dirty="0"/>
+              <a:t>	</a:t>
+            </a:r>
+            <a:r>
+              <a:rPr lang="en-US" altLang="zh-CN" sz="1400" dirty="0" err="1"/>
+              <a:t>int</a:t>
+            </a:r>
+            <a:r>
+              <a:rPr lang="en-US" altLang="zh-CN" sz="1400" dirty="0"/>
+              <a:t> </a:t>
+            </a:r>
+            <a:r>
+              <a:rPr lang="en-US" altLang="zh-CN" sz="1400" dirty="0" err="1"/>
+              <a:t>startnum</a:t>
+            </a:r>
+            <a:r>
+              <a:rPr lang="en-US" altLang="zh-CN" sz="1400" dirty="0"/>
+              <a:t>=0;</a:t>
+            </a:r>
+            <a:endParaRPr lang="en-US" altLang="zh-CN" sz="1400" dirty="0"/>
+          </a:p>
+          <a:p>
+            <a:r>
+              <a:rPr lang="en-US" altLang="zh-CN" sz="1400" dirty="0"/>
+              <a:t>	public </a:t>
+            </a:r>
+            <a:r>
+              <a:rPr lang="en-US" altLang="zh-CN" sz="1400" dirty="0" err="1"/>
+              <a:t>AddToList</a:t>
+            </a:r>
+            <a:r>
+              <a:rPr lang="en-US" altLang="zh-CN" sz="1400" dirty="0"/>
+              <a:t>(</a:t>
+            </a:r>
+            <a:r>
+              <a:rPr lang="en-US" altLang="zh-CN" sz="1400" dirty="0" err="1"/>
+              <a:t>int</a:t>
+            </a:r>
+            <a:r>
+              <a:rPr lang="en-US" altLang="zh-CN" sz="1400" dirty="0"/>
+              <a:t> </a:t>
+            </a:r>
+            <a:r>
+              <a:rPr lang="en-US" altLang="zh-CN" sz="1400" dirty="0" err="1"/>
+              <a:t>startnumber</a:t>
+            </a:r>
+            <a:r>
+              <a:rPr lang="en-US" altLang="zh-CN" sz="1400" dirty="0"/>
+              <a:t>){</a:t>
+            </a:r>
+            <a:endParaRPr lang="en-US" altLang="zh-CN" sz="1400" dirty="0"/>
+          </a:p>
+          <a:p>
+            <a:r>
+              <a:rPr lang="en-US" altLang="zh-CN" sz="1400" dirty="0"/>
+              <a:t>		</a:t>
+            </a:r>
+            <a:r>
+              <a:rPr lang="en-US" altLang="zh-CN" sz="1400" dirty="0" err="1"/>
+              <a:t>startnum</a:t>
+            </a:r>
+            <a:r>
+              <a:rPr lang="en-US" altLang="zh-CN" sz="1400" dirty="0"/>
+              <a:t>=</a:t>
+            </a:r>
+            <a:r>
+              <a:rPr lang="en-US" altLang="zh-CN" sz="1400" dirty="0" err="1"/>
+              <a:t>startnumber</a:t>
+            </a:r>
+            <a:r>
+              <a:rPr lang="en-US" altLang="zh-CN" sz="1400" dirty="0"/>
+              <a:t>;</a:t>
+            </a:r>
+            <a:endParaRPr lang="en-US" altLang="zh-CN" sz="1400" dirty="0"/>
+          </a:p>
+          <a:p>
+            <a:r>
+              <a:rPr lang="en-US" altLang="zh-CN" sz="1400" dirty="0"/>
+              <a:t>	}</a:t>
+            </a:r>
+            <a:endParaRPr lang="en-US" altLang="zh-CN" sz="1400" dirty="0"/>
+          </a:p>
+          <a:p>
+            <a:r>
+              <a:rPr lang="en-US" altLang="zh-CN" sz="1400" dirty="0"/>
+              <a:t>	@Override</a:t>
+            </a:r>
+            <a:endParaRPr lang="en-US" altLang="zh-CN" sz="1400" dirty="0"/>
+          </a:p>
+          <a:p>
+            <a:r>
+              <a:rPr lang="en-US" altLang="zh-CN" sz="1400" dirty="0"/>
+              <a:t>	public void run() {</a:t>
+            </a:r>
+            <a:endParaRPr lang="en-US" altLang="zh-CN" sz="1400" dirty="0"/>
+          </a:p>
+          <a:p>
+            <a:r>
+              <a:rPr lang="en-US" altLang="zh-CN" sz="1400" dirty="0"/>
+              <a:t>		</a:t>
+            </a:r>
+            <a:r>
+              <a:rPr lang="en-US" altLang="zh-CN" sz="1400" dirty="0" err="1"/>
+              <a:t>int</a:t>
+            </a:r>
+            <a:r>
+              <a:rPr lang="en-US" altLang="zh-CN" sz="1400" dirty="0"/>
+              <a:t> count=0;</a:t>
+            </a:r>
+            <a:endParaRPr lang="en-US" altLang="zh-CN" sz="1400" dirty="0"/>
+          </a:p>
+          <a:p>
+            <a:r>
+              <a:rPr lang="en-US" altLang="zh-CN" sz="1400" dirty="0"/>
+              <a:t>		while(count&lt;1000000){</a:t>
+            </a:r>
+            <a:endParaRPr lang="en-US" altLang="zh-CN" sz="1400" dirty="0"/>
+          </a:p>
+          <a:p>
+            <a:r>
+              <a:rPr lang="en-US" altLang="zh-CN" sz="1400" dirty="0"/>
+              <a:t>			</a:t>
+            </a:r>
+            <a:r>
+              <a:rPr lang="en-US" altLang="zh-CN" sz="1400" dirty="0" err="1"/>
+              <a:t>numberList.add</a:t>
+            </a:r>
+            <a:r>
+              <a:rPr lang="en-US" altLang="zh-CN" sz="1400" dirty="0"/>
+              <a:t>(</a:t>
+            </a:r>
+            <a:r>
+              <a:rPr lang="en-US" altLang="zh-CN" sz="1400" dirty="0" err="1"/>
+              <a:t>startnum</a:t>
+            </a:r>
+            <a:r>
+              <a:rPr lang="en-US" altLang="zh-CN" sz="1400" dirty="0"/>
+              <a:t>);</a:t>
+            </a:r>
+            <a:endParaRPr lang="en-US" altLang="zh-CN" sz="1400" dirty="0"/>
+          </a:p>
+          <a:p>
+            <a:r>
+              <a:rPr lang="en-US" altLang="zh-CN" sz="1400" dirty="0"/>
+              <a:t>			</a:t>
+            </a:r>
+            <a:r>
+              <a:rPr lang="en-US" altLang="zh-CN" sz="1400" dirty="0" err="1"/>
+              <a:t>startnum</a:t>
+            </a:r>
+            <a:r>
+              <a:rPr lang="en-US" altLang="zh-CN" sz="1400" dirty="0"/>
+              <a:t>+=2;</a:t>
+            </a:r>
+            <a:endParaRPr lang="en-US" altLang="zh-CN" sz="1400" dirty="0"/>
+          </a:p>
+          <a:p>
+            <a:r>
+              <a:rPr lang="en-US" altLang="zh-CN" sz="1400" dirty="0"/>
+              <a:t>			count++;</a:t>
+            </a:r>
+            <a:endParaRPr lang="en-US" altLang="zh-CN" sz="1400" dirty="0"/>
+          </a:p>
+          <a:p>
+            <a:r>
+              <a:rPr lang="en-US" altLang="zh-CN" sz="1400" dirty="0"/>
+              <a:t>		}</a:t>
+            </a:r>
+            <a:endParaRPr lang="en-US" altLang="zh-CN" sz="1400" dirty="0"/>
+          </a:p>
+          <a:p>
+            <a:r>
+              <a:rPr lang="en-US" altLang="zh-CN" sz="1400" dirty="0"/>
+              <a:t>	}</a:t>
+            </a:r>
+            <a:endParaRPr lang="en-US" altLang="zh-CN" sz="1400" dirty="0"/>
+          </a:p>
+          <a:p>
+            <a:r>
+              <a:rPr lang="en-US" altLang="zh-CN" sz="1400" dirty="0"/>
+              <a:t>}</a:t>
+            </a:r>
+            <a:endParaRPr lang="zh-CN" altLang="en-US" sz="1400" dirty="0"/>
+          </a:p>
+        </p:txBody>
+      </p:sp>
+    </p:spTree>
+  </p:cSld>
+  <p:clrMapOvr>
+    <a:masterClrMapping/>
+  </p:clrMapOvr>
+  <p:timing>
+    <p:tnLst>
+      <p:par>
+        <p:cTn id="1" dur="indefinite" restart="never" nodeType="tmRoot"/>
+      </p:par>
+    </p:tnLst>
+  </p:timing>
+</p:sld>
+</file>
+
+<file path=ppt/slides/slide20.xml><?xml version="1.0" encoding="utf-8"?>
+<p:sld xmlns:a="http://schemas.openxmlformats.org/drawingml/2006/main" xmlns:r="http://schemas.openxmlformats.org/officeDocument/2006/relationships" xmlns:p="http://schemas.openxmlformats.org/presentationml/2006/main">
+  <p:cSld>
+    <p:spTree>
+      <p:nvGrpSpPr>
+        <p:cNvPr id="1" name=""/>
+        <p:cNvGrpSpPr/>
+        <p:nvPr/>
+      </p:nvGrpSpPr>
+      <p:grpSpPr>
+        <a:xfrm>
+          <a:off x="0" y="0"/>
+          <a:ext cx="0" cy="0"/>
+          <a:chOff x="0" y="0"/>
+          <a:chExt cx="0" cy="0"/>
+        </a:xfrm>
+      </p:grpSpPr>
+      <p:sp>
+        <p:nvSpPr>
+          <p:cNvPr id="2" name="标题 1"/>
+          <p:cNvSpPr>
+            <a:spLocks noGrp="1"/>
+          </p:cNvSpPr>
+          <p:nvPr>
+            <p:ph type="title"/>
+          </p:nvPr>
+        </p:nvSpPr>
+        <p:spPr/>
+        <p:txBody>
+          <a:bodyPr/>
+          <a:lstStyle/>
+          <a:p>
+            <a:r>
               <a:rPr lang="zh-CN" altLang="en-US" dirty="0"/>
               <a:t>锁粗化</a:t>
             </a:r>
+            <a:endParaRPr lang="zh-CN" altLang="en-US" dirty="0"/>
           </a:p>
         </p:txBody>
       </p:sp>
@@ -9475,11 +9312,6 @@
         </p:txBody>
       </p:sp>
     </p:spTree>
-    <p:extLst>
-      <p:ext uri="{BB962C8B-B14F-4D97-AF65-F5344CB8AC3E}">
-        <p14:creationId xmlns:p14="http://schemas.microsoft.com/office/powerpoint/2010/main" val="4261881254"/>
-      </p:ext>
-    </p:extLst>
   </p:cSld>
   <p:clrMapOvr>
     <a:masterClrMapping/>
@@ -9609,7 +9441,7 @@
 </p:sld>
 </file>
 
-<file path=ppt/slides/slide23.xml><?xml version="1.0" encoding="utf-8"?>
+<file path=ppt/slides/slide21.xml><?xml version="1.0" encoding="utf-8"?>
 <p:sld xmlns:a="http://schemas.openxmlformats.org/drawingml/2006/main" xmlns:r="http://schemas.openxmlformats.org/officeDocument/2006/relationships" xmlns:p="http://schemas.openxmlformats.org/presentationml/2006/main">
   <p:cSld>
     <p:spTree>
@@ -9730,6 +9562,7 @@
               <a:rPr lang="en-US" altLang="zh-CN" dirty="0"/>
               <a:t> {</a:t>
             </a:r>
+            <a:endParaRPr lang="en-US" altLang="zh-CN" dirty="0"/>
           </a:p>
           <a:p>
             <a:r>
@@ -9744,6 +9577,7 @@
               <a:rPr lang="en-US" altLang="zh-CN" dirty="0"/>
               <a:t>();</a:t>
             </a:r>
+            <a:endParaRPr lang="en-US" altLang="zh-CN" dirty="0"/>
           </a:p>
           <a:p>
             <a:r>
@@ -9782,6 +9616,7 @@
               <a:rPr lang="en-US" altLang="zh-CN" dirty="0"/>
               <a:t>++) {</a:t>
             </a:r>
+            <a:endParaRPr lang="en-US" altLang="zh-CN" dirty="0"/>
           </a:p>
           <a:p>
             <a:r>
@@ -9796,12 +9631,14 @@
               <a:rPr lang="en-US" altLang="zh-CN" dirty="0"/>
               <a:t>("JVM", "Diagnosis");</a:t>
             </a:r>
+            <a:endParaRPr lang="en-US" altLang="zh-CN" dirty="0"/>
           </a:p>
           <a:p>
             <a:r>
               <a:rPr lang="en-US" altLang="zh-CN" dirty="0"/>
               <a:t>	}</a:t>
             </a:r>
+            <a:endParaRPr lang="en-US" altLang="zh-CN" dirty="0"/>
           </a:p>
           <a:p>
             <a:r>
@@ -9824,6 +9661,7 @@
               <a:rPr lang="en-US" altLang="zh-CN" dirty="0"/>
               <a:t>() - start;</a:t>
             </a:r>
+            <a:endParaRPr lang="en-US" altLang="zh-CN" dirty="0"/>
           </a:p>
           <a:p>
             <a:r>
@@ -9862,12 +9700,14 @@
               <a:rPr lang="en-US" altLang="zh-CN" dirty="0"/>
               <a:t>");</a:t>
             </a:r>
+            <a:endParaRPr lang="en-US" altLang="zh-CN" dirty="0"/>
           </a:p>
           <a:p>
             <a:r>
               <a:rPr lang="en-US" altLang="zh-CN" dirty="0"/>
               <a:t>}</a:t>
             </a:r>
+            <a:endParaRPr lang="en-US" altLang="zh-CN" dirty="0"/>
           </a:p>
           <a:p>
             <a:endParaRPr lang="en-US" altLang="zh-CN" dirty="0"/>
@@ -9885,6 +9725,7 @@
               <a:rPr lang="en-US" altLang="zh-CN" dirty="0"/>
               <a:t>(String s1, String s2) {</a:t>
             </a:r>
+            <a:endParaRPr lang="en-US" altLang="zh-CN" dirty="0"/>
           </a:p>
           <a:p>
             <a:r>
@@ -9915,6 +9756,7 @@
               <a:rPr lang="en-US" altLang="zh-CN" dirty="0"/>
               <a:t>();</a:t>
             </a:r>
+            <a:endParaRPr lang="en-US" altLang="zh-CN" dirty="0"/>
           </a:p>
           <a:p>
             <a:r>
@@ -9929,6 +9771,7 @@
               <a:rPr lang="en-US" altLang="zh-CN" dirty="0"/>
               <a:t>(s1);</a:t>
             </a:r>
+            <a:endParaRPr lang="en-US" altLang="zh-CN" dirty="0"/>
           </a:p>
           <a:p>
             <a:r>
@@ -9943,6 +9786,7 @@
               <a:rPr lang="en-US" altLang="zh-CN" dirty="0"/>
               <a:t>(s2);</a:t>
             </a:r>
+            <a:endParaRPr lang="en-US" altLang="zh-CN" dirty="0"/>
           </a:p>
           <a:p>
             <a:r>
@@ -9957,6 +9801,7 @@
               <a:rPr lang="en-US" altLang="zh-CN" dirty="0"/>
               <a:t>();</a:t>
             </a:r>
+            <a:endParaRPr lang="en-US" altLang="zh-CN" dirty="0"/>
           </a:p>
           <a:p>
             <a:r>
@@ -10012,11 +9857,6 @@
         </p:txBody>
       </p:sp>
     </p:spTree>
-    <p:extLst>
-      <p:ext uri="{BB962C8B-B14F-4D97-AF65-F5344CB8AC3E}">
-        <p14:creationId xmlns:p14="http://schemas.microsoft.com/office/powerpoint/2010/main" val="4064105119"/>
-      </p:ext>
-    </p:extLst>
   </p:cSld>
   <p:clrMapOvr>
     <a:masterClrMapping/>
@@ -10031,7 +9871,7 @@
 </p:sld>
 </file>
 
-<file path=ppt/slides/slide24.xml><?xml version="1.0" encoding="utf-8"?>
+<file path=ppt/slides/slide22.xml><?xml version="1.0" encoding="utf-8"?>
 <p:sld xmlns:a="http://schemas.openxmlformats.org/drawingml/2006/main" xmlns:r="http://schemas.openxmlformats.org/officeDocument/2006/relationships" xmlns:p="http://schemas.openxmlformats.org/presentationml/2006/main">
   <p:cSld>
     <p:spTree>
@@ -10067,6 +9907,7 @@
               <a:rPr lang="zh-CN" altLang="en-US" dirty="0"/>
               <a:t>锁消除</a:t>
             </a:r>
+            <a:endParaRPr lang="zh-CN" altLang="en-US" dirty="0"/>
           </a:p>
         </p:txBody>
       </p:sp>
@@ -10325,11 +10166,6 @@
         </p:txBody>
       </p:sp>
     </p:spTree>
-    <p:extLst>
-      <p:ext uri="{BB962C8B-B14F-4D97-AF65-F5344CB8AC3E}">
-        <p14:creationId xmlns:p14="http://schemas.microsoft.com/office/powerpoint/2010/main" val="1800266592"/>
-      </p:ext>
-    </p:extLst>
   </p:cSld>
   <p:clrMapOvr>
     <a:masterClrMapping/>
@@ -10459,7 +10295,7 @@
 </p:sld>
 </file>
 
-<file path=ppt/slides/slide25.xml><?xml version="1.0" encoding="utf-8"?>
+<file path=ppt/slides/slide23.xml><?xml version="1.0" encoding="utf-8"?>
 <p:sld xmlns:a="http://schemas.openxmlformats.org/drawingml/2006/main" xmlns:r="http://schemas.openxmlformats.org/officeDocument/2006/relationships" xmlns:p="http://schemas.openxmlformats.org/presentationml/2006/main">
   <p:cSld>
     <p:spTree>
@@ -10548,6 +10384,7 @@
               <a:rPr lang="en-US" altLang="zh-CN" dirty="0" smtClean="0"/>
               <a:t>CAS(Compare And Swap)</a:t>
             </a:r>
+            <a:endParaRPr lang="en-US" altLang="zh-CN" dirty="0" smtClean="0"/>
           </a:p>
           <a:p>
             <a:pPr lvl="1"/>
@@ -10567,6 +10404,7 @@
               <a:rPr lang="en-US" altLang="zh-CN" sz="1800" dirty="0" smtClean="0"/>
               <a:t>)</a:t>
             </a:r>
+            <a:endParaRPr lang="en-US" altLang="zh-CN" sz="1800" dirty="0" smtClean="0"/>
           </a:p>
           <a:p>
             <a:r>
@@ -10581,11 +10419,6 @@
         </p:txBody>
       </p:sp>
     </p:spTree>
-    <p:extLst>
-      <p:ext uri="{BB962C8B-B14F-4D97-AF65-F5344CB8AC3E}">
-        <p14:creationId xmlns:p14="http://schemas.microsoft.com/office/powerpoint/2010/main" val="2753487950"/>
-      </p:ext>
-    </p:extLst>
   </p:cSld>
   <p:clrMapOvr>
     <a:masterClrMapping/>
@@ -10600,7 +10433,7 @@
 </p:sld>
 </file>
 
-<file path=ppt/slides/slide26.xml><?xml version="1.0" encoding="utf-8"?>
+<file path=ppt/slides/slide24.xml><?xml version="1.0" encoding="utf-8"?>
 <p:sld xmlns:a="http://schemas.openxmlformats.org/drawingml/2006/main" xmlns:r="http://schemas.openxmlformats.org/officeDocument/2006/relationships" xmlns:p="http://schemas.openxmlformats.org/presentationml/2006/main">
   <p:cSld>
     <p:spTree>
@@ -10636,6 +10469,7 @@
               <a:rPr lang="zh-CN" altLang="en-US" dirty="0"/>
               <a:t>无锁</a:t>
             </a:r>
+            <a:endParaRPr lang="zh-CN" altLang="en-US" dirty="0"/>
           </a:p>
         </p:txBody>
       </p:sp>
@@ -10737,12 +10571,14 @@
               <a:rPr lang="en-US" altLang="zh-CN" dirty="0"/>
               <a:t>) {</a:t>
             </a:r>
+            <a:endParaRPr lang="en-US" altLang="zh-CN" dirty="0"/>
           </a:p>
           <a:p>
             <a:r>
               <a:rPr lang="en-US" altLang="zh-CN" dirty="0"/>
               <a:t>    for (;;) {</a:t>
             </a:r>
+            <a:endParaRPr lang="en-US" altLang="zh-CN" dirty="0"/>
           </a:p>
           <a:p>
             <a:r>
@@ -10757,6 +10593,7 @@
               <a:rPr lang="en-US" altLang="zh-CN" dirty="0"/>
               <a:t> current = get();</a:t>
             </a:r>
+            <a:endParaRPr lang="en-US" altLang="zh-CN" dirty="0"/>
           </a:p>
           <a:p>
             <a:r>
@@ -10779,18 +10616,21 @@
               <a:rPr lang="en-US" altLang="zh-CN" dirty="0"/>
               <a:t>))</a:t>
             </a:r>
+            <a:endParaRPr lang="en-US" altLang="zh-CN" dirty="0"/>
           </a:p>
           <a:p>
             <a:r>
               <a:rPr lang="en-US" altLang="zh-CN" dirty="0"/>
               <a:t>            return current;</a:t>
             </a:r>
+            <a:endParaRPr lang="en-US" altLang="zh-CN" dirty="0"/>
           </a:p>
           <a:p>
             <a:r>
               <a:rPr lang="en-US" altLang="zh-CN" dirty="0"/>
               <a:t>    }</a:t>
             </a:r>
+            <a:endParaRPr lang="en-US" altLang="zh-CN" dirty="0"/>
           </a:p>
           <a:p>
             <a:r>
@@ -10923,6 +10763,7 @@
               <a:rPr lang="en-US" altLang="zh-CN" dirty="0" smtClean="0"/>
               <a:t>)</a:t>
             </a:r>
+            <a:endParaRPr lang="en-US" altLang="zh-CN" dirty="0" smtClean="0"/>
           </a:p>
           <a:p>
             <a:r>
@@ -10987,11 +10828,6 @@
         </p:txBody>
       </p:sp>
     </p:spTree>
-    <p:extLst>
-      <p:ext uri="{BB962C8B-B14F-4D97-AF65-F5344CB8AC3E}">
-        <p14:creationId xmlns:p14="http://schemas.microsoft.com/office/powerpoint/2010/main" val="2470630595"/>
-      </p:ext>
-    </p:extLst>
   </p:cSld>
   <p:clrMapOvr>
     <a:masterClrMapping/>
@@ -11085,7 +10921,7 @@
 </p:sld>
 </file>
 
-<file path=ppt/slides/slide27.xml><?xml version="1.0" encoding="utf-8"?>
+<file path=ppt/slides/slide25.xml><?xml version="1.0" encoding="utf-8"?>
 <p:sld xmlns:a="http://schemas.openxmlformats.org/drawingml/2006/main" xmlns:r="http://schemas.openxmlformats.org/officeDocument/2006/relationships" xmlns:p="http://schemas.openxmlformats.org/presentationml/2006/main">
   <p:cSld>
     <p:spTree>
@@ -11121,6 +10957,7 @@
               <a:rPr lang="zh-CN" altLang="en-US" dirty="0"/>
               <a:t>锁</a:t>
             </a:r>
+            <a:endParaRPr lang="zh-CN" altLang="en-US" dirty="0"/>
           </a:p>
         </p:txBody>
       </p:sp>
@@ -11190,11 +11027,6 @@
         </p:txBody>
       </p:sp>
     </p:spTree>
-    <p:extLst>
-      <p:ext uri="{BB962C8B-B14F-4D97-AF65-F5344CB8AC3E}">
-        <p14:creationId xmlns:p14="http://schemas.microsoft.com/office/powerpoint/2010/main" val="1851117447"/>
-      </p:ext>
-    </p:extLst>
   </p:cSld>
   <p:clrMapOvr>
     <a:masterClrMapping/>
@@ -11209,7 +11041,7 @@
 </p:sld>
 </file>
 
-<file path=ppt/slides/slide28.xml><?xml version="1.0" encoding="utf-8"?>
+<file path=ppt/slides/slide26.xml><?xml version="1.0" encoding="utf-8"?>
 <p:sld xmlns:a="http://schemas.openxmlformats.org/drawingml/2006/main" xmlns:r="http://schemas.openxmlformats.org/officeDocument/2006/relationships" xmlns:p="http://schemas.openxmlformats.org/presentationml/2006/main">
   <p:cSld>
     <p:spTree>
@@ -11254,10 +11086,6 @@
             </a:pPr>
             <a:fld id="{7277B87E-B5C5-40CB-9E3E-78438E974F9E}" type="slidenum">
               <a:rPr lang="zh-CN" altLang="en-US"/>
-              <a:pPr>
-                <a:defRPr/>
-              </a:pPr>
-              <a:t>28</a:t>
             </a:fld>
             <a:endParaRPr lang="zh-CN" altLang="en-US" dirty="0"/>
           </a:p>
@@ -11297,615 +11125,6 @@
       </p:grpSpPr>
       <p:sp>
         <p:nvSpPr>
-          <p:cNvPr id="2" name="Title 1"/>
-          <p:cNvSpPr>
-            <a:spLocks noGrp="1"/>
-          </p:cNvSpPr>
-          <p:nvPr>
-            <p:ph type="title"/>
-          </p:nvPr>
-        </p:nvSpPr>
-        <p:spPr/>
-        <p:txBody>
-          <a:bodyPr/>
-          <a:lstStyle/>
-          <a:p>
-            <a:r>
-              <a:rPr lang="zh-CN" altLang="en-US" dirty="0" smtClean="0"/>
-              <a:t>锁</a:t>
-            </a:r>
-            <a:endParaRPr lang="zh-CN" altLang="en-US" dirty="0"/>
-          </a:p>
-        </p:txBody>
-      </p:sp>
-      <p:sp>
-        <p:nvSpPr>
-          <p:cNvPr id="3" name="Content Placeholder 2"/>
-          <p:cNvSpPr>
-            <a:spLocks noGrp="1"/>
-          </p:cNvSpPr>
-          <p:nvPr>
-            <p:ph idx="1"/>
-          </p:nvPr>
-        </p:nvSpPr>
-        <p:spPr>
-          <a:xfrm>
-            <a:off x="3942110" y="1269554"/>
-            <a:ext cx="2899827" cy="5041187"/>
-          </a:xfrm>
-        </p:spPr>
-        <p:txBody>
-          <a:bodyPr/>
-          <a:lstStyle/>
-          <a:p>
-            <a:r>
-              <a:rPr lang="zh-CN" altLang="en-US" dirty="0" smtClean="0"/>
-              <a:t>偏向锁</a:t>
-            </a:r>
-            <a:endParaRPr lang="en-US" altLang="zh-CN" dirty="0" smtClean="0"/>
-          </a:p>
-          <a:p>
-            <a:r>
-              <a:rPr lang="zh-CN" altLang="en-US" dirty="0" smtClean="0"/>
-              <a:t>轻量级锁</a:t>
-            </a:r>
-            <a:endParaRPr lang="en-US" altLang="zh-CN" dirty="0" smtClean="0"/>
-          </a:p>
-          <a:p>
-            <a:r>
-              <a:rPr lang="zh-CN" altLang="en-US" dirty="0" smtClean="0"/>
-              <a:t>自旋锁</a:t>
-            </a:r>
-            <a:endParaRPr lang="en-US" altLang="zh-CN" dirty="0" smtClean="0"/>
-          </a:p>
-        </p:txBody>
-      </p:sp>
-      <p:sp>
-        <p:nvSpPr>
-          <p:cNvPr id="4" name="Content Placeholder 2"/>
-          <p:cNvSpPr txBox="1">
-            <a:spLocks/>
-          </p:cNvSpPr>
-          <p:nvPr/>
-        </p:nvSpPr>
-        <p:spPr bwMode="auto">
-          <a:xfrm>
-            <a:off x="7614518" y="1197544"/>
-            <a:ext cx="2899827" cy="5041187"/>
-          </a:xfrm>
-          <a:prstGeom prst="rect">
-            <a:avLst/>
-          </a:prstGeom>
-          <a:noFill/>
-          <a:ln w="9525">
-            <a:noFill/>
-            <a:miter lim="800000"/>
-            <a:headEnd/>
-            <a:tailEnd/>
-          </a:ln>
-        </p:spPr>
-        <p:txBody>
-          <a:bodyPr vert="horz" wrap="square" lIns="108932" tIns="54466" rIns="108932" bIns="54466" numCol="1" anchor="t" anchorCtr="0" compatLnSpc="1">
-            <a:prstTxWarp prst="textNoShape">
-              <a:avLst/>
-            </a:prstTxWarp>
-          </a:bodyPr>
-          <a:lstStyle>
-            <a:lvl1pPr marL="408497" indent="-408497" algn="l" rtl="0" eaLnBrk="0" fontAlgn="base" hangingPunct="0">
-              <a:lnSpc>
-                <a:spcPct val="150000"/>
-              </a:lnSpc>
-              <a:spcBef>
-                <a:spcPct val="20000"/>
-              </a:spcBef>
-              <a:spcAft>
-                <a:spcPct val="0"/>
-              </a:spcAft>
-              <a:buClr>
-                <a:schemeClr val="accent4">
-                  <a:lumMod val="50000"/>
-                </a:schemeClr>
-              </a:buClr>
-              <a:buFont typeface="Wingdings" pitchFamily="2" charset="2"/>
-              <a:buChar char="n"/>
-              <a:defRPr sz="1900" kern="1200">
-                <a:solidFill>
-                  <a:schemeClr val="tx1"/>
-                </a:solidFill>
-                <a:latin typeface="+mn-lt"/>
-                <a:ea typeface="+mn-ea"/>
-                <a:cs typeface="+mn-cs"/>
-              </a:defRPr>
-            </a:lvl1pPr>
-            <a:lvl2pPr marL="885076" indent="-340414" algn="l" rtl="0" eaLnBrk="0" fontAlgn="base" hangingPunct="0">
-              <a:lnSpc>
-                <a:spcPct val="150000"/>
-              </a:lnSpc>
-              <a:spcBef>
-                <a:spcPct val="20000"/>
-              </a:spcBef>
-              <a:spcAft>
-                <a:spcPct val="0"/>
-              </a:spcAft>
-              <a:buClr>
-                <a:srgbClr val="2F6231"/>
-              </a:buClr>
-              <a:buFont typeface="Arial" charset="0"/>
-              <a:buChar char="–"/>
-              <a:defRPr sz="1700" kern="1200">
-                <a:solidFill>
-                  <a:schemeClr val="tx1"/>
-                </a:solidFill>
-                <a:latin typeface="+mn-lt"/>
-                <a:ea typeface="+mn-ea"/>
-                <a:cs typeface="+mn-cs"/>
-              </a:defRPr>
-            </a:lvl2pPr>
-            <a:lvl3pPr marL="1361656" indent="-272331" algn="l" rtl="0" eaLnBrk="0" fontAlgn="base" hangingPunct="0">
-              <a:lnSpc>
-                <a:spcPct val="150000"/>
-              </a:lnSpc>
-              <a:spcBef>
-                <a:spcPct val="20000"/>
-              </a:spcBef>
-              <a:spcAft>
-                <a:spcPct val="0"/>
-              </a:spcAft>
-              <a:buClr>
-                <a:srgbClr val="2F6231"/>
-              </a:buClr>
-              <a:buFont typeface="Arial" charset="0"/>
-              <a:buChar char="•"/>
-              <a:defRPr sz="1400" kern="1200">
-                <a:solidFill>
-                  <a:schemeClr val="tx1"/>
-                </a:solidFill>
-                <a:latin typeface="+mn-lt"/>
-                <a:ea typeface="+mn-ea"/>
-                <a:cs typeface="+mn-cs"/>
-              </a:defRPr>
-            </a:lvl3pPr>
-            <a:lvl4pPr marL="1906318" indent="-272331" algn="l" rtl="0" eaLnBrk="0" fontAlgn="base" hangingPunct="0">
-              <a:lnSpc>
-                <a:spcPct val="150000"/>
-              </a:lnSpc>
-              <a:spcBef>
-                <a:spcPct val="20000"/>
-              </a:spcBef>
-              <a:spcAft>
-                <a:spcPct val="0"/>
-              </a:spcAft>
-              <a:buClr>
-                <a:srgbClr val="2F6231"/>
-              </a:buClr>
-              <a:buFont typeface="Arial" charset="0"/>
-              <a:buChar char="–"/>
-              <a:defRPr sz="1300" kern="1200">
-                <a:solidFill>
-                  <a:schemeClr val="tx1"/>
-                </a:solidFill>
-                <a:latin typeface="+mn-lt"/>
-                <a:ea typeface="+mn-ea"/>
-                <a:cs typeface="+mn-cs"/>
-              </a:defRPr>
-            </a:lvl4pPr>
-            <a:lvl5pPr marL="2450981" indent="-272331" algn="l" rtl="0" eaLnBrk="0" fontAlgn="base" hangingPunct="0">
-              <a:lnSpc>
-                <a:spcPct val="150000"/>
-              </a:lnSpc>
-              <a:spcBef>
-                <a:spcPct val="20000"/>
-              </a:spcBef>
-              <a:spcAft>
-                <a:spcPct val="0"/>
-              </a:spcAft>
-              <a:buClr>
-                <a:srgbClr val="2F6231"/>
-              </a:buClr>
-              <a:buFont typeface="Arial" charset="0"/>
-              <a:buChar char="»"/>
-              <a:defRPr sz="1300" kern="1200">
-                <a:solidFill>
-                  <a:schemeClr val="tx1"/>
-                </a:solidFill>
-                <a:latin typeface="+mn-lt"/>
-                <a:ea typeface="+mn-ea"/>
-                <a:cs typeface="+mn-cs"/>
-              </a:defRPr>
-            </a:lvl5pPr>
-            <a:lvl6pPr marL="2995643" indent="-272331" algn="l" defTabSz="1089325" rtl="0" eaLnBrk="1" latinLnBrk="0" hangingPunct="1">
-              <a:spcBef>
-                <a:spcPct val="20000"/>
-              </a:spcBef>
-              <a:buFont typeface="Arial" pitchFamily="34" charset="0"/>
-              <a:buChar char="•"/>
-              <a:defRPr sz="2400" kern="1200">
-                <a:solidFill>
-                  <a:schemeClr val="tx1"/>
-                </a:solidFill>
-                <a:latin typeface="+mn-lt"/>
-                <a:ea typeface="+mn-ea"/>
-                <a:cs typeface="+mn-cs"/>
-              </a:defRPr>
-            </a:lvl6pPr>
-            <a:lvl7pPr marL="3540305" indent="-272331" algn="l" defTabSz="1089325" rtl="0" eaLnBrk="1" latinLnBrk="0" hangingPunct="1">
-              <a:spcBef>
-                <a:spcPct val="20000"/>
-              </a:spcBef>
-              <a:buFont typeface="Arial" pitchFamily="34" charset="0"/>
-              <a:buChar char="•"/>
-              <a:defRPr sz="2400" kern="1200">
-                <a:solidFill>
-                  <a:schemeClr val="tx1"/>
-                </a:solidFill>
-                <a:latin typeface="+mn-lt"/>
-                <a:ea typeface="+mn-ea"/>
-                <a:cs typeface="+mn-cs"/>
-              </a:defRPr>
-            </a:lvl7pPr>
-            <a:lvl8pPr marL="4084968" indent="-272331" algn="l" defTabSz="1089325" rtl="0" eaLnBrk="1" latinLnBrk="0" hangingPunct="1">
-              <a:spcBef>
-                <a:spcPct val="20000"/>
-              </a:spcBef>
-              <a:buFont typeface="Arial" pitchFamily="34" charset="0"/>
-              <a:buChar char="•"/>
-              <a:defRPr sz="2400" kern="1200">
-                <a:solidFill>
-                  <a:schemeClr val="tx1"/>
-                </a:solidFill>
-                <a:latin typeface="+mn-lt"/>
-                <a:ea typeface="+mn-ea"/>
-                <a:cs typeface="+mn-cs"/>
-              </a:defRPr>
-            </a:lvl8pPr>
-            <a:lvl9pPr marL="4629630" indent="-272331" algn="l" defTabSz="1089325" rtl="0" eaLnBrk="1" latinLnBrk="0" hangingPunct="1">
-              <a:spcBef>
-                <a:spcPct val="20000"/>
-              </a:spcBef>
-              <a:buFont typeface="Arial" pitchFamily="34" charset="0"/>
-              <a:buChar char="•"/>
-              <a:defRPr sz="2400" kern="1200">
-                <a:solidFill>
-                  <a:schemeClr val="tx1"/>
-                </a:solidFill>
-                <a:latin typeface="+mn-lt"/>
-                <a:ea typeface="+mn-ea"/>
-                <a:cs typeface="+mn-cs"/>
-              </a:defRPr>
-            </a:lvl9pPr>
-          </a:lstStyle>
-          <a:p>
-            <a:r>
-              <a:rPr lang="zh-CN" altLang="en-US" dirty="0"/>
-              <a:t>减少锁持有</a:t>
-            </a:r>
-            <a:r>
-              <a:rPr lang="zh-CN" altLang="en-US" dirty="0" smtClean="0"/>
-              <a:t>时间</a:t>
-            </a:r>
-            <a:endParaRPr lang="en-US" altLang="zh-CN" dirty="0" smtClean="0"/>
-          </a:p>
-          <a:p>
-            <a:r>
-              <a:rPr lang="zh-CN" altLang="en-US" dirty="0"/>
-              <a:t>减小锁</a:t>
-            </a:r>
-            <a:r>
-              <a:rPr lang="zh-CN" altLang="en-US" dirty="0" smtClean="0"/>
-              <a:t>粒度</a:t>
-            </a:r>
-            <a:endParaRPr lang="en-US" altLang="zh-CN" dirty="0" smtClean="0"/>
-          </a:p>
-          <a:p>
-            <a:r>
-              <a:rPr lang="zh-CN" altLang="en-US" dirty="0"/>
-              <a:t>锁</a:t>
-            </a:r>
-            <a:r>
-              <a:rPr lang="zh-CN" altLang="en-US" dirty="0" smtClean="0"/>
-              <a:t>分离</a:t>
-            </a:r>
-            <a:endParaRPr lang="en-US" altLang="zh-CN" dirty="0" smtClean="0"/>
-          </a:p>
-          <a:p>
-            <a:r>
-              <a:rPr lang="zh-CN" altLang="en-US" dirty="0"/>
-              <a:t>锁粗</a:t>
-            </a:r>
-            <a:r>
-              <a:rPr lang="zh-CN" altLang="en-US" dirty="0" smtClean="0"/>
-              <a:t>化</a:t>
-            </a:r>
-            <a:endParaRPr lang="en-US" altLang="zh-CN" dirty="0" smtClean="0"/>
-          </a:p>
-          <a:p>
-            <a:r>
-              <a:rPr lang="zh-CN" altLang="en-US" dirty="0" smtClean="0"/>
-              <a:t>锁消除</a:t>
-            </a:r>
-            <a:endParaRPr lang="en-US" altLang="zh-CN" dirty="0" smtClean="0"/>
-          </a:p>
-          <a:p>
-            <a:r>
-              <a:rPr lang="zh-CN" altLang="en-US" dirty="0" smtClean="0"/>
-              <a:t>无锁</a:t>
-            </a:r>
-            <a:endParaRPr lang="zh-CN" altLang="en-US" dirty="0"/>
-          </a:p>
-        </p:txBody>
-      </p:sp>
-      <p:sp>
-        <p:nvSpPr>
-          <p:cNvPr id="5" name="Content Placeholder 2"/>
-          <p:cNvSpPr txBox="1">
-            <a:spLocks/>
-          </p:cNvSpPr>
-          <p:nvPr/>
-        </p:nvSpPr>
-        <p:spPr bwMode="auto">
-          <a:xfrm>
-            <a:off x="629742" y="1433868"/>
-            <a:ext cx="2899827" cy="5041187"/>
-          </a:xfrm>
-          <a:prstGeom prst="rect">
-            <a:avLst/>
-          </a:prstGeom>
-          <a:noFill/>
-          <a:ln w="9525">
-            <a:noFill/>
-            <a:miter lim="800000"/>
-            <a:headEnd/>
-            <a:tailEnd/>
-          </a:ln>
-        </p:spPr>
-        <p:txBody>
-          <a:bodyPr vert="horz" wrap="square" lIns="108932" tIns="54466" rIns="108932" bIns="54466" numCol="1" anchor="t" anchorCtr="0" compatLnSpc="1">
-            <a:prstTxWarp prst="textNoShape">
-              <a:avLst/>
-            </a:prstTxWarp>
-          </a:bodyPr>
-          <a:lstStyle>
-            <a:lvl1pPr marL="408497" indent="-408497" algn="l" rtl="0" eaLnBrk="0" fontAlgn="base" hangingPunct="0">
-              <a:lnSpc>
-                <a:spcPct val="150000"/>
-              </a:lnSpc>
-              <a:spcBef>
-                <a:spcPct val="20000"/>
-              </a:spcBef>
-              <a:spcAft>
-                <a:spcPct val="0"/>
-              </a:spcAft>
-              <a:buClr>
-                <a:schemeClr val="accent4">
-                  <a:lumMod val="50000"/>
-                </a:schemeClr>
-              </a:buClr>
-              <a:buFont typeface="Wingdings" pitchFamily="2" charset="2"/>
-              <a:buChar char="n"/>
-              <a:defRPr sz="1900" kern="1200">
-                <a:solidFill>
-                  <a:schemeClr val="tx1"/>
-                </a:solidFill>
-                <a:latin typeface="+mn-lt"/>
-                <a:ea typeface="+mn-ea"/>
-                <a:cs typeface="+mn-cs"/>
-              </a:defRPr>
-            </a:lvl1pPr>
-            <a:lvl2pPr marL="885076" indent="-340414" algn="l" rtl="0" eaLnBrk="0" fontAlgn="base" hangingPunct="0">
-              <a:lnSpc>
-                <a:spcPct val="150000"/>
-              </a:lnSpc>
-              <a:spcBef>
-                <a:spcPct val="20000"/>
-              </a:spcBef>
-              <a:spcAft>
-                <a:spcPct val="0"/>
-              </a:spcAft>
-              <a:buClr>
-                <a:srgbClr val="2F6231"/>
-              </a:buClr>
-              <a:buFont typeface="Arial" charset="0"/>
-              <a:buChar char="–"/>
-              <a:defRPr sz="1700" kern="1200">
-                <a:solidFill>
-                  <a:schemeClr val="tx1"/>
-                </a:solidFill>
-                <a:latin typeface="+mn-lt"/>
-                <a:ea typeface="+mn-ea"/>
-                <a:cs typeface="+mn-cs"/>
-              </a:defRPr>
-            </a:lvl2pPr>
-            <a:lvl3pPr marL="1361656" indent="-272331" algn="l" rtl="0" eaLnBrk="0" fontAlgn="base" hangingPunct="0">
-              <a:lnSpc>
-                <a:spcPct val="150000"/>
-              </a:lnSpc>
-              <a:spcBef>
-                <a:spcPct val="20000"/>
-              </a:spcBef>
-              <a:spcAft>
-                <a:spcPct val="0"/>
-              </a:spcAft>
-              <a:buClr>
-                <a:srgbClr val="2F6231"/>
-              </a:buClr>
-              <a:buFont typeface="Arial" charset="0"/>
-              <a:buChar char="•"/>
-              <a:defRPr sz="1400" kern="1200">
-                <a:solidFill>
-                  <a:schemeClr val="tx1"/>
-                </a:solidFill>
-                <a:latin typeface="+mn-lt"/>
-                <a:ea typeface="+mn-ea"/>
-                <a:cs typeface="+mn-cs"/>
-              </a:defRPr>
-            </a:lvl3pPr>
-            <a:lvl4pPr marL="1906318" indent="-272331" algn="l" rtl="0" eaLnBrk="0" fontAlgn="base" hangingPunct="0">
-              <a:lnSpc>
-                <a:spcPct val="150000"/>
-              </a:lnSpc>
-              <a:spcBef>
-                <a:spcPct val="20000"/>
-              </a:spcBef>
-              <a:spcAft>
-                <a:spcPct val="0"/>
-              </a:spcAft>
-              <a:buClr>
-                <a:srgbClr val="2F6231"/>
-              </a:buClr>
-              <a:buFont typeface="Arial" charset="0"/>
-              <a:buChar char="–"/>
-              <a:defRPr sz="1300" kern="1200">
-                <a:solidFill>
-                  <a:schemeClr val="tx1"/>
-                </a:solidFill>
-                <a:latin typeface="+mn-lt"/>
-                <a:ea typeface="+mn-ea"/>
-                <a:cs typeface="+mn-cs"/>
-              </a:defRPr>
-            </a:lvl4pPr>
-            <a:lvl5pPr marL="2450981" indent="-272331" algn="l" rtl="0" eaLnBrk="0" fontAlgn="base" hangingPunct="0">
-              <a:lnSpc>
-                <a:spcPct val="150000"/>
-              </a:lnSpc>
-              <a:spcBef>
-                <a:spcPct val="20000"/>
-              </a:spcBef>
-              <a:spcAft>
-                <a:spcPct val="0"/>
-              </a:spcAft>
-              <a:buClr>
-                <a:srgbClr val="2F6231"/>
-              </a:buClr>
-              <a:buFont typeface="Arial" charset="0"/>
-              <a:buChar char="»"/>
-              <a:defRPr sz="1300" kern="1200">
-                <a:solidFill>
-                  <a:schemeClr val="tx1"/>
-                </a:solidFill>
-                <a:latin typeface="+mn-lt"/>
-                <a:ea typeface="+mn-ea"/>
-                <a:cs typeface="+mn-cs"/>
-              </a:defRPr>
-            </a:lvl5pPr>
-            <a:lvl6pPr marL="2995643" indent="-272331" algn="l" defTabSz="1089325" rtl="0" eaLnBrk="1" latinLnBrk="0" hangingPunct="1">
-              <a:spcBef>
-                <a:spcPct val="20000"/>
-              </a:spcBef>
-              <a:buFont typeface="Arial" pitchFamily="34" charset="0"/>
-              <a:buChar char="•"/>
-              <a:defRPr sz="2400" kern="1200">
-                <a:solidFill>
-                  <a:schemeClr val="tx1"/>
-                </a:solidFill>
-                <a:latin typeface="+mn-lt"/>
-                <a:ea typeface="+mn-ea"/>
-                <a:cs typeface="+mn-cs"/>
-              </a:defRPr>
-            </a:lvl6pPr>
-            <a:lvl7pPr marL="3540305" indent="-272331" algn="l" defTabSz="1089325" rtl="0" eaLnBrk="1" latinLnBrk="0" hangingPunct="1">
-              <a:spcBef>
-                <a:spcPct val="20000"/>
-              </a:spcBef>
-              <a:buFont typeface="Arial" pitchFamily="34" charset="0"/>
-              <a:buChar char="•"/>
-              <a:defRPr sz="2400" kern="1200">
-                <a:solidFill>
-                  <a:schemeClr val="tx1"/>
-                </a:solidFill>
-                <a:latin typeface="+mn-lt"/>
-                <a:ea typeface="+mn-ea"/>
-                <a:cs typeface="+mn-cs"/>
-              </a:defRPr>
-            </a:lvl7pPr>
-            <a:lvl8pPr marL="4084968" indent="-272331" algn="l" defTabSz="1089325" rtl="0" eaLnBrk="1" latinLnBrk="0" hangingPunct="1">
-              <a:spcBef>
-                <a:spcPct val="20000"/>
-              </a:spcBef>
-              <a:buFont typeface="Arial" pitchFamily="34" charset="0"/>
-              <a:buChar char="•"/>
-              <a:defRPr sz="2400" kern="1200">
-                <a:solidFill>
-                  <a:schemeClr val="tx1"/>
-                </a:solidFill>
-                <a:latin typeface="+mn-lt"/>
-                <a:ea typeface="+mn-ea"/>
-                <a:cs typeface="+mn-cs"/>
-              </a:defRPr>
-            </a:lvl8pPr>
-            <a:lvl9pPr marL="4629630" indent="-272331" algn="l" defTabSz="1089325" rtl="0" eaLnBrk="1" latinLnBrk="0" hangingPunct="1">
-              <a:spcBef>
-                <a:spcPct val="20000"/>
-              </a:spcBef>
-              <a:buFont typeface="Arial" pitchFamily="34" charset="0"/>
-              <a:buChar char="•"/>
-              <a:defRPr sz="2400" kern="1200">
-                <a:solidFill>
-                  <a:schemeClr val="tx1"/>
-                </a:solidFill>
-                <a:latin typeface="+mn-lt"/>
-                <a:ea typeface="+mn-ea"/>
-                <a:cs typeface="+mn-cs"/>
-              </a:defRPr>
-            </a:lvl9pPr>
-          </a:lstStyle>
-          <a:p>
-            <a:r>
-              <a:rPr lang="zh-CN" altLang="en-US" dirty="0" smtClean="0"/>
-              <a:t>线程安全</a:t>
-            </a:r>
-            <a:endParaRPr lang="en-US" altLang="zh-CN" dirty="0" smtClean="0"/>
-          </a:p>
-          <a:p>
-            <a:r>
-              <a:rPr lang="zh-CN" altLang="en-US" dirty="0" smtClean="0"/>
-              <a:t>对象头</a:t>
-            </a:r>
-            <a:r>
-              <a:rPr lang="en-US" altLang="zh-CN" dirty="0" smtClean="0"/>
-              <a:t>Mark</a:t>
-            </a:r>
-          </a:p>
-        </p:txBody>
-      </p:sp>
-    </p:spTree>
-    <p:extLst>
-      <p:ext uri="{BB962C8B-B14F-4D97-AF65-F5344CB8AC3E}">
-        <p14:creationId xmlns:p14="http://schemas.microsoft.com/office/powerpoint/2010/main" val="2513976141"/>
-      </p:ext>
-    </p:extLst>
-  </p:cSld>
-  <p:clrMapOvr>
-    <a:masterClrMapping/>
-  </p:clrMapOvr>
-  <p:timing>
-    <p:tnLst>
-      <p:par>
-        <p:cTn id="1" dur="indefinite" restart="never" nodeType="tmRoot"/>
-      </p:par>
-    </p:tnLst>
-  </p:timing>
-</p:sld>
-</file>
-
-<file path=ppt/slides/slide4.xml><?xml version="1.0" encoding="utf-8"?>
-<p:sld xmlns:a="http://schemas.openxmlformats.org/drawingml/2006/main" xmlns:r="http://schemas.openxmlformats.org/officeDocument/2006/relationships" xmlns:p="http://schemas.openxmlformats.org/presentationml/2006/main">
-  <p:cSld>
-    <p:spTree>
-      <p:nvGrpSpPr>
-        <p:cNvPr id="1" name=""/>
-        <p:cNvGrpSpPr/>
-        <p:nvPr/>
-      </p:nvGrpSpPr>
-      <p:grpSpPr>
-        <a:xfrm>
-          <a:off x="0" y="0"/>
-          <a:ext cx="0" cy="0"/>
-          <a:chOff x="0" y="0"/>
-          <a:chExt cx="0" cy="0"/>
-        </a:xfrm>
-      </p:grpSpPr>
-      <p:sp>
-        <p:nvSpPr>
           <p:cNvPr id="2" name="标题 1"/>
           <p:cNvSpPr>
             <a:spLocks noGrp="1"/>
@@ -11920,359 +11139,10 @@
           <a:lstStyle/>
           <a:p>
             <a:r>
-              <a:rPr lang="zh-CN" altLang="en-US" dirty="0" smtClean="0"/>
-              <a:t>线程安全</a:t>
-            </a:r>
-            <a:endParaRPr lang="zh-CN" altLang="en-US" dirty="0"/>
-          </a:p>
-        </p:txBody>
-      </p:sp>
-      <p:sp>
-        <p:nvSpPr>
-          <p:cNvPr id="3" name="内容占位符 2"/>
-          <p:cNvSpPr>
-            <a:spLocks noGrp="1"/>
-          </p:cNvSpPr>
-          <p:nvPr>
-            <p:ph idx="1"/>
-          </p:nvPr>
-        </p:nvSpPr>
-        <p:spPr/>
-        <p:txBody>
-          <a:bodyPr/>
-          <a:lstStyle/>
-          <a:p>
-            <a:r>
-              <a:rPr lang="zh-CN" altLang="en-US" dirty="0" smtClean="0"/>
-              <a:t>多线程网站统计访问人数</a:t>
-            </a:r>
-            <a:endParaRPr lang="en-US" altLang="zh-CN" dirty="0" smtClean="0"/>
-          </a:p>
-          <a:p>
-            <a:pPr lvl="1"/>
-            <a:r>
-              <a:rPr lang="zh-CN" altLang="en-US" dirty="0" smtClean="0"/>
-              <a:t>使用锁，维护计数器的串行访问与安全性</a:t>
-            </a:r>
-            <a:endParaRPr lang="en-US" altLang="zh-CN" dirty="0" smtClean="0"/>
-          </a:p>
-          <a:p>
-            <a:r>
-              <a:rPr lang="zh-CN" altLang="en-US" dirty="0" smtClean="0"/>
-              <a:t>多线程访问</a:t>
-            </a:r>
-            <a:r>
-              <a:rPr lang="en-US" altLang="zh-CN" dirty="0" err="1"/>
-              <a:t>ArrayList</a:t>
-            </a:r>
-            <a:endParaRPr lang="en-US" altLang="zh-CN" dirty="0" smtClean="0"/>
-          </a:p>
-          <a:p>
-            <a:endParaRPr lang="zh-CN" altLang="en-US" dirty="0"/>
-          </a:p>
-        </p:txBody>
-      </p:sp>
-      <p:sp>
-        <p:nvSpPr>
-          <p:cNvPr id="4" name="TextBox 3"/>
-          <p:cNvSpPr txBox="1"/>
-          <p:nvPr/>
-        </p:nvSpPr>
-        <p:spPr>
-          <a:xfrm>
-            <a:off x="701750" y="2637706"/>
-            <a:ext cx="7344816" cy="3539430"/>
-          </a:xfrm>
-          <a:prstGeom prst="rect">
-            <a:avLst/>
-          </a:prstGeom>
-        </p:spPr>
-        <p:style>
-          <a:lnRef idx="2">
-            <a:schemeClr val="accent1"/>
-          </a:lnRef>
-          <a:fillRef idx="1">
-            <a:schemeClr val="lt1"/>
-          </a:fillRef>
-          <a:effectRef idx="0">
-            <a:schemeClr val="accent1"/>
-          </a:effectRef>
-          <a:fontRef idx="minor">
-            <a:schemeClr val="dk1"/>
-          </a:fontRef>
-        </p:style>
-        <p:txBody>
-          <a:bodyPr wrap="square" rtlCol="0">
-            <a:spAutoFit/>
-          </a:bodyPr>
-          <a:lstStyle/>
-          <a:p>
-            <a:r>
-              <a:rPr lang="en-US" altLang="zh-CN" sz="1400" dirty="0"/>
-              <a:t>public static List&lt;Integer&gt; </a:t>
-            </a:r>
-            <a:r>
-              <a:rPr lang="en-US" altLang="zh-CN" sz="1400" dirty="0" err="1"/>
-              <a:t>numberList</a:t>
-            </a:r>
-            <a:r>
-              <a:rPr lang="en-US" altLang="zh-CN" sz="1400" dirty="0"/>
-              <a:t> =new </a:t>
-            </a:r>
-            <a:r>
-              <a:rPr lang="en-US" altLang="zh-CN" sz="1400" dirty="0" err="1"/>
-              <a:t>ArrayList</a:t>
-            </a:r>
-            <a:r>
-              <a:rPr lang="en-US" altLang="zh-CN" sz="1400" dirty="0"/>
-              <a:t>&lt;Integer&gt;();</a:t>
-            </a:r>
-          </a:p>
-          <a:p>
-            <a:r>
-              <a:rPr lang="en-US" altLang="zh-CN" sz="1400" dirty="0"/>
-              <a:t>public static class </a:t>
-            </a:r>
-            <a:r>
-              <a:rPr lang="en-US" altLang="zh-CN" sz="1400" dirty="0" err="1"/>
-              <a:t>AddToList</a:t>
-            </a:r>
-            <a:r>
-              <a:rPr lang="en-US" altLang="zh-CN" sz="1400" dirty="0"/>
-              <a:t> implements Runnable{</a:t>
-            </a:r>
-          </a:p>
-          <a:p>
-            <a:r>
-              <a:rPr lang="en-US" altLang="zh-CN" sz="1400" dirty="0"/>
-              <a:t>	</a:t>
-            </a:r>
-            <a:r>
-              <a:rPr lang="en-US" altLang="zh-CN" sz="1400" dirty="0" err="1"/>
-              <a:t>int</a:t>
-            </a:r>
-            <a:r>
-              <a:rPr lang="en-US" altLang="zh-CN" sz="1400" dirty="0"/>
-              <a:t> </a:t>
-            </a:r>
-            <a:r>
-              <a:rPr lang="en-US" altLang="zh-CN" sz="1400" dirty="0" err="1"/>
-              <a:t>startnum</a:t>
-            </a:r>
-            <a:r>
-              <a:rPr lang="en-US" altLang="zh-CN" sz="1400" dirty="0"/>
-              <a:t>=0;</a:t>
-            </a:r>
-          </a:p>
-          <a:p>
-            <a:r>
-              <a:rPr lang="en-US" altLang="zh-CN" sz="1400" dirty="0"/>
-              <a:t>	public </a:t>
-            </a:r>
-            <a:r>
-              <a:rPr lang="en-US" altLang="zh-CN" sz="1400" dirty="0" err="1"/>
-              <a:t>AddToList</a:t>
-            </a:r>
-            <a:r>
-              <a:rPr lang="en-US" altLang="zh-CN" sz="1400" dirty="0"/>
-              <a:t>(</a:t>
-            </a:r>
-            <a:r>
-              <a:rPr lang="en-US" altLang="zh-CN" sz="1400" dirty="0" err="1"/>
-              <a:t>int</a:t>
-            </a:r>
-            <a:r>
-              <a:rPr lang="en-US" altLang="zh-CN" sz="1400" dirty="0"/>
-              <a:t> </a:t>
-            </a:r>
-            <a:r>
-              <a:rPr lang="en-US" altLang="zh-CN" sz="1400" dirty="0" err="1"/>
-              <a:t>startnumber</a:t>
-            </a:r>
-            <a:r>
-              <a:rPr lang="en-US" altLang="zh-CN" sz="1400" dirty="0"/>
-              <a:t>){</a:t>
-            </a:r>
-          </a:p>
-          <a:p>
-            <a:r>
-              <a:rPr lang="en-US" altLang="zh-CN" sz="1400" dirty="0"/>
-              <a:t>		</a:t>
-            </a:r>
-            <a:r>
-              <a:rPr lang="en-US" altLang="zh-CN" sz="1400" dirty="0" err="1"/>
-              <a:t>startnum</a:t>
-            </a:r>
-            <a:r>
-              <a:rPr lang="en-US" altLang="zh-CN" sz="1400" dirty="0"/>
-              <a:t>=</a:t>
-            </a:r>
-            <a:r>
-              <a:rPr lang="en-US" altLang="zh-CN" sz="1400" dirty="0" err="1"/>
-              <a:t>startnumber</a:t>
-            </a:r>
-            <a:r>
-              <a:rPr lang="en-US" altLang="zh-CN" sz="1400" dirty="0"/>
-              <a:t>;</a:t>
-            </a:r>
-          </a:p>
-          <a:p>
-            <a:r>
-              <a:rPr lang="en-US" altLang="zh-CN" sz="1400" dirty="0"/>
-              <a:t>	}</a:t>
-            </a:r>
-          </a:p>
-          <a:p>
-            <a:r>
-              <a:rPr lang="en-US" altLang="zh-CN" sz="1400" dirty="0"/>
-              <a:t>	@Override</a:t>
-            </a:r>
-          </a:p>
-          <a:p>
-            <a:r>
-              <a:rPr lang="en-US" altLang="zh-CN" sz="1400" dirty="0"/>
-              <a:t>	public void run() {</a:t>
-            </a:r>
-          </a:p>
-          <a:p>
-            <a:r>
-              <a:rPr lang="en-US" altLang="zh-CN" sz="1400" dirty="0"/>
-              <a:t>		</a:t>
-            </a:r>
-            <a:r>
-              <a:rPr lang="en-US" altLang="zh-CN" sz="1400" dirty="0" err="1"/>
-              <a:t>int</a:t>
-            </a:r>
-            <a:r>
-              <a:rPr lang="en-US" altLang="zh-CN" sz="1400" dirty="0"/>
-              <a:t> count=0;</a:t>
-            </a:r>
-          </a:p>
-          <a:p>
-            <a:r>
-              <a:rPr lang="en-US" altLang="zh-CN" sz="1400" dirty="0"/>
-              <a:t>		while(count&lt;1000000){</a:t>
-            </a:r>
-          </a:p>
-          <a:p>
-            <a:r>
-              <a:rPr lang="en-US" altLang="zh-CN" sz="1400" dirty="0"/>
-              <a:t>			</a:t>
-            </a:r>
-            <a:r>
-              <a:rPr lang="en-US" altLang="zh-CN" sz="1400" dirty="0" err="1"/>
-              <a:t>numberList.add</a:t>
-            </a:r>
-            <a:r>
-              <a:rPr lang="en-US" altLang="zh-CN" sz="1400" dirty="0"/>
-              <a:t>(</a:t>
-            </a:r>
-            <a:r>
-              <a:rPr lang="en-US" altLang="zh-CN" sz="1400" dirty="0" err="1"/>
-              <a:t>startnum</a:t>
-            </a:r>
-            <a:r>
-              <a:rPr lang="en-US" altLang="zh-CN" sz="1400" dirty="0"/>
-              <a:t>);</a:t>
-            </a:r>
-          </a:p>
-          <a:p>
-            <a:r>
-              <a:rPr lang="en-US" altLang="zh-CN" sz="1400" dirty="0"/>
-              <a:t>			</a:t>
-            </a:r>
-            <a:r>
-              <a:rPr lang="en-US" altLang="zh-CN" sz="1400" dirty="0" err="1"/>
-              <a:t>startnum</a:t>
-            </a:r>
-            <a:r>
-              <a:rPr lang="en-US" altLang="zh-CN" sz="1400" dirty="0"/>
-              <a:t>+=2;</a:t>
-            </a:r>
-          </a:p>
-          <a:p>
-            <a:r>
-              <a:rPr lang="en-US" altLang="zh-CN" sz="1400" dirty="0"/>
-              <a:t>			count++;</a:t>
-            </a:r>
-          </a:p>
-          <a:p>
-            <a:r>
-              <a:rPr lang="en-US" altLang="zh-CN" sz="1400" dirty="0"/>
-              <a:t>		}</a:t>
-            </a:r>
-          </a:p>
-          <a:p>
-            <a:r>
-              <a:rPr lang="en-US" altLang="zh-CN" sz="1400" dirty="0"/>
-              <a:t>	}</a:t>
-            </a:r>
-          </a:p>
-          <a:p>
-            <a:r>
-              <a:rPr lang="en-US" altLang="zh-CN" sz="1400" dirty="0"/>
-              <a:t>}</a:t>
-            </a:r>
-            <a:endParaRPr lang="zh-CN" altLang="en-US" sz="1400" dirty="0"/>
-          </a:p>
-        </p:txBody>
-      </p:sp>
-    </p:spTree>
-    <p:extLst>
-      <p:ext uri="{BB962C8B-B14F-4D97-AF65-F5344CB8AC3E}">
-        <p14:creationId xmlns:p14="http://schemas.microsoft.com/office/powerpoint/2010/main" val="1371168161"/>
-      </p:ext>
-    </p:extLst>
-  </p:cSld>
-  <p:clrMapOvr>
-    <a:masterClrMapping/>
-  </p:clrMapOvr>
-  <p:timing>
-    <p:tnLst>
-      <p:par>
-        <p:cTn id="1" dur="indefinite" restart="never" nodeType="tmRoot"/>
-      </p:par>
-    </p:tnLst>
-  </p:timing>
-</p:sld>
-</file>
-
-<file path=ppt/slides/slide5.xml><?xml version="1.0" encoding="utf-8"?>
-<p:sld xmlns:a="http://schemas.openxmlformats.org/drawingml/2006/main" xmlns:r="http://schemas.openxmlformats.org/officeDocument/2006/relationships" xmlns:p="http://schemas.openxmlformats.org/presentationml/2006/main">
-  <p:cSld>
-    <p:spTree>
-      <p:nvGrpSpPr>
-        <p:cNvPr id="1" name=""/>
-        <p:cNvGrpSpPr/>
-        <p:nvPr/>
-      </p:nvGrpSpPr>
-      <p:grpSpPr>
-        <a:xfrm>
-          <a:off x="0" y="0"/>
-          <a:ext cx="0" cy="0"/>
-          <a:chOff x="0" y="0"/>
-          <a:chExt cx="0" cy="0"/>
-        </a:xfrm>
-      </p:grpSpPr>
-      <p:sp>
-        <p:nvSpPr>
-          <p:cNvPr id="2" name="标题 1"/>
-          <p:cNvSpPr>
-            <a:spLocks noGrp="1"/>
-          </p:cNvSpPr>
-          <p:nvPr>
-            <p:ph type="title"/>
-          </p:nvPr>
-        </p:nvSpPr>
-        <p:spPr/>
-        <p:txBody>
-          <a:bodyPr/>
-          <a:lstStyle/>
-          <a:p>
-            <a:r>
               <a:rPr lang="zh-CN" altLang="en-US" dirty="0"/>
               <a:t>线程安全</a:t>
             </a:r>
+            <a:endParaRPr lang="zh-CN" altLang="en-US" dirty="0"/>
           </a:p>
         </p:txBody>
       </p:sp>
@@ -12331,6 +11201,7 @@
               <a:rPr lang="en-US" altLang="zh-CN" dirty="0"/>
               <a:t> {</a:t>
             </a:r>
+            <a:endParaRPr lang="en-US" altLang="zh-CN" dirty="0"/>
           </a:p>
           <a:p>
             <a:r>
@@ -12345,6 +11216,7 @@
               <a:rPr lang="en-US" altLang="zh-CN" dirty="0"/>
               <a:t>(0));</a:t>
             </a:r>
+            <a:endParaRPr lang="en-US" altLang="zh-CN" dirty="0"/>
           </a:p>
           <a:p>
             <a:r>
@@ -12359,24 +11231,28 @@
               <a:rPr lang="en-US" altLang="zh-CN" dirty="0"/>
               <a:t>(1));</a:t>
             </a:r>
+            <a:endParaRPr lang="en-US" altLang="zh-CN" dirty="0"/>
           </a:p>
           <a:p>
             <a:r>
               <a:rPr lang="en-US" altLang="zh-CN" dirty="0"/>
               <a:t>	t1.start();</a:t>
             </a:r>
+            <a:endParaRPr lang="en-US" altLang="zh-CN" dirty="0"/>
           </a:p>
           <a:p>
             <a:r>
               <a:rPr lang="en-US" altLang="zh-CN" dirty="0"/>
               <a:t>	t2.start();</a:t>
             </a:r>
+            <a:endParaRPr lang="en-US" altLang="zh-CN" dirty="0"/>
           </a:p>
           <a:p>
             <a:r>
               <a:rPr lang="en-US" altLang="zh-CN" dirty="0"/>
               <a:t>	while(t1.isAlive() || t2.isAlive()){</a:t>
             </a:r>
+            <a:endParaRPr lang="en-US" altLang="zh-CN" dirty="0"/>
           </a:p>
           <a:p>
             <a:r>
@@ -12391,12 +11267,14 @@
               <a:rPr lang="en-US" altLang="zh-CN" dirty="0"/>
               <a:t>(1);</a:t>
             </a:r>
+            <a:endParaRPr lang="en-US" altLang="zh-CN" dirty="0"/>
           </a:p>
           <a:p>
             <a:r>
               <a:rPr lang="en-US" altLang="zh-CN" dirty="0"/>
               <a:t>	}</a:t>
             </a:r>
+            <a:endParaRPr lang="en-US" altLang="zh-CN" dirty="0"/>
           </a:p>
           <a:p>
             <a:r>
@@ -12419,6 +11297,7 @@
               <a:rPr lang="en-US" altLang="zh-CN" dirty="0"/>
               <a:t>());</a:t>
             </a:r>
+            <a:endParaRPr lang="en-US" altLang="zh-CN" dirty="0"/>
           </a:p>
           <a:p>
             <a:r>
@@ -12438,7 +11317,7 @@
           <p:nvPr/>
         </p:nvPicPr>
         <p:blipFill>
-          <a:blip r:embed="rId2">
+          <a:blip r:embed="rId1">
             <a:extLst>
               <a:ext uri="{28A0092B-C50C-407E-A947-70E740481C1C}">
                 <a14:useLocalDpi xmlns:a14="http://schemas.microsoft.com/office/drawing/2010/main" val="0"/>
@@ -12494,11 +11373,6 @@
         </p:spPr>
       </p:pic>
     </p:spTree>
-    <p:extLst>
-      <p:ext uri="{BB962C8B-B14F-4D97-AF65-F5344CB8AC3E}">
-        <p14:creationId xmlns:p14="http://schemas.microsoft.com/office/powerpoint/2010/main" val="482244129"/>
-      </p:ext>
-    </p:extLst>
   </p:cSld>
   <p:clrMapOvr>
     <a:masterClrMapping/>
@@ -12627,6 +11501,331 @@
 </p:sld>
 </file>
 
+<file path=ppt/slides/slide4.xml><?xml version="1.0" encoding="utf-8"?>
+<p:sld xmlns:a="http://schemas.openxmlformats.org/drawingml/2006/main" xmlns:r="http://schemas.openxmlformats.org/officeDocument/2006/relationships" xmlns:p="http://schemas.openxmlformats.org/presentationml/2006/main">
+  <p:cSld>
+    <p:spTree>
+      <p:nvGrpSpPr>
+        <p:cNvPr id="1" name=""/>
+        <p:cNvGrpSpPr/>
+        <p:nvPr/>
+      </p:nvGrpSpPr>
+      <p:grpSpPr>
+        <a:xfrm>
+          <a:off x="0" y="0"/>
+          <a:ext cx="0" cy="0"/>
+          <a:chOff x="0" y="0"/>
+          <a:chExt cx="0" cy="0"/>
+        </a:xfrm>
+      </p:grpSpPr>
+      <p:sp>
+        <p:nvSpPr>
+          <p:cNvPr id="2" name="标题 1"/>
+          <p:cNvSpPr>
+            <a:spLocks noGrp="1"/>
+          </p:cNvSpPr>
+          <p:nvPr>
+            <p:ph type="title"/>
+          </p:nvPr>
+        </p:nvSpPr>
+        <p:spPr/>
+        <p:txBody>
+          <a:bodyPr/>
+          <a:lstStyle/>
+          <a:p>
+            <a:r>
+              <a:rPr lang="zh-CN" altLang="en-US" dirty="0"/>
+              <a:t>对象头</a:t>
+            </a:r>
+            <a:r>
+              <a:rPr lang="en-US" altLang="zh-CN" dirty="0" smtClean="0"/>
+              <a:t>Mark</a:t>
+            </a:r>
+            <a:endParaRPr lang="zh-CN" altLang="en-US" dirty="0"/>
+          </a:p>
+        </p:txBody>
+      </p:sp>
+      <p:sp>
+        <p:nvSpPr>
+          <p:cNvPr id="3" name="内容占位符 2"/>
+          <p:cNvSpPr>
+            <a:spLocks noGrp="1"/>
+          </p:cNvSpPr>
+          <p:nvPr>
+            <p:ph idx="1"/>
+          </p:nvPr>
+        </p:nvSpPr>
+        <p:spPr/>
+        <p:txBody>
+          <a:bodyPr/>
+          <a:lstStyle/>
+          <a:p>
+            <a:r>
+              <a:rPr lang="en-US" altLang="zh-CN" dirty="0" smtClean="0"/>
+              <a:t>Mark Word</a:t>
+            </a:r>
+            <a:r>
+              <a:rPr lang="zh-CN" altLang="en-US" dirty="0" smtClean="0"/>
+              <a:t>，</a:t>
+            </a:r>
+            <a:r>
+              <a:rPr lang="zh-CN" altLang="en-US" dirty="0"/>
+              <a:t>对象头的标记，</a:t>
+            </a:r>
+            <a:r>
+              <a:rPr lang="en-US" altLang="zh-CN" dirty="0"/>
+              <a:t>32</a:t>
+            </a:r>
+            <a:r>
+              <a:rPr lang="zh-CN" altLang="en-US" dirty="0" smtClean="0"/>
+              <a:t>位</a:t>
+            </a:r>
+            <a:endParaRPr lang="en-US" altLang="zh-CN" dirty="0" smtClean="0"/>
+          </a:p>
+          <a:p>
+            <a:r>
+              <a:rPr lang="zh-CN" altLang="en-US" dirty="0" smtClean="0"/>
+              <a:t>描述</a:t>
+            </a:r>
+            <a:r>
+              <a:rPr lang="zh-CN" altLang="en-US" dirty="0"/>
+              <a:t>对象的</a:t>
+            </a:r>
+            <a:r>
+              <a:rPr lang="en-US" altLang="zh-CN" dirty="0"/>
+              <a:t>hash</a:t>
+            </a:r>
+            <a:r>
+              <a:rPr lang="zh-CN" altLang="en-US" dirty="0"/>
+              <a:t>、锁信息，垃圾回收标记，</a:t>
+            </a:r>
+            <a:r>
+              <a:rPr lang="zh-CN" altLang="en-US" dirty="0" smtClean="0"/>
+              <a:t>年龄</a:t>
+            </a:r>
+            <a:endParaRPr lang="en-US" altLang="zh-CN" dirty="0" smtClean="0"/>
+          </a:p>
+          <a:p>
+            <a:pPr lvl="1"/>
+            <a:r>
+              <a:rPr lang="zh-CN" altLang="en-US" dirty="0" smtClean="0"/>
+              <a:t>指向锁记录的指针</a:t>
+            </a:r>
+            <a:endParaRPr lang="en-US" altLang="zh-CN" dirty="0" smtClean="0"/>
+          </a:p>
+          <a:p>
+            <a:pPr lvl="1"/>
+            <a:r>
+              <a:rPr lang="zh-CN" altLang="en-US" dirty="0" smtClean="0"/>
+              <a:t>指向</a:t>
+            </a:r>
+            <a:r>
+              <a:rPr lang="en-US" altLang="zh-CN" dirty="0" smtClean="0"/>
+              <a:t>monitor</a:t>
+            </a:r>
+            <a:r>
+              <a:rPr lang="zh-CN" altLang="en-US" dirty="0" smtClean="0"/>
+              <a:t>的指针</a:t>
+            </a:r>
+            <a:endParaRPr lang="en-US" altLang="zh-CN" dirty="0" smtClean="0"/>
+          </a:p>
+          <a:p>
+            <a:pPr lvl="1"/>
+            <a:r>
+              <a:rPr lang="en-US" altLang="zh-CN" dirty="0" smtClean="0"/>
+              <a:t>GC</a:t>
+            </a:r>
+            <a:r>
+              <a:rPr lang="zh-CN" altLang="en-US" dirty="0" smtClean="0"/>
+              <a:t>标记</a:t>
+            </a:r>
+            <a:endParaRPr lang="en-US" altLang="zh-CN" dirty="0" smtClean="0"/>
+          </a:p>
+          <a:p>
+            <a:pPr lvl="1"/>
+            <a:r>
+              <a:rPr lang="zh-CN" altLang="en-US" dirty="0" smtClean="0"/>
+              <a:t>偏向锁线程</a:t>
+            </a:r>
+            <a:r>
+              <a:rPr lang="en-US" altLang="zh-CN" dirty="0" smtClean="0"/>
+              <a:t>ID</a:t>
+            </a:r>
+            <a:endParaRPr lang="zh-CN" altLang="en-US" dirty="0"/>
+          </a:p>
+        </p:txBody>
+      </p:sp>
+    </p:spTree>
+  </p:cSld>
+  <p:clrMapOvr>
+    <a:masterClrMapping/>
+  </p:clrMapOvr>
+  <p:timing>
+    <p:tnLst>
+      <p:par>
+        <p:cTn id="1" dur="indefinite" restart="never" nodeType="tmRoot"/>
+      </p:par>
+    </p:tnLst>
+  </p:timing>
+</p:sld>
+</file>
+
+<file path=ppt/slides/slide5.xml><?xml version="1.0" encoding="utf-8"?>
+<p:sld xmlns:a="http://schemas.openxmlformats.org/drawingml/2006/main" xmlns:r="http://schemas.openxmlformats.org/officeDocument/2006/relationships" xmlns:p="http://schemas.openxmlformats.org/presentationml/2006/main">
+  <p:cSld>
+    <p:spTree>
+      <p:nvGrpSpPr>
+        <p:cNvPr id="1" name=""/>
+        <p:cNvGrpSpPr/>
+        <p:nvPr/>
+      </p:nvGrpSpPr>
+      <p:grpSpPr>
+        <a:xfrm>
+          <a:off x="0" y="0"/>
+          <a:ext cx="0" cy="0"/>
+          <a:chOff x="0" y="0"/>
+          <a:chExt cx="0" cy="0"/>
+        </a:xfrm>
+      </p:grpSpPr>
+      <p:sp>
+        <p:nvSpPr>
+          <p:cNvPr id="2" name="标题 1"/>
+          <p:cNvSpPr>
+            <a:spLocks noGrp="1"/>
+          </p:cNvSpPr>
+          <p:nvPr>
+            <p:ph type="title"/>
+          </p:nvPr>
+        </p:nvSpPr>
+        <p:spPr/>
+        <p:txBody>
+          <a:bodyPr/>
+          <a:lstStyle/>
+          <a:p>
+            <a:r>
+              <a:rPr lang="zh-CN" altLang="en-US" dirty="0"/>
+              <a:t>偏向</a:t>
+            </a:r>
+            <a:r>
+              <a:rPr lang="zh-CN" altLang="en-US" dirty="0" smtClean="0"/>
+              <a:t>锁</a:t>
+            </a:r>
+            <a:endParaRPr lang="zh-CN" altLang="en-US" dirty="0"/>
+          </a:p>
+        </p:txBody>
+      </p:sp>
+      <p:sp>
+        <p:nvSpPr>
+          <p:cNvPr id="3" name="内容占位符 2"/>
+          <p:cNvSpPr>
+            <a:spLocks noGrp="1"/>
+          </p:cNvSpPr>
+          <p:nvPr>
+            <p:ph idx="1"/>
+          </p:nvPr>
+        </p:nvSpPr>
+        <p:spPr/>
+        <p:txBody>
+          <a:bodyPr/>
+          <a:lstStyle/>
+          <a:p>
+            <a:r>
+              <a:rPr lang="zh-CN" altLang="en-US" dirty="0" smtClean="0"/>
+              <a:t>大部分情况是没有竞争的，所以可以通过偏向来提高性能</a:t>
+            </a:r>
+            <a:endParaRPr lang="en-US" altLang="zh-CN" dirty="0" smtClean="0"/>
+          </a:p>
+          <a:p>
+            <a:r>
+              <a:rPr lang="zh-CN" altLang="en-US" dirty="0" smtClean="0"/>
+              <a:t>所谓的偏向，就是偏心，即锁会偏向于当前已经占有锁的线程</a:t>
+            </a:r>
+            <a:endParaRPr lang="en-US" altLang="zh-CN" dirty="0" smtClean="0"/>
+          </a:p>
+          <a:p>
+            <a:r>
+              <a:rPr lang="zh-CN" altLang="en-US" dirty="0" smtClean="0"/>
+              <a:t>将对象头</a:t>
+            </a:r>
+            <a:r>
+              <a:rPr lang="en-US" altLang="zh-CN" dirty="0" smtClean="0"/>
+              <a:t>Mark</a:t>
+            </a:r>
+            <a:r>
+              <a:rPr lang="zh-CN" altLang="en-US" dirty="0" smtClean="0"/>
+              <a:t>的标记设置为偏向，并将线程</a:t>
+            </a:r>
+            <a:r>
+              <a:rPr lang="en-US" altLang="zh-CN" dirty="0" smtClean="0"/>
+              <a:t>ID</a:t>
+            </a:r>
+            <a:r>
+              <a:rPr lang="zh-CN" altLang="en-US" dirty="0" smtClean="0"/>
+              <a:t>写入对象头</a:t>
+            </a:r>
+            <a:r>
+              <a:rPr lang="en-US" altLang="zh-CN" dirty="0" smtClean="0"/>
+              <a:t>Mark</a:t>
+            </a:r>
+            <a:endParaRPr lang="en-US" altLang="zh-CN" dirty="0" smtClean="0"/>
+          </a:p>
+          <a:p>
+            <a:r>
+              <a:rPr lang="zh-CN" altLang="en-US" dirty="0" smtClean="0"/>
+              <a:t>只要没有竞争，获得偏向锁的线程，在将来进入同步块，不需要做同步</a:t>
+            </a:r>
+            <a:endParaRPr lang="en-US" altLang="zh-CN" dirty="0" smtClean="0"/>
+          </a:p>
+          <a:p>
+            <a:r>
+              <a:rPr lang="zh-CN" altLang="en-US" dirty="0" smtClean="0"/>
+              <a:t>当其他线程请求相同的锁时，偏向模式结束</a:t>
+            </a:r>
+            <a:endParaRPr lang="en-US" altLang="zh-CN" dirty="0" smtClean="0"/>
+          </a:p>
+          <a:p>
+            <a:r>
+              <a:rPr lang="en-US" altLang="zh-CN" dirty="0"/>
+              <a:t>-XX:+</a:t>
+            </a:r>
+            <a:r>
+              <a:rPr lang="en-US" altLang="zh-CN" dirty="0" err="1" smtClean="0"/>
+              <a:t>UseBiasedLocking</a:t>
+            </a:r>
+            <a:endParaRPr lang="en-US" altLang="zh-CN" dirty="0" smtClean="0"/>
+          </a:p>
+          <a:p>
+            <a:pPr lvl="1"/>
+            <a:r>
+              <a:rPr lang="zh-CN" altLang="en-US" dirty="0" smtClean="0"/>
+              <a:t>默认启用</a:t>
+            </a:r>
+            <a:endParaRPr lang="en-US" altLang="zh-CN" dirty="0" smtClean="0"/>
+          </a:p>
+          <a:p>
+            <a:r>
+              <a:rPr lang="zh-CN" altLang="en-US" dirty="0" smtClean="0"/>
+              <a:t>在竞争激烈的场合，偏向锁会增加系统负担</a:t>
+            </a:r>
+            <a:endParaRPr lang="en-US" altLang="zh-CN" dirty="0" smtClean="0"/>
+          </a:p>
+        </p:txBody>
+      </p:sp>
+    </p:spTree>
+  </p:cSld>
+  <p:clrMapOvr>
+    <a:masterClrMapping/>
+  </p:clrMapOvr>
+  <p:timing>
+    <p:tnLst>
+      <p:par>
+        <p:cTn id="1" dur="indefinite" restart="never" nodeType="tmRoot"/>
+      </p:par>
+    </p:tnLst>
+  </p:timing>
+</p:sld>
+</file>
+
 <file path=ppt/slides/slide6.xml><?xml version="1.0" encoding="utf-8"?>
 <p:sld xmlns:a="http://schemas.openxmlformats.org/drawingml/2006/main" xmlns:r="http://schemas.openxmlformats.org/officeDocument/2006/relationships" xmlns:p="http://schemas.openxmlformats.org/presentationml/2006/main">
   <p:cSld>
@@ -12661,342 +11860,9 @@
           <a:p>
             <a:r>
               <a:rPr lang="zh-CN" altLang="en-US" dirty="0"/>
-              <a:t>对象头</a:t>
-            </a:r>
-            <a:r>
-              <a:rPr lang="en-US" altLang="zh-CN" dirty="0" smtClean="0"/>
-              <a:t>Mark</a:t>
+              <a:t>偏向锁</a:t>
             </a:r>
             <a:endParaRPr lang="zh-CN" altLang="en-US" dirty="0"/>
-          </a:p>
-        </p:txBody>
-      </p:sp>
-      <p:sp>
-        <p:nvSpPr>
-          <p:cNvPr id="3" name="内容占位符 2"/>
-          <p:cNvSpPr>
-            <a:spLocks noGrp="1"/>
-          </p:cNvSpPr>
-          <p:nvPr>
-            <p:ph idx="1"/>
-          </p:nvPr>
-        </p:nvSpPr>
-        <p:spPr/>
-        <p:txBody>
-          <a:bodyPr/>
-          <a:lstStyle/>
-          <a:p>
-            <a:r>
-              <a:rPr lang="en-US" altLang="zh-CN" dirty="0" smtClean="0"/>
-              <a:t>Mark Word</a:t>
-            </a:r>
-            <a:r>
-              <a:rPr lang="zh-CN" altLang="en-US" dirty="0" smtClean="0"/>
-              <a:t>，</a:t>
-            </a:r>
-            <a:r>
-              <a:rPr lang="zh-CN" altLang="en-US" dirty="0"/>
-              <a:t>对象头的标记，</a:t>
-            </a:r>
-            <a:r>
-              <a:rPr lang="en-US" altLang="zh-CN" dirty="0"/>
-              <a:t>32</a:t>
-            </a:r>
-            <a:r>
-              <a:rPr lang="zh-CN" altLang="en-US" dirty="0" smtClean="0"/>
-              <a:t>位</a:t>
-            </a:r>
-            <a:endParaRPr lang="en-US" altLang="zh-CN" dirty="0" smtClean="0"/>
-          </a:p>
-          <a:p>
-            <a:r>
-              <a:rPr lang="zh-CN" altLang="en-US" dirty="0" smtClean="0"/>
-              <a:t>描述</a:t>
-            </a:r>
-            <a:r>
-              <a:rPr lang="zh-CN" altLang="en-US" dirty="0"/>
-              <a:t>对象的</a:t>
-            </a:r>
-            <a:r>
-              <a:rPr lang="en-US" altLang="zh-CN" dirty="0"/>
-              <a:t>hash</a:t>
-            </a:r>
-            <a:r>
-              <a:rPr lang="zh-CN" altLang="en-US" dirty="0"/>
-              <a:t>、锁信息，垃圾回收标记，</a:t>
-            </a:r>
-            <a:r>
-              <a:rPr lang="zh-CN" altLang="en-US" dirty="0" smtClean="0"/>
-              <a:t>年龄</a:t>
-            </a:r>
-            <a:endParaRPr lang="en-US" altLang="zh-CN" dirty="0" smtClean="0"/>
-          </a:p>
-          <a:p>
-            <a:pPr lvl="1"/>
-            <a:r>
-              <a:rPr lang="zh-CN" altLang="en-US" dirty="0" smtClean="0"/>
-              <a:t>指向锁记录的指针</a:t>
-            </a:r>
-            <a:endParaRPr lang="en-US" altLang="zh-CN" dirty="0" smtClean="0"/>
-          </a:p>
-          <a:p>
-            <a:pPr lvl="1"/>
-            <a:r>
-              <a:rPr lang="zh-CN" altLang="en-US" dirty="0" smtClean="0"/>
-              <a:t>指向</a:t>
-            </a:r>
-            <a:r>
-              <a:rPr lang="en-US" altLang="zh-CN" dirty="0" smtClean="0"/>
-              <a:t>monitor</a:t>
-            </a:r>
-            <a:r>
-              <a:rPr lang="zh-CN" altLang="en-US" dirty="0" smtClean="0"/>
-              <a:t>的指针</a:t>
-            </a:r>
-            <a:endParaRPr lang="en-US" altLang="zh-CN" dirty="0" smtClean="0"/>
-          </a:p>
-          <a:p>
-            <a:pPr lvl="1"/>
-            <a:r>
-              <a:rPr lang="en-US" altLang="zh-CN" dirty="0" smtClean="0"/>
-              <a:t>GC</a:t>
-            </a:r>
-            <a:r>
-              <a:rPr lang="zh-CN" altLang="en-US" dirty="0" smtClean="0"/>
-              <a:t>标记</a:t>
-            </a:r>
-            <a:endParaRPr lang="en-US" altLang="zh-CN" dirty="0" smtClean="0"/>
-          </a:p>
-          <a:p>
-            <a:pPr lvl="1"/>
-            <a:r>
-              <a:rPr lang="zh-CN" altLang="en-US" dirty="0" smtClean="0"/>
-              <a:t>偏向锁线程</a:t>
-            </a:r>
-            <a:r>
-              <a:rPr lang="en-US" altLang="zh-CN" dirty="0" smtClean="0"/>
-              <a:t>ID</a:t>
-            </a:r>
-            <a:endParaRPr lang="zh-CN" altLang="en-US" dirty="0"/>
-          </a:p>
-        </p:txBody>
-      </p:sp>
-    </p:spTree>
-    <p:extLst>
-      <p:ext uri="{BB962C8B-B14F-4D97-AF65-F5344CB8AC3E}">
-        <p14:creationId xmlns:p14="http://schemas.microsoft.com/office/powerpoint/2010/main" val="548556101"/>
-      </p:ext>
-    </p:extLst>
-  </p:cSld>
-  <p:clrMapOvr>
-    <a:masterClrMapping/>
-  </p:clrMapOvr>
-  <p:timing>
-    <p:tnLst>
-      <p:par>
-        <p:cTn id="1" dur="indefinite" restart="never" nodeType="tmRoot"/>
-      </p:par>
-    </p:tnLst>
-  </p:timing>
-</p:sld>
-</file>
-
-<file path=ppt/slides/slide7.xml><?xml version="1.0" encoding="utf-8"?>
-<p:sld xmlns:a="http://schemas.openxmlformats.org/drawingml/2006/main" xmlns:r="http://schemas.openxmlformats.org/officeDocument/2006/relationships" xmlns:p="http://schemas.openxmlformats.org/presentationml/2006/main">
-  <p:cSld>
-    <p:spTree>
-      <p:nvGrpSpPr>
-        <p:cNvPr id="1" name=""/>
-        <p:cNvGrpSpPr/>
-        <p:nvPr/>
-      </p:nvGrpSpPr>
-      <p:grpSpPr>
-        <a:xfrm>
-          <a:off x="0" y="0"/>
-          <a:ext cx="0" cy="0"/>
-          <a:chOff x="0" y="0"/>
-          <a:chExt cx="0" cy="0"/>
-        </a:xfrm>
-      </p:grpSpPr>
-      <p:sp>
-        <p:nvSpPr>
-          <p:cNvPr id="2" name="标题 1"/>
-          <p:cNvSpPr>
-            <a:spLocks noGrp="1"/>
-          </p:cNvSpPr>
-          <p:nvPr>
-            <p:ph type="title"/>
-          </p:nvPr>
-        </p:nvSpPr>
-        <p:spPr/>
-        <p:txBody>
-          <a:bodyPr/>
-          <a:lstStyle/>
-          <a:p>
-            <a:r>
-              <a:rPr lang="zh-CN" altLang="en-US" dirty="0"/>
-              <a:t>偏向</a:t>
-            </a:r>
-            <a:r>
-              <a:rPr lang="zh-CN" altLang="en-US" dirty="0" smtClean="0"/>
-              <a:t>锁</a:t>
-            </a:r>
-            <a:endParaRPr lang="zh-CN" altLang="en-US" dirty="0"/>
-          </a:p>
-        </p:txBody>
-      </p:sp>
-      <p:sp>
-        <p:nvSpPr>
-          <p:cNvPr id="3" name="内容占位符 2"/>
-          <p:cNvSpPr>
-            <a:spLocks noGrp="1"/>
-          </p:cNvSpPr>
-          <p:nvPr>
-            <p:ph idx="1"/>
-          </p:nvPr>
-        </p:nvSpPr>
-        <p:spPr/>
-        <p:txBody>
-          <a:bodyPr/>
-          <a:lstStyle/>
-          <a:p>
-            <a:r>
-              <a:rPr lang="zh-CN" altLang="en-US" dirty="0" smtClean="0"/>
-              <a:t>大部分情况是没有竞争的，所以可以通过偏向来提高性能</a:t>
-            </a:r>
-            <a:endParaRPr lang="en-US" altLang="zh-CN" dirty="0" smtClean="0"/>
-          </a:p>
-          <a:p>
-            <a:r>
-              <a:rPr lang="zh-CN" altLang="en-US" dirty="0" smtClean="0"/>
-              <a:t>所谓的偏向，就是偏心，即锁会偏向于当前已经占有锁的线程</a:t>
-            </a:r>
-            <a:endParaRPr lang="en-US" altLang="zh-CN" dirty="0" smtClean="0"/>
-          </a:p>
-          <a:p>
-            <a:r>
-              <a:rPr lang="zh-CN" altLang="en-US" dirty="0" smtClean="0"/>
-              <a:t>将对象头</a:t>
-            </a:r>
-            <a:r>
-              <a:rPr lang="en-US" altLang="zh-CN" dirty="0" smtClean="0"/>
-              <a:t>Mark</a:t>
-            </a:r>
-            <a:r>
-              <a:rPr lang="zh-CN" altLang="en-US" dirty="0" smtClean="0"/>
-              <a:t>的标记设置为偏向，并将线程</a:t>
-            </a:r>
-            <a:r>
-              <a:rPr lang="en-US" altLang="zh-CN" dirty="0" smtClean="0"/>
-              <a:t>ID</a:t>
-            </a:r>
-            <a:r>
-              <a:rPr lang="zh-CN" altLang="en-US" dirty="0" smtClean="0"/>
-              <a:t>写入对象头</a:t>
-            </a:r>
-            <a:r>
-              <a:rPr lang="en-US" altLang="zh-CN" dirty="0" smtClean="0"/>
-              <a:t>Mark</a:t>
-            </a:r>
-          </a:p>
-          <a:p>
-            <a:r>
-              <a:rPr lang="zh-CN" altLang="en-US" dirty="0" smtClean="0"/>
-              <a:t>只要没有竞争，获得偏向锁的线程，在将来进入同步块，不需要做同步</a:t>
-            </a:r>
-            <a:endParaRPr lang="en-US" altLang="zh-CN" dirty="0" smtClean="0"/>
-          </a:p>
-          <a:p>
-            <a:r>
-              <a:rPr lang="zh-CN" altLang="en-US" dirty="0" smtClean="0"/>
-              <a:t>当其他线程请求相同的锁时，偏向模式结束</a:t>
-            </a:r>
-            <a:endParaRPr lang="en-US" altLang="zh-CN" dirty="0" smtClean="0"/>
-          </a:p>
-          <a:p>
-            <a:r>
-              <a:rPr lang="en-US" altLang="zh-CN" dirty="0"/>
-              <a:t>-XX:+</a:t>
-            </a:r>
-            <a:r>
-              <a:rPr lang="en-US" altLang="zh-CN" dirty="0" err="1" smtClean="0"/>
-              <a:t>UseBiasedLocking</a:t>
-            </a:r>
-            <a:endParaRPr lang="en-US" altLang="zh-CN" dirty="0" smtClean="0"/>
-          </a:p>
-          <a:p>
-            <a:pPr lvl="1"/>
-            <a:r>
-              <a:rPr lang="zh-CN" altLang="en-US" dirty="0" smtClean="0"/>
-              <a:t>默认启用</a:t>
-            </a:r>
-            <a:endParaRPr lang="en-US" altLang="zh-CN" dirty="0" smtClean="0"/>
-          </a:p>
-          <a:p>
-            <a:r>
-              <a:rPr lang="zh-CN" altLang="en-US" dirty="0" smtClean="0"/>
-              <a:t>在竞争激烈的场合，偏向锁会增加系统负担</a:t>
-            </a:r>
-            <a:endParaRPr lang="en-US" altLang="zh-CN" dirty="0" smtClean="0"/>
-          </a:p>
-        </p:txBody>
-      </p:sp>
-    </p:spTree>
-    <p:extLst>
-      <p:ext uri="{BB962C8B-B14F-4D97-AF65-F5344CB8AC3E}">
-        <p14:creationId xmlns:p14="http://schemas.microsoft.com/office/powerpoint/2010/main" val="790266361"/>
-      </p:ext>
-    </p:extLst>
-  </p:cSld>
-  <p:clrMapOvr>
-    <a:masterClrMapping/>
-  </p:clrMapOvr>
-  <p:timing>
-    <p:tnLst>
-      <p:par>
-        <p:cTn id="1" dur="indefinite" restart="never" nodeType="tmRoot"/>
-      </p:par>
-    </p:tnLst>
-  </p:timing>
-</p:sld>
-</file>
-
-<file path=ppt/slides/slide8.xml><?xml version="1.0" encoding="utf-8"?>
-<p:sld xmlns:a="http://schemas.openxmlformats.org/drawingml/2006/main" xmlns:r="http://schemas.openxmlformats.org/officeDocument/2006/relationships" xmlns:p="http://schemas.openxmlformats.org/presentationml/2006/main">
-  <p:cSld>
-    <p:spTree>
-      <p:nvGrpSpPr>
-        <p:cNvPr id="1" name=""/>
-        <p:cNvGrpSpPr/>
-        <p:nvPr/>
-      </p:nvGrpSpPr>
-      <p:grpSpPr>
-        <a:xfrm>
-          <a:off x="0" y="0"/>
-          <a:ext cx="0" cy="0"/>
-          <a:chOff x="0" y="0"/>
-          <a:chExt cx="0" cy="0"/>
-        </a:xfrm>
-      </p:grpSpPr>
-      <p:sp>
-        <p:nvSpPr>
-          <p:cNvPr id="2" name="标题 1"/>
-          <p:cNvSpPr>
-            <a:spLocks noGrp="1"/>
-          </p:cNvSpPr>
-          <p:nvPr>
-            <p:ph type="title"/>
-          </p:nvPr>
-        </p:nvSpPr>
-        <p:spPr/>
-        <p:txBody>
-          <a:bodyPr/>
-          <a:lstStyle/>
-          <a:p>
-            <a:r>
-              <a:rPr lang="zh-CN" altLang="en-US" dirty="0"/>
-              <a:t>偏向锁</a:t>
-            </a:r>
           </a:p>
         </p:txBody>
       </p:sp>
@@ -13047,6 +11913,7 @@
               <a:rPr lang="en-US" altLang="zh-CN" sz="1600" dirty="0"/>
               <a:t> =new Vector&lt;Integer&gt;();</a:t>
             </a:r>
+            <a:endParaRPr lang="en-US" altLang="zh-CN" sz="1600" dirty="0"/>
           </a:p>
           <a:p>
             <a:r>
@@ -13069,6 +11936,7 @@
               <a:rPr lang="en-US" altLang="zh-CN" sz="1600" dirty="0"/>
               <a:t> {</a:t>
             </a:r>
+            <a:endParaRPr lang="en-US" altLang="zh-CN" sz="1600" dirty="0"/>
           </a:p>
           <a:p>
             <a:r>
@@ -13083,6 +11951,7 @@
               <a:rPr lang="en-US" altLang="zh-CN" sz="1600" dirty="0"/>
               <a:t>();</a:t>
             </a:r>
+            <a:endParaRPr lang="en-US" altLang="zh-CN" sz="1600" dirty="0"/>
           </a:p>
           <a:p>
             <a:r>
@@ -13097,6 +11966,7 @@
               <a:rPr lang="en-US" altLang="zh-CN" sz="1600" dirty="0"/>
               <a:t> count=0;</a:t>
             </a:r>
+            <a:endParaRPr lang="en-US" altLang="zh-CN" sz="1600" dirty="0"/>
           </a:p>
           <a:p>
             <a:r>
@@ -13119,12 +11989,14 @@
               <a:rPr lang="en-US" altLang="zh-CN" sz="1600" dirty="0"/>
               <a:t>=0;</a:t>
             </a:r>
+            <a:endParaRPr lang="en-US" altLang="zh-CN" sz="1600" dirty="0"/>
           </a:p>
           <a:p>
             <a:r>
               <a:rPr lang="en-US" altLang="zh-CN" sz="1600" dirty="0"/>
               <a:t>	while(count&lt;10000000){</a:t>
             </a:r>
+            <a:endParaRPr lang="en-US" altLang="zh-CN" sz="1600" dirty="0"/>
           </a:p>
           <a:p>
             <a:r>
@@ -13147,6 +12019,7 @@
               <a:rPr lang="en-US" altLang="zh-CN" sz="1600" dirty="0"/>
               <a:t>);</a:t>
             </a:r>
+            <a:endParaRPr lang="en-US" altLang="zh-CN" sz="1600" dirty="0"/>
           </a:p>
           <a:p>
             <a:r>
@@ -13161,18 +12034,21 @@
               <a:rPr lang="en-US" altLang="zh-CN" sz="1600" dirty="0"/>
               <a:t>+=2;</a:t>
             </a:r>
+            <a:endParaRPr lang="en-US" altLang="zh-CN" sz="1600" dirty="0"/>
           </a:p>
           <a:p>
             <a:r>
               <a:rPr lang="en-US" altLang="zh-CN" sz="1600" dirty="0"/>
               <a:t>		count++;</a:t>
             </a:r>
+            <a:endParaRPr lang="en-US" altLang="zh-CN" sz="1600" dirty="0"/>
           </a:p>
           <a:p>
             <a:r>
               <a:rPr lang="en-US" altLang="zh-CN" sz="1600" dirty="0"/>
               <a:t>	}</a:t>
             </a:r>
+            <a:endParaRPr lang="en-US" altLang="zh-CN" sz="1600" dirty="0"/>
           </a:p>
           <a:p>
             <a:r>
@@ -13187,6 +12063,7 @@
               <a:rPr lang="en-US" altLang="zh-CN" sz="1600" dirty="0"/>
               <a:t>();</a:t>
             </a:r>
+            <a:endParaRPr lang="en-US" altLang="zh-CN" sz="1600" dirty="0"/>
           </a:p>
           <a:p>
             <a:r>
@@ -13201,6 +12078,7 @@
               <a:rPr lang="en-US" altLang="zh-CN" sz="1600" dirty="0"/>
               <a:t>(end-begin);</a:t>
             </a:r>
+            <a:endParaRPr lang="en-US" altLang="zh-CN" sz="1600" dirty="0"/>
           </a:p>
           <a:p>
             <a:r>
@@ -13379,11 +12257,6 @@
         </p:txBody>
       </p:sp>
     </p:spTree>
-    <p:extLst>
-      <p:ext uri="{BB962C8B-B14F-4D97-AF65-F5344CB8AC3E}">
-        <p14:creationId xmlns:p14="http://schemas.microsoft.com/office/powerpoint/2010/main" val="106131538"/>
-      </p:ext>
-    </p:extLst>
   </p:cSld>
   <p:clrMapOvr>
     <a:masterClrMapping/>
@@ -13477,7 +12350,7 @@
 </p:sld>
 </file>
 
-<file path=ppt/slides/slide9.xml><?xml version="1.0" encoding="utf-8"?>
+<file path=ppt/slides/slide7.xml><?xml version="1.0" encoding="utf-8"?>
 <p:sld xmlns:a="http://schemas.openxmlformats.org/drawingml/2006/main" xmlns:r="http://schemas.openxmlformats.org/officeDocument/2006/relationships" xmlns:p="http://schemas.openxmlformats.org/presentationml/2006/main">
   <p:cSld>
     <p:spTree>
@@ -13839,11 +12712,410 @@
         </p:txBody>
       </p:sp>
     </p:spTree>
-    <p:extLst>
-      <p:ext uri="{BB962C8B-B14F-4D97-AF65-F5344CB8AC3E}">
-        <p14:creationId xmlns:p14="http://schemas.microsoft.com/office/powerpoint/2010/main" val="1169284230"/>
-      </p:ext>
-    </p:extLst>
+  </p:cSld>
+  <p:clrMapOvr>
+    <a:masterClrMapping/>
+  </p:clrMapOvr>
+  <p:timing>
+    <p:tnLst>
+      <p:par>
+        <p:cTn id="1" dur="indefinite" restart="never" nodeType="tmRoot"/>
+      </p:par>
+    </p:tnLst>
+  </p:timing>
+</p:sld>
+</file>
+
+<file path=ppt/slides/slide8.xml><?xml version="1.0" encoding="utf-8"?>
+<p:sld xmlns:a="http://schemas.openxmlformats.org/drawingml/2006/main" xmlns:r="http://schemas.openxmlformats.org/officeDocument/2006/relationships" xmlns:p="http://schemas.openxmlformats.org/presentationml/2006/main">
+  <p:cSld>
+    <p:spTree>
+      <p:nvGrpSpPr>
+        <p:cNvPr id="1" name=""/>
+        <p:cNvGrpSpPr/>
+        <p:nvPr/>
+      </p:nvGrpSpPr>
+      <p:grpSpPr>
+        <a:xfrm>
+          <a:off x="0" y="0"/>
+          <a:ext cx="0" cy="0"/>
+          <a:chOff x="0" y="0"/>
+          <a:chExt cx="0" cy="0"/>
+        </a:xfrm>
+      </p:grpSpPr>
+      <p:sp>
+        <p:nvSpPr>
+          <p:cNvPr id="2" name="标题 1"/>
+          <p:cNvSpPr>
+            <a:spLocks noGrp="1"/>
+          </p:cNvSpPr>
+          <p:nvPr>
+            <p:ph type="title"/>
+          </p:nvPr>
+        </p:nvSpPr>
+        <p:spPr/>
+        <p:txBody>
+          <a:bodyPr/>
+          <a:lstStyle/>
+          <a:p>
+            <a:r>
+              <a:rPr lang="zh-CN" altLang="en-US" dirty="0"/>
+              <a:t>轻量级</a:t>
+            </a:r>
+            <a:r>
+              <a:rPr lang="zh-CN" altLang="en-US" dirty="0" smtClean="0"/>
+              <a:t>锁</a:t>
+            </a:r>
+            <a:endParaRPr lang="zh-CN" altLang="en-US" dirty="0"/>
+          </a:p>
+        </p:txBody>
+      </p:sp>
+      <p:sp>
+        <p:nvSpPr>
+          <p:cNvPr id="3" name="内容占位符 2"/>
+          <p:cNvSpPr>
+            <a:spLocks noGrp="1"/>
+          </p:cNvSpPr>
+          <p:nvPr>
+            <p:ph idx="1"/>
+          </p:nvPr>
+        </p:nvSpPr>
+        <p:spPr/>
+        <p:txBody>
+          <a:bodyPr/>
+          <a:lstStyle/>
+          <a:p>
+            <a:r>
+              <a:rPr lang="zh-CN" altLang="en-US" dirty="0" smtClean="0"/>
+              <a:t>普通的锁处理性能不够理想，轻量级锁是一种快速的锁定方法。</a:t>
+            </a:r>
+            <a:endParaRPr lang="en-US" altLang="zh-CN" dirty="0" smtClean="0"/>
+          </a:p>
+          <a:p>
+            <a:r>
+              <a:rPr lang="zh-CN" altLang="en-US" dirty="0" smtClean="0"/>
+              <a:t>如果对象没有被锁定</a:t>
+            </a:r>
+            <a:endParaRPr lang="en-US" altLang="zh-CN" dirty="0" smtClean="0"/>
+          </a:p>
+          <a:p>
+            <a:pPr lvl="1"/>
+            <a:r>
+              <a:rPr lang="zh-CN" altLang="en-US" dirty="0" smtClean="0"/>
+              <a:t>将对象头的</a:t>
+            </a:r>
+            <a:r>
+              <a:rPr lang="en-US" altLang="zh-CN" dirty="0" smtClean="0"/>
+              <a:t>Mark</a:t>
+            </a:r>
+            <a:r>
+              <a:rPr lang="zh-CN" altLang="en-US" dirty="0" smtClean="0"/>
+              <a:t>指针保存到锁对象中</a:t>
+            </a:r>
+            <a:endParaRPr lang="en-US" altLang="zh-CN" dirty="0" smtClean="0"/>
+          </a:p>
+          <a:p>
+            <a:pPr lvl="1"/>
+            <a:r>
+              <a:rPr lang="zh-CN" altLang="en-US" dirty="0" smtClean="0"/>
+              <a:t>将对象头设置为指向锁的指针（在线程栈空间中）</a:t>
+            </a:r>
+            <a:endParaRPr lang="en-US" altLang="zh-CN" dirty="0" smtClean="0"/>
+          </a:p>
+        </p:txBody>
+      </p:sp>
+      <p:sp>
+        <p:nvSpPr>
+          <p:cNvPr id="4" name="TextBox 3"/>
+          <p:cNvSpPr txBox="1"/>
+          <p:nvPr/>
+        </p:nvSpPr>
+        <p:spPr>
+          <a:xfrm>
+            <a:off x="1061790" y="3573810"/>
+            <a:ext cx="8784976" cy="1754326"/>
+          </a:xfrm>
+          <a:prstGeom prst="rect">
+            <a:avLst/>
+          </a:prstGeom>
+        </p:spPr>
+        <p:style>
+          <a:lnRef idx="2">
+            <a:schemeClr val="accent1"/>
+          </a:lnRef>
+          <a:fillRef idx="1">
+            <a:schemeClr val="lt1"/>
+          </a:fillRef>
+          <a:effectRef idx="0">
+            <a:schemeClr val="accent1"/>
+          </a:effectRef>
+          <a:fontRef idx="minor">
+            <a:schemeClr val="dk1"/>
+          </a:fontRef>
+        </p:style>
+        <p:txBody>
+          <a:bodyPr wrap="square" rtlCol="0">
+            <a:spAutoFit/>
+          </a:bodyPr>
+          <a:lstStyle/>
+          <a:p>
+            <a:r>
+              <a:rPr lang="en-US" altLang="zh-CN" dirty="0"/>
+              <a:t>lock-&gt;</a:t>
+            </a:r>
+            <a:r>
+              <a:rPr lang="en-US" altLang="zh-CN" dirty="0" err="1"/>
+              <a:t>set_displaced_header</a:t>
+            </a:r>
+            <a:r>
+              <a:rPr lang="en-US" altLang="zh-CN" dirty="0"/>
+              <a:t>(mark</a:t>
+            </a:r>
+            <a:r>
+              <a:rPr lang="en-US" altLang="zh-CN" dirty="0" smtClean="0"/>
+              <a:t>);</a:t>
+            </a:r>
+            <a:endParaRPr lang="en-US" altLang="zh-CN" dirty="0" smtClean="0"/>
+          </a:p>
+          <a:p>
+            <a:r>
+              <a:rPr lang="en-US" altLang="zh-CN" dirty="0"/>
+              <a:t> if (mark == (</a:t>
+            </a:r>
+            <a:r>
+              <a:rPr lang="en-US" altLang="zh-CN" dirty="0" err="1"/>
+              <a:t>markOop</a:t>
+            </a:r>
+            <a:r>
+              <a:rPr lang="en-US" altLang="zh-CN" dirty="0"/>
+              <a:t>) Atomic::</a:t>
+            </a:r>
+            <a:r>
+              <a:rPr lang="en-US" altLang="zh-CN" dirty="0" err="1"/>
+              <a:t>cmpxchg_ptr</a:t>
+            </a:r>
+            <a:r>
+              <a:rPr lang="en-US" altLang="zh-CN" dirty="0"/>
+              <a:t>(lock, </a:t>
+            </a:r>
+            <a:r>
+              <a:rPr lang="en-US" altLang="zh-CN" dirty="0" err="1"/>
+              <a:t>obj</a:t>
+            </a:r>
+            <a:r>
+              <a:rPr lang="en-US" altLang="zh-CN" dirty="0"/>
+              <a:t>()-&gt;</a:t>
+            </a:r>
+            <a:r>
+              <a:rPr lang="en-US" altLang="zh-CN" dirty="0" err="1"/>
+              <a:t>mark_addr</a:t>
+            </a:r>
+            <a:r>
+              <a:rPr lang="en-US" altLang="zh-CN" dirty="0"/>
+              <a:t>(), mark)) {</a:t>
+            </a:r>
+            <a:endParaRPr lang="en-US" altLang="zh-CN" dirty="0"/>
+          </a:p>
+          <a:p>
+            <a:r>
+              <a:rPr lang="en-US" altLang="zh-CN" dirty="0"/>
+              <a:t>      TEVENT (</a:t>
+            </a:r>
+            <a:r>
+              <a:rPr lang="en-US" altLang="zh-CN" dirty="0" err="1"/>
+              <a:t>slow_enter</a:t>
+            </a:r>
+            <a:r>
+              <a:rPr lang="en-US" altLang="zh-CN" dirty="0"/>
+              <a:t>: release </a:t>
+            </a:r>
+            <a:r>
+              <a:rPr lang="en-US" altLang="zh-CN" dirty="0" err="1"/>
+              <a:t>stacklock</a:t>
+            </a:r>
+            <a:r>
+              <a:rPr lang="en-US" altLang="zh-CN" dirty="0"/>
+              <a:t>) ;</a:t>
+            </a:r>
+            <a:endParaRPr lang="en-US" altLang="zh-CN" dirty="0"/>
+          </a:p>
+          <a:p>
+            <a:r>
+              <a:rPr lang="en-US" altLang="zh-CN" dirty="0"/>
+              <a:t>      return ;</a:t>
+            </a:r>
+            <a:endParaRPr lang="en-US" altLang="zh-CN" dirty="0"/>
+          </a:p>
+          <a:p>
+            <a:r>
+              <a:rPr lang="en-US" altLang="zh-CN" dirty="0" smtClean="0"/>
+              <a:t>}</a:t>
+            </a:r>
+            <a:endParaRPr lang="zh-CN" altLang="en-US" dirty="0"/>
+          </a:p>
+        </p:txBody>
+      </p:sp>
+      <p:sp>
+        <p:nvSpPr>
+          <p:cNvPr id="5" name="TextBox 4"/>
+          <p:cNvSpPr txBox="1"/>
+          <p:nvPr/>
+        </p:nvSpPr>
+        <p:spPr>
+          <a:xfrm>
+            <a:off x="1041027" y="5590034"/>
+            <a:ext cx="8784976" cy="369332"/>
+          </a:xfrm>
+          <a:prstGeom prst="rect">
+            <a:avLst/>
+          </a:prstGeom>
+        </p:spPr>
+        <p:style>
+          <a:lnRef idx="2">
+            <a:schemeClr val="accent2">
+              <a:shade val="50000"/>
+            </a:schemeClr>
+          </a:lnRef>
+          <a:fillRef idx="1">
+            <a:schemeClr val="accent2"/>
+          </a:fillRef>
+          <a:effectRef idx="0">
+            <a:schemeClr val="accent2"/>
+          </a:effectRef>
+          <a:fontRef idx="minor">
+            <a:schemeClr val="lt1"/>
+          </a:fontRef>
+        </p:style>
+        <p:txBody>
+          <a:bodyPr wrap="square" rtlCol="0">
+            <a:spAutoFit/>
+          </a:bodyPr>
+          <a:lstStyle/>
+          <a:p>
+            <a:r>
+              <a:rPr lang="en-US" altLang="zh-CN" dirty="0" smtClean="0"/>
+              <a:t>lock</a:t>
+            </a:r>
+            <a:r>
+              <a:rPr lang="zh-CN" altLang="en-US" dirty="0" smtClean="0"/>
+              <a:t>位于线程栈中</a:t>
+            </a:r>
+            <a:endParaRPr lang="en-US" altLang="zh-CN" dirty="0" smtClean="0"/>
+          </a:p>
+        </p:txBody>
+      </p:sp>
+    </p:spTree>
+  </p:cSld>
+  <p:clrMapOvr>
+    <a:masterClrMapping/>
+  </p:clrMapOvr>
+  <p:timing>
+    <p:tnLst>
+      <p:par>
+        <p:cTn id="1" dur="indefinite" restart="never" nodeType="tmRoot"/>
+      </p:par>
+    </p:tnLst>
+  </p:timing>
+</p:sld>
+</file>
+
+<file path=ppt/slides/slide9.xml><?xml version="1.0" encoding="utf-8"?>
+<p:sld xmlns:a="http://schemas.openxmlformats.org/drawingml/2006/main" xmlns:r="http://schemas.openxmlformats.org/officeDocument/2006/relationships" xmlns:p="http://schemas.openxmlformats.org/presentationml/2006/main">
+  <p:cSld>
+    <p:spTree>
+      <p:nvGrpSpPr>
+        <p:cNvPr id="1" name=""/>
+        <p:cNvGrpSpPr/>
+        <p:nvPr/>
+      </p:nvGrpSpPr>
+      <p:grpSpPr>
+        <a:xfrm>
+          <a:off x="0" y="0"/>
+          <a:ext cx="0" cy="0"/>
+          <a:chOff x="0" y="0"/>
+          <a:chExt cx="0" cy="0"/>
+        </a:xfrm>
+      </p:grpSpPr>
+      <p:sp>
+        <p:nvSpPr>
+          <p:cNvPr id="2" name="标题 1"/>
+          <p:cNvSpPr>
+            <a:spLocks noGrp="1"/>
+          </p:cNvSpPr>
+          <p:nvPr>
+            <p:ph type="title"/>
+          </p:nvPr>
+        </p:nvSpPr>
+        <p:spPr/>
+        <p:txBody>
+          <a:bodyPr/>
+          <a:lstStyle/>
+          <a:p>
+            <a:r>
+              <a:rPr lang="zh-CN" altLang="en-US" dirty="0"/>
+              <a:t>轻量级锁</a:t>
+            </a:r>
+            <a:endParaRPr lang="zh-CN" altLang="en-US" dirty="0"/>
+          </a:p>
+        </p:txBody>
+      </p:sp>
+      <p:sp>
+        <p:nvSpPr>
+          <p:cNvPr id="3" name="内容占位符 2"/>
+          <p:cNvSpPr>
+            <a:spLocks noGrp="1"/>
+          </p:cNvSpPr>
+          <p:nvPr>
+            <p:ph idx="1"/>
+          </p:nvPr>
+        </p:nvSpPr>
+        <p:spPr/>
+        <p:txBody>
+          <a:bodyPr/>
+          <a:lstStyle/>
+          <a:p>
+            <a:r>
+              <a:rPr lang="zh-CN" altLang="en-US" dirty="0" smtClean="0"/>
+              <a:t>如果轻量级锁失败，表示存在竞争，升级为重量级锁（常规锁）</a:t>
+            </a:r>
+            <a:endParaRPr lang="en-US" altLang="zh-CN" dirty="0" smtClean="0"/>
+          </a:p>
+          <a:p>
+            <a:r>
+              <a:rPr lang="zh-CN" altLang="en-US" dirty="0" smtClean="0"/>
+              <a:t>在没有锁竞争的前提下，减少传统锁使用</a:t>
+            </a:r>
+            <a:r>
+              <a:rPr lang="en-US" altLang="zh-CN" dirty="0" smtClean="0"/>
+              <a:t>OS</a:t>
+            </a:r>
+            <a:r>
+              <a:rPr lang="zh-CN" altLang="en-US" dirty="0" smtClean="0"/>
+              <a:t>互斥量产生的性能损耗</a:t>
+            </a:r>
+            <a:endParaRPr lang="en-US" altLang="zh-CN" dirty="0" smtClean="0"/>
+          </a:p>
+          <a:p>
+            <a:r>
+              <a:rPr lang="zh-CN" altLang="en-US" dirty="0" smtClean="0"/>
+              <a:t>在竞争</a:t>
+            </a:r>
+            <a:r>
+              <a:rPr lang="zh-CN" altLang="en-US" dirty="0"/>
+              <a:t>激烈时，</a:t>
+            </a:r>
+            <a:r>
+              <a:rPr lang="zh-CN" altLang="en-US" dirty="0" smtClean="0"/>
+              <a:t>轻量级锁会多做很多额外操作，导致性能下降</a:t>
+            </a:r>
+            <a:endParaRPr lang="en-US" altLang="zh-CN" dirty="0" smtClean="0"/>
+          </a:p>
+          <a:p>
+            <a:endParaRPr lang="zh-CN" altLang="en-US" dirty="0"/>
+          </a:p>
+        </p:txBody>
+      </p:sp>
+    </p:spTree>
   </p:cSld>
   <p:clrMapOvr>
     <a:masterClrMapping/>
@@ -14097,8 +13369,11 @@
       </a:bgFillStyleLst>
     </a:fmtScheme>
   </a:themeElements>
-  <a:objectDefaults/>
-  <a:extraClrSchemeLst/>
+  <a:extLst>
+    <a:ext uri="{05A4C25C-085E-4340-85A3-A5531E510DB2}">
+      <thm15:themeFamily xmlns:thm15="http://schemas.microsoft.com/office/thememl/2012/main" name="Office Theme" id="{62F939B6-93AF-4DB8-9C6B-D6C7DFDC589F}" vid="{4A3C46E8-61CC-4603-A589-7422A47A8E4A}"/>
+    </a:ext>
+  </a:extLst>
 </a:theme>
 </file>
 
@@ -14380,8 +13655,11 @@
       </a:bgFillStyleLst>
     </a:fmtScheme>
   </a:themeElements>
-  <a:objectDefaults/>
-  <a:extraClrSchemeLst/>
+  <a:extLst>
+    <a:ext uri="{05A4C25C-085E-4340-85A3-A5531E510DB2}">
+      <thm15:themeFamily xmlns:thm15="http://schemas.microsoft.com/office/thememl/2012/main" name="Office Theme" id="{62F939B6-93AF-4DB8-9C6B-D6C7DFDC589F}" vid="{4A3C46E8-61CC-4603-A589-7422A47A8E4A}"/>
+    </a:ext>
+  </a:extLst>
 </a:theme>
 </file>
 
@@ -14663,7 +13941,10 @@
       </a:bgFillStyleLst>
     </a:fmtScheme>
   </a:themeElements>
-  <a:objectDefaults/>
-  <a:extraClrSchemeLst/>
+  <a:extLst>
+    <a:ext uri="{05A4C25C-085E-4340-85A3-A5531E510DB2}">
+      <thm15:themeFamily xmlns:thm15="http://schemas.microsoft.com/office/thememl/2012/main" name="Office Theme" id="{62F939B6-93AF-4DB8-9C6B-D6C7DFDC589F}" vid="{4A3C46E8-61CC-4603-A589-7422A47A8E4A}"/>
+    </a:ext>
+  </a:extLst>
 </a:theme>
 </file>
--- a/javabase1Jvm/src/main/java/com/javabase/jvm1runtime/runtimeDetail/9.锁.pptx
+++ b/javabase1Jvm/src/main/java/com/javabase/jvm1runtime/runtimeDetail/9.锁.pptx
@@ -3003,14 +3003,14 @@
               <a:rPr lang="zh-CN" altLang="en-US" sz="1300" baseline="0" dirty="0" smtClean="0">
                 <a:latin typeface="微软雅黑" panose="020B0503020204020204" pitchFamily="34" charset="-122"/>
                 <a:ea typeface="微软雅黑" panose="020B0503020204020204" pitchFamily="34" charset="-122"/>
-                <a:cs typeface="Arial Unicode MS" pitchFamily="34" charset="-122"/>
+                <a:cs typeface="Arial Unicode MS" panose="020B0604020202020204" pitchFamily="34" charset="-122"/>
               </a:rPr>
               <a:t>葛一鸣</a:t>
             </a:r>
             <a:endParaRPr lang="en-US" altLang="zh-CN" sz="1300" baseline="0" dirty="0" smtClean="0">
               <a:latin typeface="微软雅黑" panose="020B0503020204020204" pitchFamily="34" charset="-122"/>
               <a:ea typeface="微软雅黑" panose="020B0503020204020204" pitchFamily="34" charset="-122"/>
-              <a:cs typeface="Arial Unicode MS" pitchFamily="34" charset="-122"/>
+              <a:cs typeface="Arial Unicode MS" panose="020B0604020202020204" pitchFamily="34" charset="-122"/>
             </a:endParaRPr>
           </a:p>
           <a:p>
@@ -3027,7 +3027,7 @@
               <a:rPr lang="zh-CN" altLang="en-US" sz="1300" baseline="0" dirty="0" smtClean="0">
                 <a:latin typeface="微软雅黑" panose="020B0503020204020204" pitchFamily="34" charset="-122"/>
                 <a:ea typeface="微软雅黑" panose="020B0503020204020204" pitchFamily="34" charset="-122"/>
-                <a:cs typeface="Arial Unicode MS" pitchFamily="34" charset="-122"/>
+                <a:cs typeface="Arial Unicode MS" panose="020B0604020202020204" pitchFamily="34" charset="-122"/>
               </a:rPr>
               <a:t>主页 </a:t>
             </a:r>
@@ -3035,14 +3035,14 @@
               <a:rPr lang="en-US" altLang="zh-CN" sz="1300" baseline="0" dirty="0" smtClean="0">
                 <a:latin typeface="微软雅黑" panose="020B0503020204020204" pitchFamily="34" charset="-122"/>
                 <a:ea typeface="微软雅黑" panose="020B0503020204020204" pitchFamily="34" charset="-122"/>
-                <a:cs typeface="Arial Unicode MS" pitchFamily="34" charset="-122"/>
+                <a:cs typeface="Arial Unicode MS" panose="020B0604020202020204" pitchFamily="34" charset="-122"/>
               </a:rPr>
               <a:t>http://www.uucode.net</a:t>
             </a:r>
             <a:endParaRPr lang="zh-CN" altLang="en-US" sz="1300" dirty="0">
               <a:latin typeface="微软雅黑" panose="020B0503020204020204" pitchFamily="34" charset="-122"/>
               <a:ea typeface="微软雅黑" panose="020B0503020204020204" pitchFamily="34" charset="-122"/>
-              <a:cs typeface="Arial Unicode MS" pitchFamily="34" charset="-122"/>
+              <a:cs typeface="Arial Unicode MS" panose="020B0604020202020204" pitchFamily="34" charset="-122"/>
             </a:endParaRPr>
           </a:p>
         </p:txBody>
@@ -3961,24 +3961,24 @@
             </a:pPr>
             <a:r>
               <a:rPr lang="en-US" altLang="zh-CN" sz="1300" dirty="0" smtClean="0">
-                <a:latin typeface="Arial Unicode MS" pitchFamily="34" charset="-122"/>
-                <a:ea typeface="Arial Unicode MS" pitchFamily="34" charset="-122"/>
-                <a:cs typeface="Arial Unicode MS" pitchFamily="34" charset="-122"/>
+                <a:latin typeface="Arial Unicode MS" panose="020B0604020202020204" pitchFamily="34" charset="-122"/>
+                <a:ea typeface="Arial Unicode MS" panose="020B0604020202020204" pitchFamily="34" charset="-122"/>
+                <a:cs typeface="Arial Unicode MS" panose="020B0604020202020204" pitchFamily="34" charset="-122"/>
               </a:rPr>
               <a:t>DATAGURU</a:t>
             </a:r>
             <a:r>
               <a:rPr lang="zh-CN" altLang="en-US" sz="1300" dirty="0" smtClean="0">
-                <a:latin typeface="Arial Unicode MS" pitchFamily="34" charset="-122"/>
-                <a:ea typeface="Arial Unicode MS" pitchFamily="34" charset="-122"/>
-                <a:cs typeface="Arial Unicode MS" pitchFamily="34" charset="-122"/>
+                <a:latin typeface="Arial Unicode MS" panose="020B0604020202020204" pitchFamily="34" charset="-122"/>
+                <a:ea typeface="Arial Unicode MS" panose="020B0604020202020204" pitchFamily="34" charset="-122"/>
+                <a:cs typeface="Arial Unicode MS" panose="020B0604020202020204" pitchFamily="34" charset="-122"/>
               </a:rPr>
               <a:t>专业数据分析网站</a:t>
             </a:r>
             <a:endParaRPr lang="zh-CN" altLang="en-US" sz="1300" dirty="0">
-              <a:latin typeface="Arial Unicode MS" pitchFamily="34" charset="-122"/>
-              <a:ea typeface="Arial Unicode MS" pitchFamily="34" charset="-122"/>
-              <a:cs typeface="Arial Unicode MS" pitchFamily="34" charset="-122"/>
+              <a:latin typeface="Arial Unicode MS" panose="020B0604020202020204" pitchFamily="34" charset="-122"/>
+              <a:ea typeface="Arial Unicode MS" panose="020B0604020202020204" pitchFamily="34" charset="-122"/>
+              <a:cs typeface="Arial Unicode MS" panose="020B0604020202020204" pitchFamily="34" charset="-122"/>
             </a:endParaRPr>
           </a:p>
         </p:txBody>
@@ -4504,16 +4504,16 @@
             </a:r>
             <a:r>
               <a:rPr lang="zh-CN" altLang="en-US" sz="1200" baseline="0" dirty="0" smtClean="0">
-                <a:latin typeface="Arial Unicode MS" pitchFamily="34" charset="-122"/>
-                <a:ea typeface="Arial Unicode MS" pitchFamily="34" charset="-122"/>
-                <a:cs typeface="Arial Unicode MS" pitchFamily="34" charset="-122"/>
+                <a:latin typeface="Arial Unicode MS" panose="020B0604020202020204" pitchFamily="34" charset="-122"/>
+                <a:ea typeface="Arial Unicode MS" panose="020B0604020202020204" pitchFamily="34" charset="-122"/>
+                <a:cs typeface="Arial Unicode MS" panose="020B0604020202020204" pitchFamily="34" charset="-122"/>
               </a:rPr>
               <a:t>葛一鸣</a:t>
             </a:r>
             <a:endParaRPr lang="en-US" altLang="zh-CN" sz="1200" baseline="0" dirty="0" smtClean="0">
-              <a:latin typeface="Arial Unicode MS" pitchFamily="34" charset="-122"/>
-              <a:ea typeface="Arial Unicode MS" pitchFamily="34" charset="-122"/>
-              <a:cs typeface="Arial Unicode MS" pitchFamily="34" charset="-122"/>
+              <a:latin typeface="Arial Unicode MS" panose="020B0604020202020204" pitchFamily="34" charset="-122"/>
+              <a:ea typeface="Arial Unicode MS" panose="020B0604020202020204" pitchFamily="34" charset="-122"/>
+              <a:cs typeface="Arial Unicode MS" panose="020B0604020202020204" pitchFamily="34" charset="-122"/>
             </a:endParaRPr>
           </a:p>
           <a:p>
@@ -4528,24 +4528,24 @@
             </a:pPr>
             <a:r>
               <a:rPr lang="zh-CN" altLang="en-US" sz="1200" baseline="0" dirty="0" smtClean="0">
-                <a:latin typeface="Arial Unicode MS" pitchFamily="34" charset="-122"/>
-                <a:ea typeface="Arial Unicode MS" pitchFamily="34" charset="-122"/>
-                <a:cs typeface="Arial Unicode MS" pitchFamily="34" charset="-122"/>
+                <a:latin typeface="Arial Unicode MS" panose="020B0604020202020204" pitchFamily="34" charset="-122"/>
+                <a:ea typeface="Arial Unicode MS" panose="020B0604020202020204" pitchFamily="34" charset="-122"/>
+                <a:cs typeface="Arial Unicode MS" panose="020B0604020202020204" pitchFamily="34" charset="-122"/>
               </a:rPr>
               <a:t>主页 </a:t>
             </a:r>
             <a:r>
               <a:rPr lang="en-US" altLang="zh-CN" sz="1200" baseline="0" dirty="0" smtClean="0">
-                <a:latin typeface="Arial Unicode MS" pitchFamily="34" charset="-122"/>
-                <a:ea typeface="Arial Unicode MS" pitchFamily="34" charset="-122"/>
-                <a:cs typeface="Arial Unicode MS" pitchFamily="34" charset="-122"/>
+                <a:latin typeface="Arial Unicode MS" panose="020B0604020202020204" pitchFamily="34" charset="-122"/>
+                <a:ea typeface="Arial Unicode MS" panose="020B0604020202020204" pitchFamily="34" charset="-122"/>
+                <a:cs typeface="Arial Unicode MS" panose="020B0604020202020204" pitchFamily="34" charset="-122"/>
               </a:rPr>
               <a:t>http://www.uucode.net</a:t>
             </a:r>
             <a:endParaRPr lang="zh-CN" altLang="en-US" sz="1200" dirty="0">
-              <a:latin typeface="Arial Unicode MS" pitchFamily="34" charset="-122"/>
-              <a:ea typeface="Arial Unicode MS" pitchFamily="34" charset="-122"/>
-              <a:cs typeface="Arial Unicode MS" pitchFamily="34" charset="-122"/>
+              <a:latin typeface="Arial Unicode MS" panose="020B0604020202020204" pitchFamily="34" charset="-122"/>
+              <a:ea typeface="Arial Unicode MS" panose="020B0604020202020204" pitchFamily="34" charset="-122"/>
+              <a:cs typeface="Arial Unicode MS" panose="020B0604020202020204" pitchFamily="34" charset="-122"/>
             </a:endParaRPr>
           </a:p>
         </p:txBody>
@@ -5327,7 +5327,25 @@
               <a:rPr lang="zh-CN" altLang="en-US" dirty="0" smtClean="0"/>
               <a:t>自旋锁</a:t>
             </a:r>
-            <a:endParaRPr lang="en-US" altLang="zh-CN" dirty="0" smtClean="0"/>
+            <a:endParaRPr lang="zh-CN" altLang="en-US" dirty="0" smtClean="0"/>
+          </a:p>
+          <a:p>
+            <a:pPr marL="0" indent="0">
+              <a:buNone/>
+            </a:pPr>
+            <a:r>
+              <a:rPr lang="zh-CN" altLang="en-US" dirty="0" smtClean="0"/>
+              <a:t>这是</a:t>
+            </a:r>
+            <a:r>
+              <a:rPr lang="en-US" altLang="zh-CN" dirty="0" smtClean="0"/>
+              <a:t>jvm</a:t>
+            </a:r>
+            <a:r>
+              <a:rPr lang="zh-CN" altLang="en-US" dirty="0" smtClean="0"/>
+              <a:t>的锁</a:t>
+            </a:r>
+            <a:endParaRPr lang="zh-CN" altLang="en-US" dirty="0" smtClean="0"/>
           </a:p>
         </p:txBody>
       </p:sp>

--- a/javabase1Jvm/src/main/java/com/javabase/jvm1runtime/runtimeDetail/9.锁.pptx
+++ b/javabase1Jvm/src/main/java/com/javabase/jvm1runtime/runtimeDetail/9.锁.pptx
@@ -12116,7 +12116,7 @@
         <p:spPr>
           <a:xfrm>
             <a:off x="415516" y="4727359"/>
-            <a:ext cx="9304852" cy="338554"/>
+            <a:ext cx="9304852" cy="583565"/>
           </a:xfrm>
           <a:prstGeom prst="rect">
             <a:avLst/>
@@ -12164,9 +12164,33 @@
             </a:r>
             <a:r>
               <a:rPr lang="en-US" altLang="zh-CN" sz="1600" dirty="0" smtClean="0"/>
-              <a:t>=0</a:t>
-            </a:r>
-            <a:endParaRPr lang="zh-CN" altLang="en-US" sz="1600" dirty="0"/>
+              <a:t>=0  </a:t>
+            </a:r>
+            <a:r>
+              <a:rPr lang="zh-CN" altLang="en-US" sz="1600" dirty="0" smtClean="0"/>
+              <a:t>设置为</a:t>
+            </a:r>
+            <a:r>
+              <a:rPr lang="en-US" altLang="zh-CN" sz="1600" dirty="0" smtClean="0"/>
+              <a:t>0</a:t>
+            </a:r>
+            <a:r>
+              <a:rPr lang="zh-CN" altLang="en-US" sz="1600" dirty="0" smtClean="0"/>
+              <a:t>是为了实验，</a:t>
+            </a:r>
+            <a:r>
+              <a:rPr lang="en-US" altLang="zh-CN" sz="1600" dirty="0" smtClean="0"/>
+              <a:t>jvm</a:t>
+            </a:r>
+            <a:r>
+              <a:rPr lang="zh-CN" altLang="en-US" sz="1600" dirty="0" smtClean="0"/>
+              <a:t>启动不会马上开启偏向模式，设置为</a:t>
+            </a:r>
+            <a:r>
+              <a:rPr lang="en-US" altLang="zh-CN" sz="1600" dirty="0" smtClean="0"/>
+              <a:t>0</a:t>
+            </a:r>
+            <a:endParaRPr lang="en-US" altLang="zh-CN" sz="1600" dirty="0" smtClean="0"/>
           </a:p>
         </p:txBody>
       </p:sp>
